--- a/doc/画面定義書 (1).pptx
+++ b/doc/画面定義書 (1).pptx
@@ -5,7 +5,7 @@
     <p:sldMasterId id="2147483660" r:id="rId1"/>
   </p:sldMasterIdLst>
   <p:notesMasterIdLst>
-    <p:notesMasterId r:id="rId10"/>
+    <p:notesMasterId r:id="rId14"/>
   </p:notesMasterIdLst>
   <p:sldIdLst>
     <p:sldId id="257" r:id="rId2"/>
@@ -14,8 +14,12 @@
     <p:sldId id="260" r:id="rId5"/>
     <p:sldId id="261" r:id="rId6"/>
     <p:sldId id="262" r:id="rId7"/>
-    <p:sldId id="264" r:id="rId8"/>
-    <p:sldId id="263" r:id="rId9"/>
+    <p:sldId id="263" r:id="rId8"/>
+    <p:sldId id="264" r:id="rId9"/>
+    <p:sldId id="265" r:id="rId10"/>
+    <p:sldId id="266" r:id="rId11"/>
+    <p:sldId id="267" r:id="rId12"/>
+    <p:sldId id="268" r:id="rId13"/>
   </p:sldIdLst>
   <p:sldSz cx="12801600" cy="9601200" type="A3"/>
   <p:notesSz cx="6858000" cy="9144000"/>
@@ -3721,7 +3725,7 @@
         <p:spPr/>
         <p:txBody>
           <a:bodyPr>
-            <a:normAutofit lnSpcReduction="10000"/>
+            <a:normAutofit fontScale="92500" lnSpcReduction="10000"/>
           </a:bodyPr>
           <a:lstStyle/>
           <a:p>
@@ -3751,6 +3755,18 @@
             <a:endParaRPr lang="en-US" altLang="ja-JP" dirty="0"/>
           </a:p>
           <a:p>
+            <a:pPr lvl="1"/>
+            <a:r>
+              <a:rPr lang="en-US" altLang="ja-JP" dirty="0"/>
+              <a:t>B-2</a:t>
+            </a:r>
+            <a:r>
+              <a:rPr lang="ja-JP" altLang="en-US" dirty="0"/>
+              <a:t>　会員登録確認ページ</a:t>
+            </a:r>
+            <a:endParaRPr lang="en-US" altLang="ja-JP" dirty="0"/>
+          </a:p>
+          <a:p>
             <a:r>
               <a:rPr lang="en-US" altLang="ja-JP" dirty="0"/>
               <a:t>C-1 </a:t>
@@ -3788,7 +3804,7 @@
             <a:pPr lvl="1"/>
             <a:r>
               <a:rPr lang="en-US" altLang="ja-JP" dirty="0"/>
-              <a:t>D-2 </a:t>
+              <a:t>D-3 </a:t>
             </a:r>
             <a:r>
               <a:rPr lang="ja-JP" altLang="en-US" dirty="0"/>
@@ -3800,18 +3816,6 @@
             <a:pPr lvl="1"/>
             <a:r>
               <a:rPr lang="en-US" altLang="ja-JP" dirty="0"/>
-              <a:t>D-3 </a:t>
-            </a:r>
-            <a:r>
-              <a:rPr lang="ja-JP" altLang="en-US" dirty="0"/>
-              <a:t>投稿一覧</a:t>
-            </a:r>
-            <a:endParaRPr lang="en-US" altLang="ja-JP" dirty="0"/>
-          </a:p>
-          <a:p>
-            <a:pPr lvl="1"/>
-            <a:r>
-              <a:rPr lang="en-US" altLang="ja-JP" dirty="0"/>
               <a:t>D-4</a:t>
             </a:r>
             <a:r>
@@ -3836,15 +3840,19 @@
             </a:r>
             <a:r>
               <a:rPr lang="ja-JP" altLang="en-US" dirty="0"/>
-              <a:t>よ</a:t>
-            </a:r>
-            <a:r>
-              <a:rPr lang="ja-JP" altLang="en-US"/>
-              <a:t>く</a:t>
+              <a:t>よくないね機能</a:t>
+            </a:r>
+            <a:endParaRPr lang="en-US" altLang="ja-JP" dirty="0"/>
+          </a:p>
+          <a:p>
+            <a:pPr lvl="1"/>
+            <a:r>
+              <a:rPr lang="en-US" altLang="ja-JP" dirty="0"/>
+              <a:t>D-6</a:t>
             </a:r>
             <a:r>
               <a:rPr lang="ja-JP" altLang="en-US" dirty="0"/>
-              <a:t>ないね機能</a:t>
+              <a:t> 削除ページ</a:t>
             </a:r>
             <a:endParaRPr lang="en-US" altLang="ja-JP" dirty="0"/>
           </a:p>
@@ -3869,6 +3877,682 @@
     <p:extLst>
       <p:ext uri="{BB962C8B-B14F-4D97-AF65-F5344CB8AC3E}">
         <p14:creationId xmlns:p14="http://schemas.microsoft.com/office/powerpoint/2010/main" val="2503043441"/>
+      </p:ext>
+    </p:extLst>
+  </p:cSld>
+  <p:clrMapOvr>
+    <a:masterClrMapping/>
+  </p:clrMapOvr>
+</p:sld>
+</file>
+
+<file path=ppt/slides/slide10.xml><?xml version="1.0" encoding="utf-8"?>
+<p:sld xmlns:a="http://schemas.openxmlformats.org/drawingml/2006/main" xmlns:r="http://schemas.openxmlformats.org/officeDocument/2006/relationships" xmlns:p="http://schemas.openxmlformats.org/presentationml/2006/main">
+  <p:cSld>
+    <p:spTree>
+      <p:nvGrpSpPr>
+        <p:cNvPr id="1" name=""/>
+        <p:cNvGrpSpPr/>
+        <p:nvPr/>
+      </p:nvGrpSpPr>
+      <p:grpSpPr>
+        <a:xfrm>
+          <a:off x="0" y="0"/>
+          <a:ext cx="0" cy="0"/>
+          <a:chOff x="0" y="0"/>
+          <a:chExt cx="0" cy="0"/>
+        </a:xfrm>
+      </p:grpSpPr>
+      <p:pic>
+        <p:nvPicPr>
+          <p:cNvPr id="5" name="図 4" descr="コンピューターの画面のスクリーンショット&#10;&#10;自動的に生成された説明">
+            <a:extLst>
+              <a:ext uri="{FF2B5EF4-FFF2-40B4-BE49-F238E27FC236}">
+                <a16:creationId xmlns:a16="http://schemas.microsoft.com/office/drawing/2014/main" id="{28DADCE6-6241-4BBC-AA7C-C2A1B6125CE7}"/>
+              </a:ext>
+            </a:extLst>
+          </p:cNvPr>
+          <p:cNvPicPr>
+            <a:picLocks noChangeAspect="1"/>
+          </p:cNvPicPr>
+          <p:nvPr/>
+        </p:nvPicPr>
+        <p:blipFill>
+          <a:blip r:embed="rId2">
+            <a:extLst>
+              <a:ext uri="{28A0092B-C50C-407E-A947-70E740481C1C}">
+                <a14:useLocalDpi xmlns:a14="http://schemas.microsoft.com/office/drawing/2010/main" val="0"/>
+              </a:ext>
+            </a:extLst>
+          </a:blip>
+          <a:stretch>
+            <a:fillRect/>
+          </a:stretch>
+        </p:blipFill>
+        <p:spPr>
+          <a:xfrm>
+            <a:off x="1387365" y="1347295"/>
+            <a:ext cx="10026869" cy="5640114"/>
+          </a:xfrm>
+          <a:prstGeom prst="rect">
+            <a:avLst/>
+          </a:prstGeom>
+        </p:spPr>
+      </p:pic>
+      <p:sp>
+        <p:nvSpPr>
+          <p:cNvPr id="2" name="タイトル 1">
+            <a:extLst>
+              <a:ext uri="{FF2B5EF4-FFF2-40B4-BE49-F238E27FC236}">
+                <a16:creationId xmlns:a16="http://schemas.microsoft.com/office/drawing/2014/main" id="{E8D3EA56-17A1-404A-8F24-75E112128ACB}"/>
+              </a:ext>
+            </a:extLst>
+          </p:cNvPr>
+          <p:cNvSpPr>
+            <a:spLocks noGrp="1"/>
+          </p:cNvSpPr>
+          <p:nvPr>
+            <p:ph type="title"/>
+          </p:nvPr>
+        </p:nvSpPr>
+        <p:spPr>
+          <a:xfrm>
+            <a:off x="291084" y="-86599"/>
+            <a:ext cx="11041380" cy="1855788"/>
+          </a:xfrm>
+        </p:spPr>
+        <p:txBody>
+          <a:bodyPr/>
+          <a:lstStyle/>
+          <a:p>
+            <a:r>
+              <a:rPr lang="en-US" altLang="ja-JP" dirty="0"/>
+              <a:t>D-5 </a:t>
+            </a:r>
+            <a:r>
+              <a:rPr lang="ja-JP" altLang="en-US" dirty="0"/>
+              <a:t>いいね</a:t>
+            </a:r>
+            <a:r>
+              <a:rPr lang="en-US" altLang="ja-JP" dirty="0"/>
+              <a:t>/</a:t>
+            </a:r>
+            <a:r>
+              <a:rPr lang="ja-JP" altLang="en-US" dirty="0"/>
+              <a:t>よくないね機能</a:t>
+            </a:r>
+            <a:endParaRPr kumimoji="1" lang="ja-JP" altLang="en-US" dirty="0"/>
+          </a:p>
+        </p:txBody>
+      </p:sp>
+      <p:sp>
+        <p:nvSpPr>
+          <p:cNvPr id="37" name="テキスト ボックス 36">
+            <a:extLst>
+              <a:ext uri="{FF2B5EF4-FFF2-40B4-BE49-F238E27FC236}">
+                <a16:creationId xmlns:a16="http://schemas.microsoft.com/office/drawing/2014/main" id="{E5A60638-F7EA-4211-AFC7-A1ED3A64C188}"/>
+              </a:ext>
+            </a:extLst>
+          </p:cNvPr>
+          <p:cNvSpPr txBox="1"/>
+          <p:nvPr/>
+        </p:nvSpPr>
+        <p:spPr>
+          <a:xfrm>
+            <a:off x="146304" y="7343390"/>
+            <a:ext cx="12557760" cy="523220"/>
+          </a:xfrm>
+          <a:prstGeom prst="rect">
+            <a:avLst/>
+          </a:prstGeom>
+          <a:noFill/>
+        </p:spPr>
+        <p:txBody>
+          <a:bodyPr wrap="square" rtlCol="0">
+            <a:spAutoFit/>
+          </a:bodyPr>
+          <a:lstStyle/>
+          <a:p>
+            <a:r>
+              <a:rPr kumimoji="1" lang="ja-JP" altLang="en-US" sz="2800" b="1" dirty="0"/>
+              <a:t>１人１回いいね、よくないねできます。もう一度押すと解除されます。</a:t>
+            </a:r>
+          </a:p>
+        </p:txBody>
+      </p:sp>
+      <p:cxnSp>
+        <p:nvCxnSpPr>
+          <p:cNvPr id="23" name="直線矢印コネクタ 22">
+            <a:extLst>
+              <a:ext uri="{FF2B5EF4-FFF2-40B4-BE49-F238E27FC236}">
+                <a16:creationId xmlns:a16="http://schemas.microsoft.com/office/drawing/2014/main" id="{DB6894BD-1E20-4F0C-A9BA-B290682387DF}"/>
+              </a:ext>
+            </a:extLst>
+          </p:cNvPr>
+          <p:cNvCxnSpPr>
+            <a:cxnSpLocks/>
+          </p:cNvCxnSpPr>
+          <p:nvPr/>
+        </p:nvCxnSpPr>
+        <p:spPr>
+          <a:xfrm flipH="1">
+            <a:off x="4999982" y="2259724"/>
+            <a:ext cx="1400817" cy="2484141"/>
+          </a:xfrm>
+          <a:prstGeom prst="straightConnector1">
+            <a:avLst/>
+          </a:prstGeom>
+          <a:ln w="76200">
+            <a:solidFill>
+              <a:srgbClr val="00B0F0"/>
+            </a:solidFill>
+            <a:tailEnd type="triangle"/>
+          </a:ln>
+        </p:spPr>
+        <p:style>
+          <a:lnRef idx="1">
+            <a:schemeClr val="accent1"/>
+          </a:lnRef>
+          <a:fillRef idx="0">
+            <a:schemeClr val="accent1"/>
+          </a:fillRef>
+          <a:effectRef idx="0">
+            <a:schemeClr val="accent1"/>
+          </a:effectRef>
+          <a:fontRef idx="minor">
+            <a:schemeClr val="tx1"/>
+          </a:fontRef>
+        </p:style>
+      </p:cxnSp>
+      <p:sp>
+        <p:nvSpPr>
+          <p:cNvPr id="29" name="テキスト ボックス 28">
+            <a:extLst>
+              <a:ext uri="{FF2B5EF4-FFF2-40B4-BE49-F238E27FC236}">
+                <a16:creationId xmlns:a16="http://schemas.microsoft.com/office/drawing/2014/main" id="{04664078-1461-40D4-B126-2E7C609E4969}"/>
+              </a:ext>
+            </a:extLst>
+          </p:cNvPr>
+          <p:cNvSpPr txBox="1"/>
+          <p:nvPr/>
+        </p:nvSpPr>
+        <p:spPr>
+          <a:xfrm>
+            <a:off x="8174735" y="579685"/>
+            <a:ext cx="3933182" cy="523220"/>
+          </a:xfrm>
+          <a:prstGeom prst="rect">
+            <a:avLst/>
+          </a:prstGeom>
+          <a:noFill/>
+        </p:spPr>
+        <p:txBody>
+          <a:bodyPr wrap="square" rtlCol="0">
+            <a:spAutoFit/>
+          </a:bodyPr>
+          <a:lstStyle/>
+          <a:p>
+            <a:r>
+              <a:rPr kumimoji="1" lang="ja-JP" altLang="en-US" sz="2800" b="1" dirty="0"/>
+              <a:t>①</a:t>
+            </a:r>
+          </a:p>
+        </p:txBody>
+      </p:sp>
+    </p:spTree>
+    <p:extLst>
+      <p:ext uri="{BB962C8B-B14F-4D97-AF65-F5344CB8AC3E}">
+        <p14:creationId xmlns:p14="http://schemas.microsoft.com/office/powerpoint/2010/main" val="3193194452"/>
+      </p:ext>
+    </p:extLst>
+  </p:cSld>
+  <p:clrMapOvr>
+    <a:masterClrMapping/>
+  </p:clrMapOvr>
+</p:sld>
+</file>
+
+<file path=ppt/slides/slide11.xml><?xml version="1.0" encoding="utf-8"?>
+<p:sld xmlns:a="http://schemas.openxmlformats.org/drawingml/2006/main" xmlns:r="http://schemas.openxmlformats.org/officeDocument/2006/relationships" xmlns:p="http://schemas.openxmlformats.org/presentationml/2006/main">
+  <p:cSld>
+    <p:spTree>
+      <p:nvGrpSpPr>
+        <p:cNvPr id="1" name=""/>
+        <p:cNvGrpSpPr/>
+        <p:nvPr/>
+      </p:nvGrpSpPr>
+      <p:grpSpPr>
+        <a:xfrm>
+          <a:off x="0" y="0"/>
+          <a:ext cx="0" cy="0"/>
+          <a:chOff x="0" y="0"/>
+          <a:chExt cx="0" cy="0"/>
+        </a:xfrm>
+      </p:grpSpPr>
+      <p:pic>
+        <p:nvPicPr>
+          <p:cNvPr id="5" name="図 4" descr="コンピューターの画面のスクリーンショット&#10;&#10;自動的に生成された説明">
+            <a:extLst>
+              <a:ext uri="{FF2B5EF4-FFF2-40B4-BE49-F238E27FC236}">
+                <a16:creationId xmlns:a16="http://schemas.microsoft.com/office/drawing/2014/main" id="{9D539C0E-3D1C-4C60-93DF-550FFE6553AD}"/>
+              </a:ext>
+            </a:extLst>
+          </p:cNvPr>
+          <p:cNvPicPr>
+            <a:picLocks noChangeAspect="1"/>
+          </p:cNvPicPr>
+          <p:nvPr/>
+        </p:nvPicPr>
+        <p:blipFill>
+          <a:blip r:embed="rId2">
+            <a:extLst>
+              <a:ext uri="{28A0092B-C50C-407E-A947-70E740481C1C}">
+                <a14:useLocalDpi xmlns:a14="http://schemas.microsoft.com/office/drawing/2010/main" val="0"/>
+              </a:ext>
+            </a:extLst>
+          </a:blip>
+          <a:stretch>
+            <a:fillRect/>
+          </a:stretch>
+        </p:blipFill>
+        <p:spPr>
+          <a:xfrm>
+            <a:off x="880110" y="1574316"/>
+            <a:ext cx="11041380" cy="6210776"/>
+          </a:xfrm>
+          <a:prstGeom prst="rect">
+            <a:avLst/>
+          </a:prstGeom>
+        </p:spPr>
+      </p:pic>
+      <p:sp>
+        <p:nvSpPr>
+          <p:cNvPr id="2" name="タイトル 1">
+            <a:extLst>
+              <a:ext uri="{FF2B5EF4-FFF2-40B4-BE49-F238E27FC236}">
+                <a16:creationId xmlns:a16="http://schemas.microsoft.com/office/drawing/2014/main" id="{E8D3EA56-17A1-404A-8F24-75E112128ACB}"/>
+              </a:ext>
+            </a:extLst>
+          </p:cNvPr>
+          <p:cNvSpPr>
+            <a:spLocks noGrp="1"/>
+          </p:cNvSpPr>
+          <p:nvPr>
+            <p:ph type="title"/>
+          </p:nvPr>
+        </p:nvSpPr>
+        <p:spPr>
+          <a:xfrm>
+            <a:off x="291084" y="-86599"/>
+            <a:ext cx="11041380" cy="1855788"/>
+          </a:xfrm>
+        </p:spPr>
+        <p:txBody>
+          <a:bodyPr/>
+          <a:lstStyle/>
+          <a:p>
+            <a:r>
+              <a:rPr lang="en-US" altLang="ja-JP" dirty="0"/>
+              <a:t>D- 6</a:t>
+            </a:r>
+            <a:r>
+              <a:rPr lang="ja-JP" altLang="en-US" dirty="0"/>
+              <a:t>削除機能</a:t>
+            </a:r>
+            <a:endParaRPr kumimoji="1" lang="ja-JP" altLang="en-US" dirty="0"/>
+          </a:p>
+        </p:txBody>
+      </p:sp>
+      <p:sp>
+        <p:nvSpPr>
+          <p:cNvPr id="37" name="テキスト ボックス 36">
+            <a:extLst>
+              <a:ext uri="{FF2B5EF4-FFF2-40B4-BE49-F238E27FC236}">
+                <a16:creationId xmlns:a16="http://schemas.microsoft.com/office/drawing/2014/main" id="{E5A60638-F7EA-4211-AFC7-A1ED3A64C188}"/>
+              </a:ext>
+            </a:extLst>
+          </p:cNvPr>
+          <p:cNvSpPr txBox="1"/>
+          <p:nvPr/>
+        </p:nvSpPr>
+        <p:spPr>
+          <a:xfrm>
+            <a:off x="619269" y="8026884"/>
+            <a:ext cx="12557760" cy="523220"/>
+          </a:xfrm>
+          <a:prstGeom prst="rect">
+            <a:avLst/>
+          </a:prstGeom>
+          <a:noFill/>
+        </p:spPr>
+        <p:txBody>
+          <a:bodyPr wrap="square" rtlCol="0">
+            <a:spAutoFit/>
+          </a:bodyPr>
+          <a:lstStyle/>
+          <a:p>
+            <a:r>
+              <a:rPr kumimoji="1" lang="ja-JP" altLang="en-US" sz="2800" b="1" dirty="0"/>
+              <a:t>①自身の投稿のみ削除できます。</a:t>
+            </a:r>
+          </a:p>
+        </p:txBody>
+      </p:sp>
+      <p:cxnSp>
+        <p:nvCxnSpPr>
+          <p:cNvPr id="23" name="直線矢印コネクタ 22">
+            <a:extLst>
+              <a:ext uri="{FF2B5EF4-FFF2-40B4-BE49-F238E27FC236}">
+                <a16:creationId xmlns:a16="http://schemas.microsoft.com/office/drawing/2014/main" id="{DB6894BD-1E20-4F0C-A9BA-B290682387DF}"/>
+              </a:ext>
+            </a:extLst>
+          </p:cNvPr>
+          <p:cNvCxnSpPr>
+            <a:cxnSpLocks/>
+          </p:cNvCxnSpPr>
+          <p:nvPr/>
+        </p:nvCxnSpPr>
+        <p:spPr>
+          <a:xfrm flipH="1">
+            <a:off x="7125813" y="1102905"/>
+            <a:ext cx="1187870" cy="2853278"/>
+          </a:xfrm>
+          <a:prstGeom prst="straightConnector1">
+            <a:avLst/>
+          </a:prstGeom>
+          <a:ln w="76200">
+            <a:solidFill>
+              <a:srgbClr val="00B0F0"/>
+            </a:solidFill>
+            <a:tailEnd type="triangle"/>
+          </a:ln>
+        </p:spPr>
+        <p:style>
+          <a:lnRef idx="1">
+            <a:schemeClr val="accent1"/>
+          </a:lnRef>
+          <a:fillRef idx="0">
+            <a:schemeClr val="accent1"/>
+          </a:fillRef>
+          <a:effectRef idx="0">
+            <a:schemeClr val="accent1"/>
+          </a:effectRef>
+          <a:fontRef idx="minor">
+            <a:schemeClr val="tx1"/>
+          </a:fontRef>
+        </p:style>
+      </p:cxnSp>
+      <p:sp>
+        <p:nvSpPr>
+          <p:cNvPr id="29" name="テキスト ボックス 28">
+            <a:extLst>
+              <a:ext uri="{FF2B5EF4-FFF2-40B4-BE49-F238E27FC236}">
+                <a16:creationId xmlns:a16="http://schemas.microsoft.com/office/drawing/2014/main" id="{04664078-1461-40D4-B126-2E7C609E4969}"/>
+              </a:ext>
+            </a:extLst>
+          </p:cNvPr>
+          <p:cNvSpPr txBox="1"/>
+          <p:nvPr/>
+        </p:nvSpPr>
+        <p:spPr>
+          <a:xfrm>
+            <a:off x="8174735" y="579685"/>
+            <a:ext cx="3933182" cy="523220"/>
+          </a:xfrm>
+          <a:prstGeom prst="rect">
+            <a:avLst/>
+          </a:prstGeom>
+          <a:noFill/>
+        </p:spPr>
+        <p:txBody>
+          <a:bodyPr wrap="square" rtlCol="0">
+            <a:spAutoFit/>
+          </a:bodyPr>
+          <a:lstStyle/>
+          <a:p>
+            <a:r>
+              <a:rPr kumimoji="1" lang="ja-JP" altLang="en-US" sz="2800" b="1" dirty="0"/>
+              <a:t>①</a:t>
+            </a:r>
+          </a:p>
+        </p:txBody>
+      </p:sp>
+    </p:spTree>
+    <p:extLst>
+      <p:ext uri="{BB962C8B-B14F-4D97-AF65-F5344CB8AC3E}">
+        <p14:creationId xmlns:p14="http://schemas.microsoft.com/office/powerpoint/2010/main" val="3351343378"/>
+      </p:ext>
+    </p:extLst>
+  </p:cSld>
+  <p:clrMapOvr>
+    <a:masterClrMapping/>
+  </p:clrMapOvr>
+</p:sld>
+</file>
+
+<file path=ppt/slides/slide12.xml><?xml version="1.0" encoding="utf-8"?>
+<p:sld xmlns:a="http://schemas.openxmlformats.org/drawingml/2006/main" xmlns:r="http://schemas.openxmlformats.org/officeDocument/2006/relationships" xmlns:p="http://schemas.openxmlformats.org/presentationml/2006/main">
+  <p:cSld>
+    <p:spTree>
+      <p:nvGrpSpPr>
+        <p:cNvPr id="1" name=""/>
+        <p:cNvGrpSpPr/>
+        <p:nvPr/>
+      </p:nvGrpSpPr>
+      <p:grpSpPr>
+        <a:xfrm>
+          <a:off x="0" y="0"/>
+          <a:ext cx="0" cy="0"/>
+          <a:chOff x="0" y="0"/>
+          <a:chExt cx="0" cy="0"/>
+        </a:xfrm>
+      </p:grpSpPr>
+      <p:pic>
+        <p:nvPicPr>
+          <p:cNvPr id="5" name="図 4" descr="コンピューターの画面のスクリーンショット&#10;&#10;自動的に生成された説明">
+            <a:extLst>
+              <a:ext uri="{FF2B5EF4-FFF2-40B4-BE49-F238E27FC236}">
+                <a16:creationId xmlns:a16="http://schemas.microsoft.com/office/drawing/2014/main" id="{87EF81AF-A683-4282-94D7-358FC3863CAF}"/>
+              </a:ext>
+            </a:extLst>
+          </p:cNvPr>
+          <p:cNvPicPr>
+            <a:picLocks noChangeAspect="1"/>
+          </p:cNvPicPr>
+          <p:nvPr/>
+        </p:nvPicPr>
+        <p:blipFill>
+          <a:blip r:embed="rId2">
+            <a:extLst>
+              <a:ext uri="{28A0092B-C50C-407E-A947-70E740481C1C}">
+                <a14:useLocalDpi xmlns:a14="http://schemas.microsoft.com/office/drawing/2010/main" val="0"/>
+              </a:ext>
+            </a:extLst>
+          </a:blip>
+          <a:stretch>
+            <a:fillRect/>
+          </a:stretch>
+        </p:blipFill>
+        <p:spPr>
+          <a:xfrm>
+            <a:off x="1371600" y="1281258"/>
+            <a:ext cx="10338318" cy="5815304"/>
+          </a:xfrm>
+          <a:prstGeom prst="rect">
+            <a:avLst/>
+          </a:prstGeom>
+        </p:spPr>
+      </p:pic>
+      <p:sp>
+        <p:nvSpPr>
+          <p:cNvPr id="2" name="タイトル 1">
+            <a:extLst>
+              <a:ext uri="{FF2B5EF4-FFF2-40B4-BE49-F238E27FC236}">
+                <a16:creationId xmlns:a16="http://schemas.microsoft.com/office/drawing/2014/main" id="{E8D3EA56-17A1-404A-8F24-75E112128ACB}"/>
+              </a:ext>
+            </a:extLst>
+          </p:cNvPr>
+          <p:cNvSpPr>
+            <a:spLocks noGrp="1"/>
+          </p:cNvSpPr>
+          <p:nvPr>
+            <p:ph type="title"/>
+          </p:nvPr>
+        </p:nvSpPr>
+        <p:spPr>
+          <a:xfrm>
+            <a:off x="291084" y="-86599"/>
+            <a:ext cx="11041380" cy="1855788"/>
+          </a:xfrm>
+        </p:spPr>
+        <p:txBody>
+          <a:bodyPr/>
+          <a:lstStyle/>
+          <a:p>
+            <a:r>
+              <a:rPr kumimoji="1" lang="en-US" altLang="ja-JP" dirty="0"/>
+              <a:t>E-1 </a:t>
+            </a:r>
+            <a:r>
+              <a:rPr kumimoji="1" lang="ja-JP" altLang="en-US" dirty="0"/>
+              <a:t>ユーザー表示</a:t>
+            </a:r>
+          </a:p>
+        </p:txBody>
+      </p:sp>
+      <p:sp>
+        <p:nvSpPr>
+          <p:cNvPr id="37" name="テキスト ボックス 36">
+            <a:extLst>
+              <a:ext uri="{FF2B5EF4-FFF2-40B4-BE49-F238E27FC236}">
+                <a16:creationId xmlns:a16="http://schemas.microsoft.com/office/drawing/2014/main" id="{E5A60638-F7EA-4211-AFC7-A1ED3A64C188}"/>
+              </a:ext>
+            </a:extLst>
+          </p:cNvPr>
+          <p:cNvSpPr txBox="1"/>
+          <p:nvPr/>
+        </p:nvSpPr>
+        <p:spPr>
+          <a:xfrm>
+            <a:off x="261879" y="7274915"/>
+            <a:ext cx="12557760" cy="954107"/>
+          </a:xfrm>
+          <a:prstGeom prst="rect">
+            <a:avLst/>
+          </a:prstGeom>
+          <a:noFill/>
+        </p:spPr>
+        <p:txBody>
+          <a:bodyPr wrap="square" rtlCol="0">
+            <a:spAutoFit/>
+          </a:bodyPr>
+          <a:lstStyle/>
+          <a:p>
+            <a:r>
+              <a:rPr kumimoji="1" lang="ja-JP" altLang="en-US" sz="2800" b="1" dirty="0"/>
+              <a:t>①ユーザー</a:t>
+            </a:r>
+            <a:r>
+              <a:rPr kumimoji="1" lang="en-US" altLang="ja-JP" sz="2800" b="1" dirty="0"/>
+              <a:t>ID</a:t>
+            </a:r>
+            <a:r>
+              <a:rPr kumimoji="1" lang="ja-JP" altLang="en-US" sz="2800" b="1" dirty="0"/>
+              <a:t>、名前、メールアドレス、投稿件数、アカウント作成日時が</a:t>
+            </a:r>
+            <a:endParaRPr kumimoji="1" lang="en-US" altLang="ja-JP" sz="2800" b="1" dirty="0"/>
+          </a:p>
+          <a:p>
+            <a:r>
+              <a:rPr kumimoji="1" lang="ja-JP" altLang="en-US" sz="2800" b="1" dirty="0"/>
+              <a:t>表示されます。</a:t>
+            </a:r>
+          </a:p>
+        </p:txBody>
+      </p:sp>
+      <p:cxnSp>
+        <p:nvCxnSpPr>
+          <p:cNvPr id="23" name="直線矢印コネクタ 22">
+            <a:extLst>
+              <a:ext uri="{FF2B5EF4-FFF2-40B4-BE49-F238E27FC236}">
+                <a16:creationId xmlns:a16="http://schemas.microsoft.com/office/drawing/2014/main" id="{DB6894BD-1E20-4F0C-A9BA-B290682387DF}"/>
+              </a:ext>
+            </a:extLst>
+          </p:cNvPr>
+          <p:cNvCxnSpPr>
+            <a:cxnSpLocks/>
+          </p:cNvCxnSpPr>
+          <p:nvPr/>
+        </p:nvCxnSpPr>
+        <p:spPr>
+          <a:xfrm flipH="1">
+            <a:off x="6540759" y="974583"/>
+            <a:ext cx="2046193" cy="1664922"/>
+          </a:xfrm>
+          <a:prstGeom prst="straightConnector1">
+            <a:avLst/>
+          </a:prstGeom>
+          <a:ln w="76200">
+            <a:solidFill>
+              <a:srgbClr val="00B0F0"/>
+            </a:solidFill>
+            <a:tailEnd type="triangle"/>
+          </a:ln>
+        </p:spPr>
+        <p:style>
+          <a:lnRef idx="1">
+            <a:schemeClr val="accent1"/>
+          </a:lnRef>
+          <a:fillRef idx="0">
+            <a:schemeClr val="accent1"/>
+          </a:fillRef>
+          <a:effectRef idx="0">
+            <a:schemeClr val="accent1"/>
+          </a:effectRef>
+          <a:fontRef idx="minor">
+            <a:schemeClr val="tx1"/>
+          </a:fontRef>
+        </p:style>
+      </p:cxnSp>
+      <p:sp>
+        <p:nvSpPr>
+          <p:cNvPr id="29" name="テキスト ボックス 28">
+            <a:extLst>
+              <a:ext uri="{FF2B5EF4-FFF2-40B4-BE49-F238E27FC236}">
+                <a16:creationId xmlns:a16="http://schemas.microsoft.com/office/drawing/2014/main" id="{04664078-1461-40D4-B126-2E7C609E4969}"/>
+              </a:ext>
+            </a:extLst>
+          </p:cNvPr>
+          <p:cNvSpPr txBox="1"/>
+          <p:nvPr/>
+        </p:nvSpPr>
+        <p:spPr>
+          <a:xfrm>
+            <a:off x="8174735" y="579685"/>
+            <a:ext cx="3933182" cy="523220"/>
+          </a:xfrm>
+          <a:prstGeom prst="rect">
+            <a:avLst/>
+          </a:prstGeom>
+          <a:noFill/>
+        </p:spPr>
+        <p:txBody>
+          <a:bodyPr wrap="square" rtlCol="0">
+            <a:spAutoFit/>
+          </a:bodyPr>
+          <a:lstStyle/>
+          <a:p>
+            <a:r>
+              <a:rPr kumimoji="1" lang="ja-JP" altLang="en-US" sz="2800" b="1" dirty="0"/>
+              <a:t>①</a:t>
+            </a:r>
+          </a:p>
+        </p:txBody>
+      </p:sp>
+    </p:spTree>
+    <p:extLst>
+      <p:ext uri="{BB962C8B-B14F-4D97-AF65-F5344CB8AC3E}">
+        <p14:creationId xmlns:p14="http://schemas.microsoft.com/office/powerpoint/2010/main" val="3733225226"/>
       </p:ext>
     </p:extLst>
   </p:cSld>
@@ -3900,7 +4584,7 @@
           <p:cNvPr id="2" name="タイトル 1">
             <a:extLst>
               <a:ext uri="{FF2B5EF4-FFF2-40B4-BE49-F238E27FC236}">
-                <a16:creationId xmlns:a16="http://schemas.microsoft.com/office/drawing/2014/main" id="{A7B89DCE-0B94-426C-B90B-00D834259CC5}"/>
+                <a16:creationId xmlns:a16="http://schemas.microsoft.com/office/drawing/2014/main" id="{E8D3EA56-17A1-404A-8F24-75E112128ACB}"/>
               </a:ext>
             </a:extLst>
           </p:cNvPr>
@@ -3917,22 +4601,59 @@
           <a:lstStyle/>
           <a:p>
             <a:r>
-              <a:rPr kumimoji="1" lang="en-US" altLang="ja-JP" dirty="0"/>
-              <a:t>A-1 </a:t>
-            </a:r>
-            <a:r>
-              <a:rPr kumimoji="1" lang="ja-JP" altLang="en-US" dirty="0"/>
-              <a:t>トップページ</a:t>
-            </a:r>
-          </a:p>
-        </p:txBody>
-      </p:sp>
+              <a:rPr lang="en-US" altLang="ja-JP" dirty="0"/>
+              <a:t>A-1</a:t>
+            </a:r>
+            <a:r>
+              <a:rPr lang="ja-JP" altLang="en-US" dirty="0"/>
+              <a:t> トップページ</a:t>
+            </a:r>
+            <a:endParaRPr kumimoji="1" lang="ja-JP" altLang="en-US" dirty="0"/>
+          </a:p>
+        </p:txBody>
+      </p:sp>
+      <p:pic>
+        <p:nvPicPr>
+          <p:cNvPr id="7" name="図 6" descr="コンピューターの画面のスクリーンショット&#10;&#10;自動的に生成された説明">
+            <a:extLst>
+              <a:ext uri="{FF2B5EF4-FFF2-40B4-BE49-F238E27FC236}">
+                <a16:creationId xmlns:a16="http://schemas.microsoft.com/office/drawing/2014/main" id="{1C67F341-2B72-4E19-A3F2-10B544D4328F}"/>
+              </a:ext>
+            </a:extLst>
+          </p:cNvPr>
+          <p:cNvPicPr>
+            <a:picLocks noChangeAspect="1"/>
+          </p:cNvPicPr>
+          <p:nvPr/>
+        </p:nvPicPr>
+        <p:blipFill>
+          <a:blip r:embed="rId2">
+            <a:extLst>
+              <a:ext uri="{28A0092B-C50C-407E-A947-70E740481C1C}">
+                <a14:useLocalDpi xmlns:a14="http://schemas.microsoft.com/office/drawing/2010/main" val="0"/>
+              </a:ext>
+            </a:extLst>
+          </a:blip>
+          <a:stretch>
+            <a:fillRect/>
+          </a:stretch>
+        </p:blipFill>
+        <p:spPr>
+          <a:xfrm>
+            <a:off x="1042416" y="1951863"/>
+            <a:ext cx="10716768" cy="6028182"/>
+          </a:xfrm>
+          <a:prstGeom prst="rect">
+            <a:avLst/>
+          </a:prstGeom>
+        </p:spPr>
+      </p:pic>
       <p:cxnSp>
         <p:nvCxnSpPr>
-          <p:cNvPr id="9" name="直線矢印コネクタ 8">
-            <a:extLst>
-              <a:ext uri="{FF2B5EF4-FFF2-40B4-BE49-F238E27FC236}">
-                <a16:creationId xmlns:a16="http://schemas.microsoft.com/office/drawing/2014/main" id="{C571BD47-2FAE-4CEE-A35F-626075DC740E}"/>
+          <p:cNvPr id="27" name="直線矢印コネクタ 26">
+            <a:extLst>
+              <a:ext uri="{FF2B5EF4-FFF2-40B4-BE49-F238E27FC236}">
+                <a16:creationId xmlns:a16="http://schemas.microsoft.com/office/drawing/2014/main" id="{12DF2779-3203-4FBD-BECE-36882AB2017C}"/>
               </a:ext>
             </a:extLst>
           </p:cNvPr>
@@ -3943,25 +4664,28 @@
         </p:nvCxnSpPr>
         <p:spPr>
           <a:xfrm flipH="1">
-            <a:off x="5537200" y="3067050"/>
-            <a:ext cx="4711700" cy="2616200"/>
+            <a:off x="6717792" y="1755648"/>
+            <a:ext cx="2401824" cy="3913632"/>
           </a:xfrm>
           <a:prstGeom prst="straightConnector1">
             <a:avLst/>
           </a:prstGeom>
           <a:ln w="76200">
+            <a:solidFill>
+              <a:srgbClr val="00B0F0"/>
+            </a:solidFill>
             <a:tailEnd type="triangle"/>
           </a:ln>
         </p:spPr>
         <p:style>
           <a:lnRef idx="1">
-            <a:schemeClr val="dk1"/>
+            <a:schemeClr val="accent1"/>
           </a:lnRef>
           <a:fillRef idx="0">
-            <a:schemeClr val="dk1"/>
+            <a:schemeClr val="accent1"/>
           </a:fillRef>
           <a:effectRef idx="0">
-            <a:schemeClr val="dk1"/>
+            <a:schemeClr val="accent1"/>
           </a:effectRef>
           <a:fontRef idx="minor">
             <a:schemeClr val="tx1"/>
@@ -3970,10 +4694,10 @@
       </p:cxnSp>
       <p:cxnSp>
         <p:nvCxnSpPr>
-          <p:cNvPr id="12" name="直線矢印コネクタ 11">
-            <a:extLst>
-              <a:ext uri="{FF2B5EF4-FFF2-40B4-BE49-F238E27FC236}">
-                <a16:creationId xmlns:a16="http://schemas.microsoft.com/office/drawing/2014/main" id="{A151B393-3F0D-4B96-A72B-C9555867C4BE}"/>
+          <p:cNvPr id="30" name="直線矢印コネクタ 29">
+            <a:extLst>
+              <a:ext uri="{FF2B5EF4-FFF2-40B4-BE49-F238E27FC236}">
+                <a16:creationId xmlns:a16="http://schemas.microsoft.com/office/drawing/2014/main" id="{206B2EED-0288-4E3E-9423-B7B32FD58332}"/>
               </a:ext>
             </a:extLst>
           </p:cNvPr>
@@ -3984,25 +4708,28 @@
         </p:nvCxnSpPr>
         <p:spPr>
           <a:xfrm flipH="1">
-            <a:off x="5971060" y="3575448"/>
-            <a:ext cx="4711700" cy="2616200"/>
+            <a:off x="6717792" y="1621155"/>
+            <a:ext cx="4133088" cy="4279773"/>
           </a:xfrm>
           <a:prstGeom prst="straightConnector1">
             <a:avLst/>
           </a:prstGeom>
           <a:ln w="76200">
+            <a:solidFill>
+              <a:srgbClr val="00B0F0"/>
+            </a:solidFill>
             <a:tailEnd type="triangle"/>
           </a:ln>
         </p:spPr>
         <p:style>
           <a:lnRef idx="1">
-            <a:schemeClr val="dk1"/>
+            <a:schemeClr val="accent1"/>
           </a:lnRef>
           <a:fillRef idx="0">
-            <a:schemeClr val="dk1"/>
+            <a:schemeClr val="accent1"/>
           </a:fillRef>
           <a:effectRef idx="0">
-            <a:schemeClr val="dk1"/>
+            <a:schemeClr val="accent1"/>
           </a:effectRef>
           <a:fontRef idx="minor">
             <a:schemeClr val="tx1"/>
@@ -4011,10 +4738,10 @@
       </p:cxnSp>
       <p:sp>
         <p:nvSpPr>
-          <p:cNvPr id="13" name="テキスト ボックス 12">
-            <a:extLst>
-              <a:ext uri="{FF2B5EF4-FFF2-40B4-BE49-F238E27FC236}">
-                <a16:creationId xmlns:a16="http://schemas.microsoft.com/office/drawing/2014/main" id="{0FC927C7-2621-48BA-B55D-E5F16EF28680}"/>
+          <p:cNvPr id="35" name="テキスト ボックス 34">
+            <a:extLst>
+              <a:ext uri="{FF2B5EF4-FFF2-40B4-BE49-F238E27FC236}">
+                <a16:creationId xmlns:a16="http://schemas.microsoft.com/office/drawing/2014/main" id="{E6436985-E739-4F4A-9A9A-925068B48370}"/>
               </a:ext>
             </a:extLst>
           </p:cNvPr>
@@ -4023,8 +4750,8 @@
         </p:nvSpPr>
         <p:spPr>
           <a:xfrm>
-            <a:off x="10248900" y="2682737"/>
-            <a:ext cx="1054100" cy="1046440"/>
+            <a:off x="8784336" y="1085901"/>
+            <a:ext cx="1109472" cy="646331"/>
           </a:xfrm>
           <a:prstGeom prst="rect">
             <a:avLst/>
@@ -4038,22 +4765,18 @@
           <a:lstStyle/>
           <a:p>
             <a:r>
-              <a:rPr kumimoji="1" lang="ja-JP" altLang="en-US" sz="4400" b="1" dirty="0"/>
+              <a:rPr kumimoji="1" lang="ja-JP" altLang="en-US" sz="3600" b="1" dirty="0"/>
               <a:t>①</a:t>
             </a:r>
-            <a:endParaRPr kumimoji="1" lang="en-US" altLang="ja-JP" b="1" dirty="0"/>
-          </a:p>
-          <a:p>
-            <a:endParaRPr kumimoji="1" lang="ja-JP" altLang="en-US" dirty="0"/>
-          </a:p>
-        </p:txBody>
-      </p:sp>
-      <p:sp>
-        <p:nvSpPr>
-          <p:cNvPr id="14" name="テキスト ボックス 13">
-            <a:extLst>
-              <a:ext uri="{FF2B5EF4-FFF2-40B4-BE49-F238E27FC236}">
-                <a16:creationId xmlns:a16="http://schemas.microsoft.com/office/drawing/2014/main" id="{7A88FFD9-34F6-47B1-873F-DE66A898E126}"/>
+          </a:p>
+        </p:txBody>
+      </p:sp>
+      <p:sp>
+        <p:nvSpPr>
+          <p:cNvPr id="36" name="テキスト ボックス 35">
+            <a:extLst>
+              <a:ext uri="{FF2B5EF4-FFF2-40B4-BE49-F238E27FC236}">
+                <a16:creationId xmlns:a16="http://schemas.microsoft.com/office/drawing/2014/main" id="{18E7A907-973D-4463-A78E-9D01B5B36600}"/>
               </a:ext>
             </a:extLst>
           </p:cNvPr>
@@ -4062,8 +4785,8 @@
         </p:nvSpPr>
         <p:spPr>
           <a:xfrm>
-            <a:off x="10682760" y="3118930"/>
-            <a:ext cx="1054100" cy="1046440"/>
+            <a:off x="10777728" y="1073709"/>
+            <a:ext cx="1109472" cy="646331"/>
           </a:xfrm>
           <a:prstGeom prst="rect">
             <a:avLst/>
@@ -4077,63 +4800,18 @@
           <a:lstStyle/>
           <a:p>
             <a:r>
-              <a:rPr kumimoji="1" lang="ja-JP" altLang="en-US" sz="4400" b="1" dirty="0"/>
+              <a:rPr kumimoji="1" lang="ja-JP" altLang="en-US" sz="3600" b="1" dirty="0"/>
               <a:t>②</a:t>
             </a:r>
-            <a:endParaRPr kumimoji="1" lang="en-US" altLang="ja-JP" b="1" dirty="0"/>
-          </a:p>
-          <a:p>
-            <a:endParaRPr kumimoji="1" lang="ja-JP" altLang="en-US" dirty="0"/>
-          </a:p>
-        </p:txBody>
-      </p:sp>
-      <p:cxnSp>
-        <p:nvCxnSpPr>
-          <p:cNvPr id="15" name="直線矢印コネクタ 14">
-            <a:extLst>
-              <a:ext uri="{FF2B5EF4-FFF2-40B4-BE49-F238E27FC236}">
-                <a16:creationId xmlns:a16="http://schemas.microsoft.com/office/drawing/2014/main" id="{9B47078B-B220-48CA-B35D-8EAEA6FC95DF}"/>
-              </a:ext>
-            </a:extLst>
-          </p:cNvPr>
-          <p:cNvCxnSpPr>
-            <a:cxnSpLocks/>
-          </p:cNvCxnSpPr>
-          <p:nvPr/>
-        </p:nvCxnSpPr>
-        <p:spPr>
-          <a:xfrm flipH="1">
-            <a:off x="8578850" y="1526115"/>
-            <a:ext cx="2305050" cy="664904"/>
-          </a:xfrm>
-          <a:prstGeom prst="straightConnector1">
-            <a:avLst/>
-          </a:prstGeom>
-          <a:ln w="76200">
-            <a:tailEnd type="triangle"/>
-          </a:ln>
-        </p:spPr>
-        <p:style>
-          <a:lnRef idx="1">
-            <a:schemeClr val="dk1"/>
-          </a:lnRef>
-          <a:fillRef idx="0">
-            <a:schemeClr val="dk1"/>
-          </a:fillRef>
-          <a:effectRef idx="0">
-            <a:schemeClr val="dk1"/>
-          </a:effectRef>
-          <a:fontRef idx="minor">
-            <a:schemeClr val="tx1"/>
-          </a:fontRef>
-        </p:style>
-      </p:cxnSp>
-      <p:sp>
-        <p:nvSpPr>
-          <p:cNvPr id="17" name="テキスト ボックス 16">
-            <a:extLst>
-              <a:ext uri="{FF2B5EF4-FFF2-40B4-BE49-F238E27FC236}">
-                <a16:creationId xmlns:a16="http://schemas.microsoft.com/office/drawing/2014/main" id="{F635BEED-157B-4C1E-ADB3-D11885E981F2}"/>
+          </a:p>
+        </p:txBody>
+      </p:sp>
+      <p:sp>
+        <p:nvSpPr>
+          <p:cNvPr id="37" name="テキスト ボックス 36">
+            <a:extLst>
+              <a:ext uri="{FF2B5EF4-FFF2-40B4-BE49-F238E27FC236}">
+                <a16:creationId xmlns:a16="http://schemas.microsoft.com/office/drawing/2014/main" id="{E5A60638-F7EA-4211-AFC7-A1ED3A64C188}"/>
               </a:ext>
             </a:extLst>
           </p:cNvPr>
@@ -4142,8 +4820,8 @@
         </p:nvSpPr>
         <p:spPr>
           <a:xfrm>
-            <a:off x="10883900" y="1091744"/>
-            <a:ext cx="1054100" cy="1046440"/>
+            <a:off x="1146048" y="8017970"/>
+            <a:ext cx="9631680" cy="1200329"/>
           </a:xfrm>
           <a:prstGeom prst="rect">
             <a:avLst/>
@@ -4157,431 +4835,23 @@
           <a:lstStyle/>
           <a:p>
             <a:r>
-              <a:rPr kumimoji="1" lang="ja-JP" altLang="en-US" sz="4400" b="1" dirty="0"/>
-              <a:t>③</a:t>
-            </a:r>
-            <a:endParaRPr kumimoji="1" lang="en-US" altLang="ja-JP" b="1" dirty="0"/>
-          </a:p>
-          <a:p>
-            <a:endParaRPr kumimoji="1" lang="ja-JP" altLang="en-US" dirty="0"/>
-          </a:p>
-        </p:txBody>
-      </p:sp>
-      <p:sp>
-        <p:nvSpPr>
-          <p:cNvPr id="18" name="テキスト ボックス 17">
-            <a:extLst>
-              <a:ext uri="{FF2B5EF4-FFF2-40B4-BE49-F238E27FC236}">
-                <a16:creationId xmlns:a16="http://schemas.microsoft.com/office/drawing/2014/main" id="{BEA916A7-40CD-46FA-B11D-0D931F41C739}"/>
-              </a:ext>
-            </a:extLst>
-          </p:cNvPr>
-          <p:cNvSpPr txBox="1"/>
-          <p:nvPr/>
-        </p:nvSpPr>
-        <p:spPr>
-          <a:xfrm>
-            <a:off x="368300" y="7893050"/>
-            <a:ext cx="12024738" cy="1569660"/>
-          </a:xfrm>
-          <a:prstGeom prst="rect">
-            <a:avLst/>
-          </a:prstGeom>
-          <a:noFill/>
-        </p:spPr>
-        <p:txBody>
-          <a:bodyPr wrap="square" rtlCol="0">
-            <a:spAutoFit/>
-          </a:bodyPr>
-          <a:lstStyle/>
-          <a:p>
-            <a:r>
-              <a:rPr kumimoji="1" lang="ja-JP" altLang="en-US" sz="3200" dirty="0"/>
-              <a:t>① 会員登録ページへ　　　④　②と同様　　⑦トップページへ</a:t>
-            </a:r>
-            <a:endParaRPr kumimoji="1" lang="en-US" altLang="ja-JP" sz="3200" dirty="0"/>
-          </a:p>
-          <a:p>
-            <a:r>
-              <a:rPr kumimoji="1" lang="ja-JP" altLang="en-US" sz="3200" dirty="0"/>
-              <a:t>② ログインページへ　　　⑤　ログアウト　</a:t>
-            </a:r>
-            <a:endParaRPr kumimoji="1" lang="en-US" altLang="ja-JP" sz="3200" dirty="0"/>
-          </a:p>
-          <a:p>
-            <a:r>
-              <a:rPr kumimoji="1" lang="ja-JP" altLang="en-US" sz="3200" dirty="0"/>
-              <a:t>③ 管理者にメール</a:t>
-            </a:r>
-            <a:r>
-              <a:rPr kumimoji="1" lang="en-US" altLang="ja-JP" sz="3200" dirty="0"/>
-              <a:t>(</a:t>
-            </a:r>
-            <a:r>
-              <a:rPr kumimoji="1" lang="en-US" altLang="ja-JP" sz="3200" dirty="0" err="1"/>
-              <a:t>mailto</a:t>
-            </a:r>
-            <a:r>
-              <a:rPr kumimoji="1" lang="en-US" altLang="ja-JP" sz="3200" dirty="0"/>
-              <a:t>)</a:t>
-            </a:r>
-            <a:r>
-              <a:rPr kumimoji="1" lang="ja-JP" altLang="en-US" sz="3200" dirty="0"/>
-              <a:t>    ⑥　①と同様</a:t>
-            </a:r>
-            <a:endParaRPr kumimoji="1" lang="en-US" altLang="ja-JP" sz="3200" dirty="0"/>
-          </a:p>
-        </p:txBody>
-      </p:sp>
-      <p:cxnSp>
-        <p:nvCxnSpPr>
-          <p:cNvPr id="11" name="直線矢印コネクタ 10">
-            <a:extLst>
-              <a:ext uri="{FF2B5EF4-FFF2-40B4-BE49-F238E27FC236}">
-                <a16:creationId xmlns:a16="http://schemas.microsoft.com/office/drawing/2014/main" id="{96FF99F5-EAE2-4D69-9B4D-26C9AE005231}"/>
-              </a:ext>
-            </a:extLst>
-          </p:cNvPr>
-          <p:cNvCxnSpPr>
-            <a:cxnSpLocks/>
-          </p:cNvCxnSpPr>
-          <p:nvPr/>
-        </p:nvCxnSpPr>
-        <p:spPr>
-          <a:xfrm flipH="1">
-            <a:off x="9334365" y="2280973"/>
-            <a:ext cx="1496830" cy="51722"/>
-          </a:xfrm>
-          <a:prstGeom prst="straightConnector1">
-            <a:avLst/>
-          </a:prstGeom>
-          <a:ln w="76200">
-            <a:tailEnd type="triangle"/>
-          </a:ln>
-        </p:spPr>
-        <p:style>
-          <a:lnRef idx="1">
-            <a:schemeClr val="dk1"/>
-          </a:lnRef>
-          <a:fillRef idx="0">
-            <a:schemeClr val="dk1"/>
-          </a:fillRef>
-          <a:effectRef idx="0">
-            <a:schemeClr val="dk1"/>
-          </a:effectRef>
-          <a:fontRef idx="minor">
-            <a:schemeClr val="tx1"/>
-          </a:fontRef>
-        </p:style>
-      </p:cxnSp>
-      <p:cxnSp>
-        <p:nvCxnSpPr>
-          <p:cNvPr id="16" name="直線矢印コネクタ 15">
-            <a:extLst>
-              <a:ext uri="{FF2B5EF4-FFF2-40B4-BE49-F238E27FC236}">
-                <a16:creationId xmlns:a16="http://schemas.microsoft.com/office/drawing/2014/main" id="{ECD11D47-5577-4788-9497-98333D84A206}"/>
-              </a:ext>
-            </a:extLst>
-          </p:cNvPr>
-          <p:cNvCxnSpPr>
-            <a:cxnSpLocks/>
-          </p:cNvCxnSpPr>
-          <p:nvPr/>
-        </p:nvCxnSpPr>
-        <p:spPr>
-          <a:xfrm flipH="1">
-            <a:off x="8066526" y="1350169"/>
-            <a:ext cx="1267839" cy="842490"/>
-          </a:xfrm>
-          <a:prstGeom prst="straightConnector1">
-            <a:avLst/>
-          </a:prstGeom>
-          <a:ln w="76200">
-            <a:tailEnd type="triangle"/>
-          </a:ln>
-        </p:spPr>
-        <p:style>
-          <a:lnRef idx="1">
-            <a:schemeClr val="dk1"/>
-          </a:lnRef>
-          <a:fillRef idx="0">
-            <a:schemeClr val="dk1"/>
-          </a:fillRef>
-          <a:effectRef idx="0">
-            <a:schemeClr val="dk1"/>
-          </a:effectRef>
-          <a:fontRef idx="minor">
-            <a:schemeClr val="tx1"/>
-          </a:fontRef>
-        </p:style>
-      </p:cxnSp>
-      <p:sp>
-        <p:nvSpPr>
-          <p:cNvPr id="20" name="テキスト ボックス 19">
-            <a:extLst>
-              <a:ext uri="{FF2B5EF4-FFF2-40B4-BE49-F238E27FC236}">
-                <a16:creationId xmlns:a16="http://schemas.microsoft.com/office/drawing/2014/main" id="{937E47BB-9584-472A-B33C-E22CB3711CA8}"/>
-              </a:ext>
-            </a:extLst>
-          </p:cNvPr>
-          <p:cNvSpPr txBox="1"/>
-          <p:nvPr/>
-        </p:nvSpPr>
-        <p:spPr>
-          <a:xfrm>
-            <a:off x="9337413" y="687123"/>
-            <a:ext cx="1054100" cy="1046440"/>
-          </a:xfrm>
-          <a:prstGeom prst="rect">
-            <a:avLst/>
-          </a:prstGeom>
-          <a:noFill/>
-        </p:spPr>
-        <p:txBody>
-          <a:bodyPr wrap="square" rtlCol="0">
-            <a:spAutoFit/>
-          </a:bodyPr>
-          <a:lstStyle/>
-          <a:p>
-            <a:r>
-              <a:rPr kumimoji="1" lang="ja-JP" altLang="en-US" sz="4400" b="1" dirty="0"/>
-              <a:t>④</a:t>
-            </a:r>
-            <a:endParaRPr kumimoji="1" lang="en-US" altLang="ja-JP" b="1" dirty="0"/>
-          </a:p>
-          <a:p>
-            <a:endParaRPr kumimoji="1" lang="ja-JP" altLang="en-US" dirty="0"/>
-          </a:p>
-        </p:txBody>
-      </p:sp>
-      <p:sp>
-        <p:nvSpPr>
-          <p:cNvPr id="21" name="テキスト ボックス 20">
-            <a:extLst>
-              <a:ext uri="{FF2B5EF4-FFF2-40B4-BE49-F238E27FC236}">
-                <a16:creationId xmlns:a16="http://schemas.microsoft.com/office/drawing/2014/main" id="{DA71C455-79C9-47A8-989B-AD8EDA414A78}"/>
-              </a:ext>
-            </a:extLst>
-          </p:cNvPr>
-          <p:cNvSpPr txBox="1"/>
-          <p:nvPr/>
-        </p:nvSpPr>
-        <p:spPr>
-          <a:xfrm>
-            <a:off x="10957515" y="2028540"/>
-            <a:ext cx="1054100" cy="1046440"/>
-          </a:xfrm>
-          <a:prstGeom prst="rect">
-            <a:avLst/>
-          </a:prstGeom>
-          <a:noFill/>
-        </p:spPr>
-        <p:txBody>
-          <a:bodyPr wrap="square" rtlCol="0">
-            <a:spAutoFit/>
-          </a:bodyPr>
-          <a:lstStyle/>
-          <a:p>
-            <a:r>
-              <a:rPr kumimoji="1" lang="ja-JP" altLang="en-US" sz="4400" b="1" dirty="0"/>
-              <a:t>⑤</a:t>
-            </a:r>
-            <a:endParaRPr kumimoji="1" lang="en-US" altLang="ja-JP" b="1" dirty="0"/>
-          </a:p>
-          <a:p>
-            <a:endParaRPr kumimoji="1" lang="ja-JP" altLang="en-US" dirty="0"/>
-          </a:p>
-        </p:txBody>
-      </p:sp>
-      <p:cxnSp>
-        <p:nvCxnSpPr>
-          <p:cNvPr id="22" name="直線矢印コネクタ 21">
-            <a:extLst>
-              <a:ext uri="{FF2B5EF4-FFF2-40B4-BE49-F238E27FC236}">
-                <a16:creationId xmlns:a16="http://schemas.microsoft.com/office/drawing/2014/main" id="{51FB2DB7-FE43-42CB-B492-A2807E9BD6B3}"/>
-              </a:ext>
-            </a:extLst>
-          </p:cNvPr>
-          <p:cNvCxnSpPr>
-            <a:cxnSpLocks/>
-          </p:cNvCxnSpPr>
-          <p:nvPr/>
-        </p:nvCxnSpPr>
-        <p:spPr>
-          <a:xfrm flipH="1">
-            <a:off x="7582374" y="1271995"/>
-            <a:ext cx="673166" cy="835935"/>
-          </a:xfrm>
-          <a:prstGeom prst="straightConnector1">
-            <a:avLst/>
-          </a:prstGeom>
-          <a:ln w="76200">
-            <a:tailEnd type="triangle"/>
-          </a:ln>
-        </p:spPr>
-        <p:style>
-          <a:lnRef idx="1">
-            <a:schemeClr val="dk1"/>
-          </a:lnRef>
-          <a:fillRef idx="0">
-            <a:schemeClr val="dk1"/>
-          </a:fillRef>
-          <a:effectRef idx="0">
-            <a:schemeClr val="dk1"/>
-          </a:effectRef>
-          <a:fontRef idx="minor">
-            <a:schemeClr val="tx1"/>
-          </a:fontRef>
-        </p:style>
-      </p:cxnSp>
-      <p:sp>
-        <p:nvSpPr>
-          <p:cNvPr id="24" name="テキスト ボックス 23">
-            <a:extLst>
-              <a:ext uri="{FF2B5EF4-FFF2-40B4-BE49-F238E27FC236}">
-                <a16:creationId xmlns:a16="http://schemas.microsoft.com/office/drawing/2014/main" id="{1BDA0E1F-88FA-4EA4-AB4D-0DE4AA09F92C}"/>
-              </a:ext>
-            </a:extLst>
-          </p:cNvPr>
-          <p:cNvSpPr txBox="1"/>
-          <p:nvPr/>
-        </p:nvSpPr>
-        <p:spPr>
-          <a:xfrm>
-            <a:off x="7918957" y="554250"/>
-            <a:ext cx="1054100" cy="1046440"/>
-          </a:xfrm>
-          <a:prstGeom prst="rect">
-            <a:avLst/>
-          </a:prstGeom>
-          <a:noFill/>
-        </p:spPr>
-        <p:txBody>
-          <a:bodyPr wrap="square" rtlCol="0">
-            <a:spAutoFit/>
-          </a:bodyPr>
-          <a:lstStyle/>
-          <a:p>
-            <a:r>
-              <a:rPr kumimoji="1" lang="ja-JP" altLang="en-US" sz="4400" b="1" dirty="0"/>
-              <a:t>⑥</a:t>
-            </a:r>
-            <a:endParaRPr kumimoji="1" lang="en-US" altLang="ja-JP" b="1" dirty="0"/>
-          </a:p>
-          <a:p>
-            <a:endParaRPr kumimoji="1" lang="ja-JP" altLang="en-US" dirty="0"/>
-          </a:p>
-        </p:txBody>
-      </p:sp>
-      <p:cxnSp>
-        <p:nvCxnSpPr>
-          <p:cNvPr id="25" name="直線矢印コネクタ 24">
-            <a:extLst>
-              <a:ext uri="{FF2B5EF4-FFF2-40B4-BE49-F238E27FC236}">
-                <a16:creationId xmlns:a16="http://schemas.microsoft.com/office/drawing/2014/main" id="{F9BF7797-2777-41FC-A884-0D997D9676CA}"/>
-              </a:ext>
-            </a:extLst>
-          </p:cNvPr>
-          <p:cNvCxnSpPr>
-            <a:cxnSpLocks/>
-          </p:cNvCxnSpPr>
-          <p:nvPr/>
-        </p:nvCxnSpPr>
-        <p:spPr>
-          <a:xfrm>
-            <a:off x="515754" y="1350169"/>
-            <a:ext cx="503650" cy="865220"/>
-          </a:xfrm>
-          <a:prstGeom prst="straightConnector1">
-            <a:avLst/>
-          </a:prstGeom>
-          <a:ln w="76200">
-            <a:tailEnd type="triangle"/>
-          </a:ln>
-        </p:spPr>
-        <p:style>
-          <a:lnRef idx="1">
-            <a:schemeClr val="dk1"/>
-          </a:lnRef>
-          <a:fillRef idx="0">
-            <a:schemeClr val="dk1"/>
-          </a:fillRef>
-          <a:effectRef idx="0">
-            <a:schemeClr val="dk1"/>
-          </a:effectRef>
-          <a:fontRef idx="minor">
-            <a:schemeClr val="tx1"/>
-          </a:fontRef>
-        </p:style>
-      </p:cxnSp>
-      <p:sp>
-        <p:nvSpPr>
-          <p:cNvPr id="26" name="テキスト ボックス 25">
-            <a:extLst>
-              <a:ext uri="{FF2B5EF4-FFF2-40B4-BE49-F238E27FC236}">
-                <a16:creationId xmlns:a16="http://schemas.microsoft.com/office/drawing/2014/main" id="{20614339-BF78-4D24-9F49-75FB66E1084E}"/>
-              </a:ext>
-            </a:extLst>
-          </p:cNvPr>
-          <p:cNvSpPr txBox="1"/>
-          <p:nvPr/>
-        </p:nvSpPr>
-        <p:spPr>
-          <a:xfrm>
-            <a:off x="240529" y="661709"/>
-            <a:ext cx="1054100" cy="1046440"/>
-          </a:xfrm>
-          <a:prstGeom prst="rect">
-            <a:avLst/>
-          </a:prstGeom>
-          <a:noFill/>
-        </p:spPr>
-        <p:txBody>
-          <a:bodyPr wrap="square" rtlCol="0">
-            <a:spAutoFit/>
-          </a:bodyPr>
-          <a:lstStyle/>
-          <a:p>
-            <a:r>
-              <a:rPr kumimoji="1" lang="ja-JP" altLang="en-US" sz="4400" b="1" dirty="0"/>
-              <a:t>⑦</a:t>
-            </a:r>
-            <a:endParaRPr kumimoji="1" lang="en-US" altLang="ja-JP" b="1" dirty="0"/>
-          </a:p>
-          <a:p>
-            <a:endParaRPr kumimoji="1" lang="ja-JP" altLang="en-US" dirty="0"/>
-          </a:p>
-        </p:txBody>
-      </p:sp>
-      <p:sp>
-        <p:nvSpPr>
-          <p:cNvPr id="4" name="コンテンツ プレースホルダー 3">
-            <a:extLst>
-              <a:ext uri="{FF2B5EF4-FFF2-40B4-BE49-F238E27FC236}">
-                <a16:creationId xmlns:a16="http://schemas.microsoft.com/office/drawing/2014/main" id="{8CFF982C-37A4-4173-B15C-29A6F6209CF0}"/>
-              </a:ext>
-            </a:extLst>
-          </p:cNvPr>
-          <p:cNvSpPr>
-            <a:spLocks noGrp="1"/>
-          </p:cNvSpPr>
-          <p:nvPr>
-            <p:ph idx="1"/>
-          </p:nvPr>
-        </p:nvSpPr>
-        <p:spPr/>
-        <p:txBody>
-          <a:bodyPr/>
-          <a:lstStyle/>
-          <a:p>
-            <a:endParaRPr lang="ja-JP" altLang="en-US"/>
+              <a:rPr kumimoji="1" lang="ja-JP" altLang="en-US" sz="3600" b="1" dirty="0"/>
+              <a:t>①会員登録できます</a:t>
+            </a:r>
+            <a:endParaRPr kumimoji="1" lang="en-US" altLang="ja-JP" sz="3600" b="1" dirty="0"/>
+          </a:p>
+          <a:p>
+            <a:r>
+              <a:rPr kumimoji="1" lang="ja-JP" altLang="en-US" sz="3600" b="1" dirty="0"/>
+              <a:t>②ログインできます。　</a:t>
+            </a:r>
           </a:p>
         </p:txBody>
       </p:sp>
     </p:spTree>
     <p:extLst>
       <p:ext uri="{BB962C8B-B14F-4D97-AF65-F5344CB8AC3E}">
-        <p14:creationId xmlns:p14="http://schemas.microsoft.com/office/powerpoint/2010/main" val="646337765"/>
+        <p14:creationId xmlns:p14="http://schemas.microsoft.com/office/powerpoint/2010/main" val="1057335371"/>
       </p:ext>
     </p:extLst>
   </p:cSld>
@@ -4610,10 +4880,10 @@
       </p:grpSpPr>
       <p:pic>
         <p:nvPicPr>
-          <p:cNvPr id="12" name="図 11">
-            <a:extLst>
-              <a:ext uri="{FF2B5EF4-FFF2-40B4-BE49-F238E27FC236}">
-                <a16:creationId xmlns:a16="http://schemas.microsoft.com/office/drawing/2014/main" id="{916839B0-B85A-4589-ACC4-207E35F7A3BF}"/>
+          <p:cNvPr id="4" name="図 3" descr="コンピューターの画面のスクリーンショット&#10;&#10;自動的に生成された説明">
+            <a:extLst>
+              <a:ext uri="{FF2B5EF4-FFF2-40B4-BE49-F238E27FC236}">
+                <a16:creationId xmlns:a16="http://schemas.microsoft.com/office/drawing/2014/main" id="{0F511024-C0C8-4F81-A87D-88C9050C31B7}"/>
               </a:ext>
             </a:extLst>
           </p:cNvPr>
@@ -4623,15 +4893,21 @@
           <p:nvPr/>
         </p:nvPicPr>
         <p:blipFill>
-          <a:blip r:embed="rId2"/>
+          <a:blip r:embed="rId2">
+            <a:extLst>
+              <a:ext uri="{28A0092B-C50C-407E-A947-70E740481C1C}">
+                <a14:useLocalDpi xmlns:a14="http://schemas.microsoft.com/office/drawing/2010/main" val="0"/>
+              </a:ext>
+            </a:extLst>
+          </a:blip>
           <a:stretch>
             <a:fillRect/>
           </a:stretch>
         </p:blipFill>
         <p:spPr>
           <a:xfrm>
-            <a:off x="1576322" y="1859047"/>
-            <a:ext cx="7224386" cy="4698137"/>
+            <a:off x="982980" y="1866725"/>
+            <a:ext cx="10570464" cy="5945886"/>
           </a:xfrm>
           <a:prstGeom prst="rect">
             <a:avLst/>
@@ -4643,7 +4919,7 @@
           <p:cNvPr id="2" name="タイトル 1">
             <a:extLst>
               <a:ext uri="{FF2B5EF4-FFF2-40B4-BE49-F238E27FC236}">
-                <a16:creationId xmlns:a16="http://schemas.microsoft.com/office/drawing/2014/main" id="{A7B89DCE-0B94-426C-B90B-00D834259CC5}"/>
+                <a16:creationId xmlns:a16="http://schemas.microsoft.com/office/drawing/2014/main" id="{E8D3EA56-17A1-404A-8F24-75E112128ACB}"/>
               </a:ext>
             </a:extLst>
           </p:cNvPr>
@@ -4660,7 +4936,7 @@
           <a:lstStyle/>
           <a:p>
             <a:r>
-              <a:rPr kumimoji="1" lang="en-US" altLang="ja-JP" dirty="0"/>
+              <a:rPr lang="en-US" altLang="ja-JP" dirty="0"/>
               <a:t>B-1</a:t>
             </a:r>
             <a:r>
@@ -4673,10 +4949,10 @@
       </p:sp>
       <p:cxnSp>
         <p:nvCxnSpPr>
-          <p:cNvPr id="6" name="直線矢印コネクタ 5">
-            <a:extLst>
-              <a:ext uri="{FF2B5EF4-FFF2-40B4-BE49-F238E27FC236}">
-                <a16:creationId xmlns:a16="http://schemas.microsoft.com/office/drawing/2014/main" id="{06FAE9F4-4C4A-400D-9A71-B7261E91C9E6}"/>
+          <p:cNvPr id="27" name="直線矢印コネクタ 26">
+            <a:extLst>
+              <a:ext uri="{FF2B5EF4-FFF2-40B4-BE49-F238E27FC236}">
+                <a16:creationId xmlns:a16="http://schemas.microsoft.com/office/drawing/2014/main" id="{12DF2779-3203-4FBD-BECE-36882AB2017C}"/>
               </a:ext>
             </a:extLst>
           </p:cNvPr>
@@ -4687,25 +4963,28 @@
         </p:nvCxnSpPr>
         <p:spPr>
           <a:xfrm flipH="1">
-            <a:off x="7514650" y="3172757"/>
-            <a:ext cx="3270226" cy="1284969"/>
+            <a:off x="5961888" y="1661366"/>
+            <a:ext cx="2822448" cy="4485132"/>
           </a:xfrm>
           <a:prstGeom prst="straightConnector1">
             <a:avLst/>
           </a:prstGeom>
           <a:ln w="76200">
+            <a:solidFill>
+              <a:srgbClr val="00B0F0"/>
+            </a:solidFill>
             <a:tailEnd type="triangle"/>
           </a:ln>
         </p:spPr>
         <p:style>
           <a:lnRef idx="1">
-            <a:schemeClr val="dk1"/>
+            <a:schemeClr val="accent1"/>
           </a:lnRef>
           <a:fillRef idx="0">
-            <a:schemeClr val="dk1"/>
+            <a:schemeClr val="accent1"/>
           </a:fillRef>
           <a:effectRef idx="0">
-            <a:schemeClr val="dk1"/>
+            <a:schemeClr val="accent1"/>
           </a:effectRef>
           <a:fontRef idx="minor">
             <a:schemeClr val="tx1"/>
@@ -4714,10 +4993,10 @@
       </p:cxnSp>
       <p:cxnSp>
         <p:nvCxnSpPr>
-          <p:cNvPr id="7" name="直線矢印コネクタ 6">
-            <a:extLst>
-              <a:ext uri="{FF2B5EF4-FFF2-40B4-BE49-F238E27FC236}">
-                <a16:creationId xmlns:a16="http://schemas.microsoft.com/office/drawing/2014/main" id="{3A4F9D89-3767-4CA0-99CF-EDA5C015CEB6}"/>
+          <p:cNvPr id="30" name="直線矢印コネクタ 29">
+            <a:extLst>
+              <a:ext uri="{FF2B5EF4-FFF2-40B4-BE49-F238E27FC236}">
+                <a16:creationId xmlns:a16="http://schemas.microsoft.com/office/drawing/2014/main" id="{206B2EED-0288-4E3E-9423-B7B32FD58332}"/>
               </a:ext>
             </a:extLst>
           </p:cNvPr>
@@ -4728,25 +5007,28 @@
         </p:nvCxnSpPr>
         <p:spPr>
           <a:xfrm flipH="1">
-            <a:off x="7452564" y="1741897"/>
-            <a:ext cx="3198947" cy="2296576"/>
+            <a:off x="6510528" y="1621155"/>
+            <a:ext cx="4340352" cy="4525343"/>
           </a:xfrm>
           <a:prstGeom prst="straightConnector1">
             <a:avLst/>
           </a:prstGeom>
           <a:ln w="76200">
+            <a:solidFill>
+              <a:srgbClr val="00B0F0"/>
+            </a:solidFill>
             <a:tailEnd type="triangle"/>
           </a:ln>
         </p:spPr>
         <p:style>
           <a:lnRef idx="1">
-            <a:schemeClr val="dk1"/>
+            <a:schemeClr val="accent1"/>
           </a:lnRef>
           <a:fillRef idx="0">
-            <a:schemeClr val="dk1"/>
+            <a:schemeClr val="accent1"/>
           </a:fillRef>
           <a:effectRef idx="0">
-            <a:schemeClr val="dk1"/>
+            <a:schemeClr val="accent1"/>
           </a:effectRef>
           <a:fontRef idx="minor">
             <a:schemeClr val="tx1"/>
@@ -4755,10 +5037,10 @@
       </p:cxnSp>
       <p:sp>
         <p:nvSpPr>
-          <p:cNvPr id="8" name="テキスト ボックス 7">
-            <a:extLst>
-              <a:ext uri="{FF2B5EF4-FFF2-40B4-BE49-F238E27FC236}">
-                <a16:creationId xmlns:a16="http://schemas.microsoft.com/office/drawing/2014/main" id="{DF407FB1-9759-44C9-8899-167B8B76C07B}"/>
+          <p:cNvPr id="35" name="テキスト ボックス 34">
+            <a:extLst>
+              <a:ext uri="{FF2B5EF4-FFF2-40B4-BE49-F238E27FC236}">
+                <a16:creationId xmlns:a16="http://schemas.microsoft.com/office/drawing/2014/main" id="{E6436985-E739-4F4A-9A9A-925068B48370}"/>
               </a:ext>
             </a:extLst>
           </p:cNvPr>
@@ -4767,8 +5049,8 @@
         </p:nvSpPr>
         <p:spPr>
           <a:xfrm>
-            <a:off x="10713597" y="2605494"/>
-            <a:ext cx="1054100" cy="1046440"/>
+            <a:off x="8784336" y="1085901"/>
+            <a:ext cx="1109472" cy="646331"/>
           </a:xfrm>
           <a:prstGeom prst="rect">
             <a:avLst/>
@@ -4782,63 +5064,18 @@
           <a:lstStyle/>
           <a:p>
             <a:r>
-              <a:rPr kumimoji="1" lang="ja-JP" altLang="en-US" sz="4400" b="1" dirty="0"/>
-              <a:t>②</a:t>
-            </a:r>
-            <a:endParaRPr kumimoji="1" lang="en-US" altLang="ja-JP" b="1" dirty="0"/>
-          </a:p>
-          <a:p>
-            <a:endParaRPr kumimoji="1" lang="ja-JP" altLang="en-US" dirty="0"/>
-          </a:p>
-        </p:txBody>
-      </p:sp>
-      <p:cxnSp>
-        <p:nvCxnSpPr>
-          <p:cNvPr id="9" name="直線矢印コネクタ 8">
-            <a:extLst>
-              <a:ext uri="{FF2B5EF4-FFF2-40B4-BE49-F238E27FC236}">
-                <a16:creationId xmlns:a16="http://schemas.microsoft.com/office/drawing/2014/main" id="{4BADEFC0-234B-4890-9928-6CCBEB072DF8}"/>
-              </a:ext>
-            </a:extLst>
-          </p:cNvPr>
-          <p:cNvCxnSpPr>
-            <a:cxnSpLocks/>
-          </p:cNvCxnSpPr>
-          <p:nvPr/>
-        </p:nvCxnSpPr>
-        <p:spPr>
-          <a:xfrm flipH="1">
-            <a:off x="7455605" y="4555262"/>
-            <a:ext cx="3771988" cy="299711"/>
-          </a:xfrm>
-          <a:prstGeom prst="straightConnector1">
-            <a:avLst/>
-          </a:prstGeom>
-          <a:ln w="76200">
-            <a:tailEnd type="triangle"/>
-          </a:ln>
-        </p:spPr>
-        <p:style>
-          <a:lnRef idx="1">
-            <a:schemeClr val="dk1"/>
-          </a:lnRef>
-          <a:fillRef idx="0">
-            <a:schemeClr val="dk1"/>
-          </a:fillRef>
-          <a:effectRef idx="0">
-            <a:schemeClr val="dk1"/>
-          </a:effectRef>
-          <a:fontRef idx="minor">
-            <a:schemeClr val="tx1"/>
-          </a:fontRef>
-        </p:style>
-      </p:cxnSp>
-      <p:sp>
-        <p:nvSpPr>
-          <p:cNvPr id="10" name="テキスト ボックス 9">
-            <a:extLst>
-              <a:ext uri="{FF2B5EF4-FFF2-40B4-BE49-F238E27FC236}">
-                <a16:creationId xmlns:a16="http://schemas.microsoft.com/office/drawing/2014/main" id="{70794E6F-26C2-485C-BB74-64F2B04A4B20}"/>
+              <a:rPr kumimoji="1" lang="ja-JP" altLang="en-US" sz="3600" b="1" dirty="0"/>
+              <a:t>①</a:t>
+            </a:r>
+          </a:p>
+        </p:txBody>
+      </p:sp>
+      <p:sp>
+        <p:nvSpPr>
+          <p:cNvPr id="36" name="テキスト ボックス 35">
+            <a:extLst>
+              <a:ext uri="{FF2B5EF4-FFF2-40B4-BE49-F238E27FC236}">
+                <a16:creationId xmlns:a16="http://schemas.microsoft.com/office/drawing/2014/main" id="{18E7A907-973D-4463-A78E-9D01B5B36600}"/>
               </a:ext>
             </a:extLst>
           </p:cNvPr>
@@ -4847,8 +5084,8 @@
         </p:nvSpPr>
         <p:spPr>
           <a:xfrm>
-            <a:off x="11286500" y="4178270"/>
-            <a:ext cx="1054100" cy="1046440"/>
+            <a:off x="10777728" y="1073709"/>
+            <a:ext cx="1109472" cy="646331"/>
           </a:xfrm>
           <a:prstGeom prst="rect">
             <a:avLst/>
@@ -4862,22 +5099,18 @@
           <a:lstStyle/>
           <a:p>
             <a:r>
-              <a:rPr kumimoji="1" lang="ja-JP" altLang="en-US" sz="4400" b="1" dirty="0"/>
-              <a:t>③</a:t>
-            </a:r>
-            <a:endParaRPr kumimoji="1" lang="en-US" altLang="ja-JP" b="1" dirty="0"/>
-          </a:p>
-          <a:p>
-            <a:endParaRPr kumimoji="1" lang="ja-JP" altLang="en-US" dirty="0"/>
-          </a:p>
-        </p:txBody>
-      </p:sp>
-      <p:sp>
-        <p:nvSpPr>
-          <p:cNvPr id="11" name="テキスト ボックス 10">
-            <a:extLst>
-              <a:ext uri="{FF2B5EF4-FFF2-40B4-BE49-F238E27FC236}">
-                <a16:creationId xmlns:a16="http://schemas.microsoft.com/office/drawing/2014/main" id="{8FD604B3-2D82-4F95-B3D0-91BD7C11AE6C}"/>
+              <a:rPr kumimoji="1" lang="ja-JP" altLang="en-US" sz="3600" b="1" dirty="0"/>
+              <a:t>②</a:t>
+            </a:r>
+          </a:p>
+        </p:txBody>
+      </p:sp>
+      <p:sp>
+        <p:nvSpPr>
+          <p:cNvPr id="37" name="テキスト ボックス 36">
+            <a:extLst>
+              <a:ext uri="{FF2B5EF4-FFF2-40B4-BE49-F238E27FC236}">
+                <a16:creationId xmlns:a16="http://schemas.microsoft.com/office/drawing/2014/main" id="{E5A60638-F7EA-4211-AFC7-A1ED3A64C188}"/>
               </a:ext>
             </a:extLst>
           </p:cNvPr>
@@ -4886,8 +5119,8 @@
         </p:nvSpPr>
         <p:spPr>
           <a:xfrm>
-            <a:off x="10759450" y="1276990"/>
-            <a:ext cx="1054100" cy="1046440"/>
+            <a:off x="1097280" y="8176466"/>
+            <a:ext cx="9631680" cy="1200329"/>
           </a:xfrm>
           <a:prstGeom prst="rect">
             <a:avLst/>
@@ -4901,490 +5134,23 @@
           <a:lstStyle/>
           <a:p>
             <a:r>
-              <a:rPr kumimoji="1" lang="ja-JP" altLang="en-US" sz="4400" b="1" dirty="0"/>
-              <a:t>①</a:t>
-            </a:r>
-            <a:endParaRPr kumimoji="1" lang="en-US" altLang="ja-JP" b="1" dirty="0"/>
-          </a:p>
-          <a:p>
-            <a:endParaRPr kumimoji="1" lang="ja-JP" altLang="en-US" dirty="0"/>
-          </a:p>
-        </p:txBody>
-      </p:sp>
-      <p:cxnSp>
-        <p:nvCxnSpPr>
-          <p:cNvPr id="16" name="直線矢印コネクタ 15">
-            <a:extLst>
-              <a:ext uri="{FF2B5EF4-FFF2-40B4-BE49-F238E27FC236}">
-                <a16:creationId xmlns:a16="http://schemas.microsoft.com/office/drawing/2014/main" id="{59B2490D-C957-4B9A-8B5C-8B8206253657}"/>
-              </a:ext>
-            </a:extLst>
-          </p:cNvPr>
-          <p:cNvCxnSpPr>
-            <a:cxnSpLocks/>
-          </p:cNvCxnSpPr>
-          <p:nvPr/>
-        </p:nvCxnSpPr>
-        <p:spPr>
-          <a:xfrm flipH="1" flipV="1">
-            <a:off x="7514650" y="5805596"/>
-            <a:ext cx="3520457" cy="426251"/>
-          </a:xfrm>
-          <a:prstGeom prst="straightConnector1">
-            <a:avLst/>
-          </a:prstGeom>
-          <a:ln w="76200">
-            <a:tailEnd type="triangle"/>
-          </a:ln>
-        </p:spPr>
-        <p:style>
-          <a:lnRef idx="1">
-            <a:schemeClr val="dk1"/>
-          </a:lnRef>
-          <a:fillRef idx="0">
-            <a:schemeClr val="dk1"/>
-          </a:fillRef>
-          <a:effectRef idx="0">
-            <a:schemeClr val="dk1"/>
-          </a:effectRef>
-          <a:fontRef idx="minor">
-            <a:schemeClr val="tx1"/>
-          </a:fontRef>
-        </p:style>
-      </p:cxnSp>
-      <p:sp>
-        <p:nvSpPr>
-          <p:cNvPr id="18" name="テキスト ボックス 17">
-            <a:extLst>
-              <a:ext uri="{FF2B5EF4-FFF2-40B4-BE49-F238E27FC236}">
-                <a16:creationId xmlns:a16="http://schemas.microsoft.com/office/drawing/2014/main" id="{FFF5C7D9-749B-4793-B6CE-838EA09B8777}"/>
-              </a:ext>
-            </a:extLst>
-          </p:cNvPr>
-          <p:cNvSpPr txBox="1"/>
-          <p:nvPr/>
-        </p:nvSpPr>
-        <p:spPr>
-          <a:xfrm>
-            <a:off x="1001827" y="5901243"/>
-            <a:ext cx="1054100" cy="1046440"/>
-          </a:xfrm>
-          <a:prstGeom prst="rect">
-            <a:avLst/>
-          </a:prstGeom>
-          <a:noFill/>
-        </p:spPr>
-        <p:txBody>
-          <a:bodyPr wrap="square" rtlCol="0">
-            <a:spAutoFit/>
-          </a:bodyPr>
-          <a:lstStyle/>
-          <a:p>
-            <a:r>
-              <a:rPr kumimoji="1" lang="ja-JP" altLang="en-US" sz="4400" b="1" dirty="0"/>
-              <a:t>⑤</a:t>
-            </a:r>
-            <a:endParaRPr kumimoji="1" lang="en-US" altLang="ja-JP" b="1" dirty="0"/>
-          </a:p>
-          <a:p>
-            <a:endParaRPr kumimoji="1" lang="ja-JP" altLang="en-US" dirty="0"/>
-          </a:p>
-        </p:txBody>
-      </p:sp>
-      <p:sp>
-        <p:nvSpPr>
-          <p:cNvPr id="19" name="テキスト ボックス 18">
-            <a:extLst>
-              <a:ext uri="{FF2B5EF4-FFF2-40B4-BE49-F238E27FC236}">
-                <a16:creationId xmlns:a16="http://schemas.microsoft.com/office/drawing/2014/main" id="{352537E0-D479-4869-A55C-ED79F81CCC22}"/>
-              </a:ext>
-            </a:extLst>
-          </p:cNvPr>
-          <p:cNvSpPr txBox="1"/>
-          <p:nvPr/>
-        </p:nvSpPr>
-        <p:spPr>
-          <a:xfrm>
-            <a:off x="11073964" y="5901243"/>
-            <a:ext cx="1054100" cy="1046440"/>
-          </a:xfrm>
-          <a:prstGeom prst="rect">
-            <a:avLst/>
-          </a:prstGeom>
-          <a:noFill/>
-        </p:spPr>
-        <p:txBody>
-          <a:bodyPr wrap="square" rtlCol="0">
-            <a:spAutoFit/>
-          </a:bodyPr>
-          <a:lstStyle/>
-          <a:p>
-            <a:r>
-              <a:rPr kumimoji="1" lang="ja-JP" altLang="en-US" sz="4400" b="1" dirty="0"/>
-              <a:t>④</a:t>
-            </a:r>
-            <a:endParaRPr kumimoji="1" lang="en-US" altLang="ja-JP" b="1" dirty="0"/>
-          </a:p>
-          <a:p>
-            <a:endParaRPr kumimoji="1" lang="ja-JP" altLang="en-US" dirty="0"/>
-          </a:p>
-        </p:txBody>
-      </p:sp>
-      <p:cxnSp>
-        <p:nvCxnSpPr>
-          <p:cNvPr id="20" name="直線矢印コネクタ 19">
-            <a:extLst>
-              <a:ext uri="{FF2B5EF4-FFF2-40B4-BE49-F238E27FC236}">
-                <a16:creationId xmlns:a16="http://schemas.microsoft.com/office/drawing/2014/main" id="{EAEBAC82-19A9-42AE-9742-109317ED2D1B}"/>
-              </a:ext>
-            </a:extLst>
-          </p:cNvPr>
-          <p:cNvCxnSpPr>
-            <a:cxnSpLocks/>
-          </p:cNvCxnSpPr>
-          <p:nvPr/>
-        </p:nvCxnSpPr>
-        <p:spPr>
-          <a:xfrm flipV="1">
-            <a:off x="1766493" y="5943212"/>
-            <a:ext cx="4293766" cy="322080"/>
-          </a:xfrm>
-          <a:prstGeom prst="straightConnector1">
-            <a:avLst/>
-          </a:prstGeom>
-          <a:ln w="76200">
-            <a:tailEnd type="triangle"/>
-          </a:ln>
-        </p:spPr>
-        <p:style>
-          <a:lnRef idx="1">
-            <a:schemeClr val="dk1"/>
-          </a:lnRef>
-          <a:fillRef idx="0">
-            <a:schemeClr val="dk1"/>
-          </a:fillRef>
-          <a:effectRef idx="0">
-            <a:schemeClr val="dk1"/>
-          </a:effectRef>
-          <a:fontRef idx="minor">
-            <a:schemeClr val="tx1"/>
-          </a:fontRef>
-        </p:style>
-      </p:cxnSp>
-      <p:sp>
-        <p:nvSpPr>
-          <p:cNvPr id="24" name="テキスト ボックス 23">
-            <a:extLst>
-              <a:ext uri="{FF2B5EF4-FFF2-40B4-BE49-F238E27FC236}">
-                <a16:creationId xmlns:a16="http://schemas.microsoft.com/office/drawing/2014/main" id="{C42789AA-D86E-4DD5-89B8-5811EB56FC9A}"/>
-              </a:ext>
-            </a:extLst>
-          </p:cNvPr>
-          <p:cNvSpPr txBox="1"/>
-          <p:nvPr/>
-        </p:nvSpPr>
-        <p:spPr>
-          <a:xfrm>
-            <a:off x="787179" y="7281621"/>
-            <a:ext cx="11853783" cy="1754326"/>
-          </a:xfrm>
-          <a:prstGeom prst="rect">
-            <a:avLst/>
-          </a:prstGeom>
-          <a:noFill/>
-        </p:spPr>
-        <p:txBody>
-          <a:bodyPr wrap="square" rtlCol="0">
-            <a:spAutoFit/>
-          </a:bodyPr>
-          <a:lstStyle/>
-          <a:p>
-            <a:r>
-              <a:rPr kumimoji="1" lang="ja-JP" altLang="en-US" sz="3600" dirty="0"/>
-              <a:t>①ニックネームを入力　　 　　　 ④パスワード再入力</a:t>
-            </a:r>
-            <a:endParaRPr kumimoji="1" lang="en-US" altLang="ja-JP" sz="3600" dirty="0"/>
-          </a:p>
-          <a:p>
-            <a:r>
-              <a:rPr kumimoji="1" lang="ja-JP" altLang="en-US" sz="3600" dirty="0"/>
-              <a:t>②メールアドレスを入力　　  　　⑤トップページへ</a:t>
-            </a:r>
-            <a:endParaRPr kumimoji="1" lang="en-US" altLang="ja-JP" sz="3600" dirty="0"/>
-          </a:p>
-          <a:p>
-            <a:r>
-              <a:rPr kumimoji="1" lang="ja-JP" altLang="en-US" sz="3600" dirty="0"/>
-              <a:t>③パスワードを入力　　　　　　  ⑥登録ボタン</a:t>
-            </a:r>
-          </a:p>
-        </p:txBody>
-      </p:sp>
-      <p:sp>
-        <p:nvSpPr>
-          <p:cNvPr id="15" name="角丸四角形吹き出し 14">
-            <a:extLst>
-              <a:ext uri="{FF2B5EF4-FFF2-40B4-BE49-F238E27FC236}">
-                <a16:creationId xmlns:a16="http://schemas.microsoft.com/office/drawing/2014/main" id="{E4DBE90C-6CC4-584D-A4BC-B9DCD0B293A1}"/>
-              </a:ext>
-            </a:extLst>
-          </p:cNvPr>
-          <p:cNvSpPr/>
-          <p:nvPr/>
-        </p:nvSpPr>
-        <p:spPr>
-          <a:xfrm>
-            <a:off x="595827" y="2556437"/>
-            <a:ext cx="4252686" cy="2423886"/>
-          </a:xfrm>
-          <a:prstGeom prst="wedgeRoundRectCallout">
-            <a:avLst>
-              <a:gd name="adj1" fmla="val 74448"/>
-              <a:gd name="adj2" fmla="val 22658"/>
-              <a:gd name="adj3" fmla="val 16667"/>
-            </a:avLst>
-          </a:prstGeom>
-          <a:solidFill>
-            <a:schemeClr val="bg1"/>
-          </a:solidFill>
-          <a:ln w="28575">
-            <a:solidFill>
-              <a:srgbClr val="FF0000"/>
-            </a:solidFill>
-          </a:ln>
-        </p:spPr>
-        <p:style>
-          <a:lnRef idx="2">
-            <a:schemeClr val="accent1">
-              <a:shade val="50000"/>
-            </a:schemeClr>
-          </a:lnRef>
-          <a:fillRef idx="1">
-            <a:schemeClr val="accent1"/>
-          </a:fillRef>
-          <a:effectRef idx="0">
-            <a:schemeClr val="accent1"/>
-          </a:effectRef>
-          <a:fontRef idx="minor">
-            <a:schemeClr val="lt1"/>
-          </a:fontRef>
-        </p:style>
-        <p:txBody>
-          <a:bodyPr rtlCol="0" anchor="ctr"/>
-          <a:lstStyle/>
-          <a:p>
-            <a:r>
-              <a:rPr kumimoji="1" lang="ja-JP" altLang="en-US" dirty="0">
-                <a:solidFill>
-                  <a:schemeClr val="tx1"/>
-                </a:solidFill>
-              </a:rPr>
-              <a:t>ログイン情報に使われるメールアドレスが抜けています。</a:t>
-            </a:r>
-            <a:endParaRPr kumimoji="1" lang="en-US" altLang="ja-JP" dirty="0">
-              <a:solidFill>
-                <a:schemeClr val="tx1"/>
-              </a:solidFill>
-            </a:endParaRPr>
-          </a:p>
-          <a:p>
-            <a:endParaRPr kumimoji="1" lang="en-US" altLang="ja-JP" dirty="0">
-              <a:solidFill>
-                <a:schemeClr val="tx1"/>
-              </a:solidFill>
-            </a:endParaRPr>
-          </a:p>
-          <a:p>
-            <a:r>
-              <a:rPr kumimoji="1" lang="ja-JP" altLang="en-US" dirty="0">
-                <a:solidFill>
-                  <a:schemeClr val="tx1"/>
-                </a:solidFill>
-              </a:rPr>
-              <a:t>要件定義にある「ニックネーム」が抜けています。</a:t>
-            </a:r>
-            <a:endParaRPr kumimoji="1" lang="en-US" altLang="ja-JP" dirty="0">
-              <a:solidFill>
-                <a:schemeClr val="tx1"/>
-              </a:solidFill>
-            </a:endParaRPr>
-          </a:p>
-          <a:p>
-            <a:r>
-              <a:rPr kumimoji="1" lang="ja-JP" altLang="en-US" dirty="0">
-                <a:solidFill>
-                  <a:schemeClr val="tx1"/>
-                </a:solidFill>
-              </a:rPr>
-              <a:t>要件定義にある「アカウント名」とは何に当たるでしょうか？</a:t>
-            </a:r>
-          </a:p>
-        </p:txBody>
-      </p:sp>
-      <p:sp>
-        <p:nvSpPr>
-          <p:cNvPr id="17" name="角丸四角形吹き出し 16">
-            <a:extLst>
-              <a:ext uri="{FF2B5EF4-FFF2-40B4-BE49-F238E27FC236}">
-                <a16:creationId xmlns:a16="http://schemas.microsoft.com/office/drawing/2014/main" id="{FFB1CC60-BD15-EF4B-9A26-89F10033DD84}"/>
-              </a:ext>
-            </a:extLst>
-          </p:cNvPr>
-          <p:cNvSpPr/>
-          <p:nvPr/>
-        </p:nvSpPr>
-        <p:spPr>
-          <a:xfrm>
-            <a:off x="6721251" y="9360407"/>
-            <a:ext cx="4252686" cy="808642"/>
-          </a:xfrm>
-          <a:prstGeom prst="wedgeRoundRectCallout">
-            <a:avLst>
-              <a:gd name="adj1" fmla="val -58317"/>
-              <a:gd name="adj2" fmla="val -169395"/>
-              <a:gd name="adj3" fmla="val 16667"/>
-            </a:avLst>
-          </a:prstGeom>
-          <a:solidFill>
-            <a:schemeClr val="bg1"/>
-          </a:solidFill>
-          <a:ln w="28575">
-            <a:solidFill>
-              <a:srgbClr val="FF0000"/>
-            </a:solidFill>
-          </a:ln>
-        </p:spPr>
-        <p:style>
-          <a:lnRef idx="2">
-            <a:schemeClr val="accent1">
-              <a:shade val="50000"/>
-            </a:schemeClr>
-          </a:lnRef>
-          <a:fillRef idx="1">
-            <a:schemeClr val="accent1"/>
-          </a:fillRef>
-          <a:effectRef idx="0">
-            <a:schemeClr val="accent1"/>
-          </a:effectRef>
-          <a:fontRef idx="minor">
-            <a:schemeClr val="lt1"/>
-          </a:fontRef>
-        </p:style>
-        <p:txBody>
-          <a:bodyPr rtlCol="0" anchor="ctr"/>
-          <a:lstStyle/>
-          <a:p>
-            <a:r>
-              <a:rPr kumimoji="1" lang="ja-JP" altLang="en-US">
-                <a:solidFill>
-                  <a:schemeClr val="tx1"/>
-                </a:solidFill>
-              </a:rPr>
-              <a:t>「</a:t>
-            </a:r>
-            <a:r>
-              <a:rPr kumimoji="1" lang="en-US" altLang="ja-JP">
-                <a:solidFill>
-                  <a:schemeClr val="tx1"/>
-                </a:solidFill>
-              </a:rPr>
-              <a:t>ID</a:t>
-            </a:r>
-            <a:r>
-              <a:rPr kumimoji="1" lang="ja-JP" altLang="en-US">
-                <a:solidFill>
-                  <a:schemeClr val="tx1"/>
-                </a:solidFill>
-              </a:rPr>
-              <a:t>」が要件定義にありません。</a:t>
-            </a:r>
-          </a:p>
-        </p:txBody>
-      </p:sp>
-      <p:cxnSp>
-        <p:nvCxnSpPr>
-          <p:cNvPr id="22" name="直線矢印コネクタ 21">
-            <a:extLst>
-              <a:ext uri="{FF2B5EF4-FFF2-40B4-BE49-F238E27FC236}">
-                <a16:creationId xmlns:a16="http://schemas.microsoft.com/office/drawing/2014/main" id="{BCCB0B70-1529-4388-8C64-9E617330D659}"/>
-              </a:ext>
-            </a:extLst>
-          </p:cNvPr>
-          <p:cNvCxnSpPr>
-            <a:cxnSpLocks/>
-          </p:cNvCxnSpPr>
-          <p:nvPr/>
-        </p:nvCxnSpPr>
-        <p:spPr>
-          <a:xfrm flipH="1" flipV="1">
-            <a:off x="6987599" y="6018721"/>
-            <a:ext cx="3520457" cy="426251"/>
-          </a:xfrm>
-          <a:prstGeom prst="straightConnector1">
-            <a:avLst/>
-          </a:prstGeom>
-          <a:ln w="76200">
-            <a:tailEnd type="triangle"/>
-          </a:ln>
-        </p:spPr>
-        <p:style>
-          <a:lnRef idx="1">
-            <a:schemeClr val="dk1"/>
-          </a:lnRef>
-          <a:fillRef idx="0">
-            <a:schemeClr val="dk1"/>
-          </a:fillRef>
-          <a:effectRef idx="0">
-            <a:schemeClr val="dk1"/>
-          </a:effectRef>
-          <a:fontRef idx="minor">
-            <a:schemeClr val="tx1"/>
-          </a:fontRef>
-        </p:style>
-      </p:cxnSp>
-      <p:sp>
-        <p:nvSpPr>
-          <p:cNvPr id="23" name="テキスト ボックス 22">
-            <a:extLst>
-              <a:ext uri="{FF2B5EF4-FFF2-40B4-BE49-F238E27FC236}">
-                <a16:creationId xmlns:a16="http://schemas.microsoft.com/office/drawing/2014/main" id="{D55045C9-288E-4BB3-9AB7-73B4D97E509D}"/>
-              </a:ext>
-            </a:extLst>
-          </p:cNvPr>
-          <p:cNvSpPr txBox="1"/>
-          <p:nvPr/>
-        </p:nvSpPr>
-        <p:spPr>
-          <a:xfrm>
-            <a:off x="10381296" y="6287782"/>
-            <a:ext cx="1054100" cy="1046440"/>
-          </a:xfrm>
-          <a:prstGeom prst="rect">
-            <a:avLst/>
-          </a:prstGeom>
-          <a:noFill/>
-        </p:spPr>
-        <p:txBody>
-          <a:bodyPr wrap="square" rtlCol="0">
-            <a:spAutoFit/>
-          </a:bodyPr>
-          <a:lstStyle/>
-          <a:p>
-            <a:r>
-              <a:rPr kumimoji="1" lang="ja-JP" altLang="en-US" sz="4400" b="1" dirty="0"/>
-              <a:t>⑥</a:t>
-            </a:r>
-            <a:endParaRPr kumimoji="1" lang="en-US" altLang="ja-JP" b="1" dirty="0"/>
-          </a:p>
-          <a:p>
-            <a:endParaRPr kumimoji="1" lang="ja-JP" altLang="en-US" dirty="0"/>
+              <a:rPr kumimoji="1" lang="ja-JP" altLang="en-US" sz="3600" b="1" dirty="0"/>
+              <a:t>①トップページへ戻ります</a:t>
+            </a:r>
+            <a:endParaRPr kumimoji="1" lang="en-US" altLang="ja-JP" sz="3600" b="1" dirty="0"/>
+          </a:p>
+          <a:p>
+            <a:r>
+              <a:rPr kumimoji="1" lang="ja-JP" altLang="en-US" sz="3600" b="1" dirty="0"/>
+              <a:t>②会員登録確認ページへ行きます。　</a:t>
+            </a:r>
           </a:p>
         </p:txBody>
       </p:sp>
     </p:spTree>
     <p:extLst>
       <p:ext uri="{BB962C8B-B14F-4D97-AF65-F5344CB8AC3E}">
-        <p14:creationId xmlns:p14="http://schemas.microsoft.com/office/powerpoint/2010/main" val="513401642"/>
+        <p14:creationId xmlns:p14="http://schemas.microsoft.com/office/powerpoint/2010/main" val="2241775426"/>
       </p:ext>
     </p:extLst>
   </p:cSld>
@@ -5413,10 +5179,10 @@
       </p:grpSpPr>
       <p:pic>
         <p:nvPicPr>
-          <p:cNvPr id="12" name="図 11">
-            <a:extLst>
-              <a:ext uri="{FF2B5EF4-FFF2-40B4-BE49-F238E27FC236}">
-                <a16:creationId xmlns:a16="http://schemas.microsoft.com/office/drawing/2014/main" id="{B3C1CEE2-71EC-4629-8630-5EB6437672BE}"/>
+          <p:cNvPr id="5" name="図 4" descr="コンピューターの画面のスクリーンショット&#10;&#10;自動的に生成された説明">
+            <a:extLst>
+              <a:ext uri="{FF2B5EF4-FFF2-40B4-BE49-F238E27FC236}">
+                <a16:creationId xmlns:a16="http://schemas.microsoft.com/office/drawing/2014/main" id="{F084223E-4C4F-40CA-9FC1-E246F347AFBC}"/>
               </a:ext>
             </a:extLst>
           </p:cNvPr>
@@ -5426,15 +5192,21 @@
           <p:nvPr/>
         </p:nvPicPr>
         <p:blipFill>
-          <a:blip r:embed="rId2"/>
+          <a:blip r:embed="rId2">
+            <a:extLst>
+              <a:ext uri="{28A0092B-C50C-407E-A947-70E740481C1C}">
+                <a14:useLocalDpi xmlns:a14="http://schemas.microsoft.com/office/drawing/2010/main" val="0"/>
+              </a:ext>
+            </a:extLst>
+          </a:blip>
           <a:stretch>
             <a:fillRect/>
           </a:stretch>
         </p:blipFill>
         <p:spPr>
           <a:xfrm>
-            <a:off x="2491470" y="2020610"/>
-            <a:ext cx="6969094" cy="4279001"/>
+            <a:off x="755904" y="1396874"/>
+            <a:ext cx="11509248" cy="6473952"/>
           </a:xfrm>
           <a:prstGeom prst="rect">
             <a:avLst/>
@@ -5446,7 +5218,7 @@
           <p:cNvPr id="2" name="タイトル 1">
             <a:extLst>
               <a:ext uri="{FF2B5EF4-FFF2-40B4-BE49-F238E27FC236}">
-                <a16:creationId xmlns:a16="http://schemas.microsoft.com/office/drawing/2014/main" id="{A7B89DCE-0B94-426C-B90B-00D834259CC5}"/>
+                <a16:creationId xmlns:a16="http://schemas.microsoft.com/office/drawing/2014/main" id="{E8D3EA56-17A1-404A-8F24-75E112128ACB}"/>
               </a:ext>
             </a:extLst>
           </p:cNvPr>
@@ -5457,28 +5229,34 @@
             <p:ph type="title"/>
           </p:nvPr>
         </p:nvSpPr>
-        <p:spPr/>
+        <p:spPr>
+          <a:xfrm>
+            <a:off x="291084" y="10937"/>
+            <a:ext cx="11041380" cy="1855788"/>
+          </a:xfrm>
+        </p:spPr>
         <p:txBody>
           <a:bodyPr/>
           <a:lstStyle/>
           <a:p>
             <a:r>
-              <a:rPr kumimoji="1" lang="en-US" altLang="ja-JP" dirty="0"/>
-              <a:t>C-1 </a:t>
-            </a:r>
-            <a:r>
-              <a:rPr kumimoji="1" lang="ja-JP" altLang="en-US" dirty="0"/>
-              <a:t>ログインページ</a:t>
-            </a:r>
+              <a:rPr lang="en-US" altLang="ja-JP" dirty="0"/>
+              <a:t>B-2</a:t>
+            </a:r>
+            <a:r>
+              <a:rPr lang="ja-JP" altLang="en-US" dirty="0"/>
+              <a:t> 会員登録確認ページ</a:t>
+            </a:r>
+            <a:endParaRPr kumimoji="1" lang="ja-JP" altLang="en-US" dirty="0"/>
           </a:p>
         </p:txBody>
       </p:sp>
       <p:cxnSp>
         <p:nvCxnSpPr>
-          <p:cNvPr id="6" name="直線矢印コネクタ 5">
-            <a:extLst>
-              <a:ext uri="{FF2B5EF4-FFF2-40B4-BE49-F238E27FC236}">
-                <a16:creationId xmlns:a16="http://schemas.microsoft.com/office/drawing/2014/main" id="{4EADBACB-B784-4391-BBE1-0A6A8C8B20F9}"/>
+          <p:cNvPr id="27" name="直線矢印コネクタ 26">
+            <a:extLst>
+              <a:ext uri="{FF2B5EF4-FFF2-40B4-BE49-F238E27FC236}">
+                <a16:creationId xmlns:a16="http://schemas.microsoft.com/office/drawing/2014/main" id="{12DF2779-3203-4FBD-BECE-36882AB2017C}"/>
               </a:ext>
             </a:extLst>
           </p:cNvPr>
@@ -5489,25 +5267,28 @@
         </p:nvCxnSpPr>
         <p:spPr>
           <a:xfrm flipH="1">
-            <a:off x="7863840" y="2517337"/>
-            <a:ext cx="3355119" cy="2078517"/>
+            <a:off x="6400800" y="1261996"/>
+            <a:ext cx="2767584" cy="4660221"/>
           </a:xfrm>
           <a:prstGeom prst="straightConnector1">
             <a:avLst/>
           </a:prstGeom>
           <a:ln w="76200">
+            <a:solidFill>
+              <a:srgbClr val="00B0F0"/>
+            </a:solidFill>
             <a:tailEnd type="triangle"/>
           </a:ln>
         </p:spPr>
         <p:style>
           <a:lnRef idx="1">
-            <a:schemeClr val="dk1"/>
+            <a:schemeClr val="accent1"/>
           </a:lnRef>
           <a:fillRef idx="0">
-            <a:schemeClr val="dk1"/>
+            <a:schemeClr val="accent1"/>
           </a:fillRef>
           <a:effectRef idx="0">
-            <a:schemeClr val="dk1"/>
+            <a:schemeClr val="accent1"/>
           </a:effectRef>
           <a:fontRef idx="minor">
             <a:schemeClr val="tx1"/>
@@ -5516,10 +5297,10 @@
       </p:cxnSp>
       <p:cxnSp>
         <p:nvCxnSpPr>
-          <p:cNvPr id="7" name="直線矢印コネクタ 6">
-            <a:extLst>
-              <a:ext uri="{FF2B5EF4-FFF2-40B4-BE49-F238E27FC236}">
-                <a16:creationId xmlns:a16="http://schemas.microsoft.com/office/drawing/2014/main" id="{5BCBC34F-5AE8-4B71-A657-A8F6786D8732}"/>
+          <p:cNvPr id="30" name="直線矢印コネクタ 29">
+            <a:extLst>
+              <a:ext uri="{FF2B5EF4-FFF2-40B4-BE49-F238E27FC236}">
+                <a16:creationId xmlns:a16="http://schemas.microsoft.com/office/drawing/2014/main" id="{206B2EED-0288-4E3E-9423-B7B32FD58332}"/>
               </a:ext>
             </a:extLst>
           </p:cNvPr>
@@ -5530,25 +5311,28 @@
         </p:nvCxnSpPr>
         <p:spPr>
           <a:xfrm flipH="1">
-            <a:off x="7599405" y="5439438"/>
-            <a:ext cx="3619554" cy="105122"/>
+            <a:off x="6729984" y="1261996"/>
+            <a:ext cx="4425696" cy="4795099"/>
           </a:xfrm>
           <a:prstGeom prst="straightConnector1">
             <a:avLst/>
           </a:prstGeom>
           <a:ln w="76200">
+            <a:solidFill>
+              <a:srgbClr val="00B0F0"/>
+            </a:solidFill>
             <a:tailEnd type="triangle"/>
           </a:ln>
         </p:spPr>
         <p:style>
           <a:lnRef idx="1">
-            <a:schemeClr val="dk1"/>
+            <a:schemeClr val="accent1"/>
           </a:lnRef>
           <a:fillRef idx="0">
-            <a:schemeClr val="dk1"/>
+            <a:schemeClr val="accent1"/>
           </a:fillRef>
           <a:effectRef idx="0">
-            <a:schemeClr val="dk1"/>
+            <a:schemeClr val="accent1"/>
           </a:effectRef>
           <a:fontRef idx="minor">
             <a:schemeClr val="tx1"/>
@@ -5557,10 +5341,10 @@
       </p:cxnSp>
       <p:sp>
         <p:nvSpPr>
-          <p:cNvPr id="8" name="テキスト ボックス 7">
-            <a:extLst>
-              <a:ext uri="{FF2B5EF4-FFF2-40B4-BE49-F238E27FC236}">
-                <a16:creationId xmlns:a16="http://schemas.microsoft.com/office/drawing/2014/main" id="{B2D4CA1D-9D97-484F-95D0-861234632249}"/>
+          <p:cNvPr id="35" name="テキスト ボックス 34">
+            <a:extLst>
+              <a:ext uri="{FF2B5EF4-FFF2-40B4-BE49-F238E27FC236}">
+                <a16:creationId xmlns:a16="http://schemas.microsoft.com/office/drawing/2014/main" id="{E6436985-E739-4F4A-9A9A-925068B48370}"/>
               </a:ext>
             </a:extLst>
           </p:cNvPr>
@@ -5569,8 +5353,8 @@
         </p:nvSpPr>
         <p:spPr>
           <a:xfrm>
-            <a:off x="11084320" y="2020610"/>
-            <a:ext cx="1054100" cy="1046440"/>
+            <a:off x="9113520" y="615665"/>
+            <a:ext cx="1109472" cy="646331"/>
           </a:xfrm>
           <a:prstGeom prst="rect">
             <a:avLst/>
@@ -5584,63 +5368,18 @@
           <a:lstStyle/>
           <a:p>
             <a:r>
-              <a:rPr kumimoji="1" lang="ja-JP" altLang="en-US" sz="4400" b="1" dirty="0"/>
+              <a:rPr kumimoji="1" lang="ja-JP" altLang="en-US" sz="3600" b="1" dirty="0"/>
               <a:t>①</a:t>
             </a:r>
-            <a:endParaRPr kumimoji="1" lang="en-US" altLang="ja-JP" b="1" dirty="0"/>
-          </a:p>
-          <a:p>
-            <a:endParaRPr kumimoji="1" lang="ja-JP" altLang="en-US" dirty="0"/>
-          </a:p>
-        </p:txBody>
-      </p:sp>
-      <p:cxnSp>
-        <p:nvCxnSpPr>
-          <p:cNvPr id="9" name="直線矢印コネクタ 8">
-            <a:extLst>
-              <a:ext uri="{FF2B5EF4-FFF2-40B4-BE49-F238E27FC236}">
-                <a16:creationId xmlns:a16="http://schemas.microsoft.com/office/drawing/2014/main" id="{0D914531-A915-4ECA-A728-73E8673E5748}"/>
-              </a:ext>
-            </a:extLst>
-          </p:cNvPr>
-          <p:cNvCxnSpPr>
-            <a:cxnSpLocks/>
-          </p:cNvCxnSpPr>
-          <p:nvPr/>
-        </p:nvCxnSpPr>
-        <p:spPr>
-          <a:xfrm flipH="1">
-            <a:off x="8038162" y="4325510"/>
-            <a:ext cx="3480738" cy="807542"/>
-          </a:xfrm>
-          <a:prstGeom prst="straightConnector1">
-            <a:avLst/>
-          </a:prstGeom>
-          <a:ln w="76200">
-            <a:tailEnd type="triangle"/>
-          </a:ln>
-        </p:spPr>
-        <p:style>
-          <a:lnRef idx="1">
-            <a:schemeClr val="dk1"/>
-          </a:lnRef>
-          <a:fillRef idx="0">
-            <a:schemeClr val="dk1"/>
-          </a:fillRef>
-          <a:effectRef idx="0">
-            <a:schemeClr val="dk1"/>
-          </a:effectRef>
-          <a:fontRef idx="minor">
-            <a:schemeClr val="tx1"/>
-          </a:fontRef>
-        </p:style>
-      </p:cxnSp>
-      <p:sp>
-        <p:nvSpPr>
-          <p:cNvPr id="10" name="テキスト ボックス 9">
-            <a:extLst>
-              <a:ext uri="{FF2B5EF4-FFF2-40B4-BE49-F238E27FC236}">
-                <a16:creationId xmlns:a16="http://schemas.microsoft.com/office/drawing/2014/main" id="{4C63B045-B485-4A7D-9A5F-833FD5EF1C92}"/>
+          </a:p>
+        </p:txBody>
+      </p:sp>
+      <p:sp>
+        <p:nvSpPr>
+          <p:cNvPr id="36" name="テキスト ボックス 35">
+            <a:extLst>
+              <a:ext uri="{FF2B5EF4-FFF2-40B4-BE49-F238E27FC236}">
+                <a16:creationId xmlns:a16="http://schemas.microsoft.com/office/drawing/2014/main" id="{18E7A907-973D-4463-A78E-9D01B5B36600}"/>
               </a:ext>
             </a:extLst>
           </p:cNvPr>
@@ -5649,8 +5388,8 @@
         </p:nvSpPr>
         <p:spPr>
           <a:xfrm>
-            <a:off x="11518900" y="3802290"/>
-            <a:ext cx="1054100" cy="1046440"/>
+            <a:off x="10936224" y="750543"/>
+            <a:ext cx="1109472" cy="646331"/>
           </a:xfrm>
           <a:prstGeom prst="rect">
             <a:avLst/>
@@ -5664,22 +5403,18 @@
           <a:lstStyle/>
           <a:p>
             <a:r>
-              <a:rPr kumimoji="1" lang="ja-JP" altLang="en-US" sz="4400" b="1" dirty="0"/>
+              <a:rPr kumimoji="1" lang="ja-JP" altLang="en-US" sz="3600" b="1" dirty="0"/>
               <a:t>②</a:t>
             </a:r>
-            <a:endParaRPr kumimoji="1" lang="en-US" altLang="ja-JP" b="1" dirty="0"/>
-          </a:p>
-          <a:p>
-            <a:endParaRPr kumimoji="1" lang="ja-JP" altLang="en-US" dirty="0"/>
-          </a:p>
-        </p:txBody>
-      </p:sp>
-      <p:sp>
-        <p:nvSpPr>
-          <p:cNvPr id="13" name="テキスト ボックス 12">
-            <a:extLst>
-              <a:ext uri="{FF2B5EF4-FFF2-40B4-BE49-F238E27FC236}">
-                <a16:creationId xmlns:a16="http://schemas.microsoft.com/office/drawing/2014/main" id="{45876155-4B68-4CD8-AAC6-784CF2ACA102}"/>
+          </a:p>
+        </p:txBody>
+      </p:sp>
+      <p:sp>
+        <p:nvSpPr>
+          <p:cNvPr id="37" name="テキスト ボックス 36">
+            <a:extLst>
+              <a:ext uri="{FF2B5EF4-FFF2-40B4-BE49-F238E27FC236}">
+                <a16:creationId xmlns:a16="http://schemas.microsoft.com/office/drawing/2014/main" id="{E5A60638-F7EA-4211-AFC7-A1ED3A64C188}"/>
               </a:ext>
             </a:extLst>
           </p:cNvPr>
@@ -5688,8 +5423,8 @@
         </p:nvSpPr>
         <p:spPr>
           <a:xfrm>
-            <a:off x="11363961" y="5060750"/>
-            <a:ext cx="1054100" cy="1046440"/>
+            <a:off x="1097280" y="8176466"/>
+            <a:ext cx="9631680" cy="1200329"/>
           </a:xfrm>
           <a:prstGeom prst="rect">
             <a:avLst/>
@@ -5703,141 +5438,15 @@
           <a:lstStyle/>
           <a:p>
             <a:r>
-              <a:rPr kumimoji="1" lang="ja-JP" altLang="en-US" sz="4400" b="1" dirty="0"/>
-              <a:t>③</a:t>
-            </a:r>
-            <a:endParaRPr kumimoji="1" lang="en-US" altLang="ja-JP" b="1" dirty="0"/>
-          </a:p>
-          <a:p>
-            <a:endParaRPr kumimoji="1" lang="ja-JP" altLang="en-US" dirty="0"/>
-          </a:p>
-        </p:txBody>
-      </p:sp>
-      <p:cxnSp>
-        <p:nvCxnSpPr>
-          <p:cNvPr id="14" name="直線矢印コネクタ 13">
-            <a:extLst>
-              <a:ext uri="{FF2B5EF4-FFF2-40B4-BE49-F238E27FC236}">
-                <a16:creationId xmlns:a16="http://schemas.microsoft.com/office/drawing/2014/main" id="{A298AB88-597A-4E99-92E2-293780949AE8}"/>
-              </a:ext>
-            </a:extLst>
-          </p:cNvPr>
-          <p:cNvCxnSpPr>
-            <a:cxnSpLocks/>
-          </p:cNvCxnSpPr>
-          <p:nvPr/>
-        </p:nvCxnSpPr>
-        <p:spPr>
-          <a:xfrm flipH="1" flipV="1">
-            <a:off x="7180028" y="5836516"/>
-            <a:ext cx="3806496" cy="715359"/>
-          </a:xfrm>
-          <a:prstGeom prst="straightConnector1">
-            <a:avLst/>
-          </a:prstGeom>
-          <a:ln w="76200">
-            <a:tailEnd type="triangle"/>
-          </a:ln>
-        </p:spPr>
-        <p:style>
-          <a:lnRef idx="1">
-            <a:schemeClr val="dk1"/>
-          </a:lnRef>
-          <a:fillRef idx="0">
-            <a:schemeClr val="dk1"/>
-          </a:fillRef>
-          <a:effectRef idx="0">
-            <a:schemeClr val="dk1"/>
-          </a:effectRef>
-          <a:fontRef idx="minor">
-            <a:schemeClr val="tx1"/>
-          </a:fontRef>
-        </p:style>
-      </p:cxnSp>
-      <p:sp>
-        <p:nvSpPr>
-          <p:cNvPr id="15" name="テキスト ボックス 14">
-            <a:extLst>
-              <a:ext uri="{FF2B5EF4-FFF2-40B4-BE49-F238E27FC236}">
-                <a16:creationId xmlns:a16="http://schemas.microsoft.com/office/drawing/2014/main" id="{463F852D-AAE1-4275-9B13-11B7311A7D5A}"/>
-              </a:ext>
-            </a:extLst>
-          </p:cNvPr>
-          <p:cNvSpPr txBox="1"/>
-          <p:nvPr/>
-        </p:nvSpPr>
-        <p:spPr>
-          <a:xfrm>
-            <a:off x="10991850" y="6319210"/>
-            <a:ext cx="1054100" cy="1046440"/>
-          </a:xfrm>
-          <a:prstGeom prst="rect">
-            <a:avLst/>
-          </a:prstGeom>
-          <a:noFill/>
-        </p:spPr>
-        <p:txBody>
-          <a:bodyPr wrap="square" rtlCol="0">
-            <a:spAutoFit/>
-          </a:bodyPr>
-          <a:lstStyle/>
-          <a:p>
-            <a:r>
-              <a:rPr kumimoji="1" lang="ja-JP" altLang="en-US" sz="4400" b="1" dirty="0"/>
-              <a:t>④</a:t>
-            </a:r>
-            <a:endParaRPr kumimoji="1" lang="en-US" altLang="ja-JP" b="1" dirty="0"/>
-          </a:p>
-          <a:p>
-            <a:endParaRPr kumimoji="1" lang="ja-JP" altLang="en-US" dirty="0"/>
-          </a:p>
-        </p:txBody>
-      </p:sp>
-      <p:sp>
-        <p:nvSpPr>
-          <p:cNvPr id="18" name="テキスト ボックス 17">
-            <a:extLst>
-              <a:ext uri="{FF2B5EF4-FFF2-40B4-BE49-F238E27FC236}">
-                <a16:creationId xmlns:a16="http://schemas.microsoft.com/office/drawing/2014/main" id="{B32B475A-0235-4670-BDE4-D82B4252989F}"/>
-              </a:ext>
-            </a:extLst>
-          </p:cNvPr>
-          <p:cNvSpPr txBox="1"/>
-          <p:nvPr/>
-        </p:nvSpPr>
-        <p:spPr>
-          <a:xfrm>
-            <a:off x="787179" y="7493576"/>
-            <a:ext cx="11134311" cy="1754326"/>
-          </a:xfrm>
-          <a:prstGeom prst="rect">
-            <a:avLst/>
-          </a:prstGeom>
-          <a:noFill/>
-        </p:spPr>
-        <p:txBody>
-          <a:bodyPr wrap="square" rtlCol="0">
-            <a:spAutoFit/>
-          </a:bodyPr>
-          <a:lstStyle/>
-          <a:p>
-            <a:r>
-              <a:rPr kumimoji="1" lang="ja-JP" altLang="en-US" sz="3600" dirty="0"/>
-              <a:t>①メールアドレスを入力　④トップページへ</a:t>
-            </a:r>
-            <a:endParaRPr kumimoji="1" lang="en-US" altLang="ja-JP" sz="3600" dirty="0"/>
-          </a:p>
-          <a:p>
-            <a:r>
-              <a:rPr kumimoji="1" lang="ja-JP" altLang="en-US" sz="3600" dirty="0"/>
-              <a:t>②パスワードを入力　　  </a:t>
-            </a:r>
-            <a:endParaRPr kumimoji="1" lang="en-US" altLang="ja-JP" sz="3600" dirty="0"/>
-          </a:p>
-          <a:p>
-            <a:r>
-              <a:rPr kumimoji="1" lang="ja-JP" altLang="en-US" sz="3600" dirty="0"/>
-              <a:t>③ログインします　　　</a:t>
+              <a:rPr kumimoji="1" lang="ja-JP" altLang="en-US" sz="3600" b="1" dirty="0"/>
+              <a:t>①入力画面に戻ります</a:t>
+            </a:r>
+            <a:endParaRPr kumimoji="1" lang="en-US" altLang="ja-JP" sz="3600" b="1" dirty="0"/>
+          </a:p>
+          <a:p>
+            <a:r>
+              <a:rPr kumimoji="1" lang="ja-JP" altLang="en-US" sz="3600" b="1" dirty="0"/>
+              <a:t>②会員登録処理を行います。　</a:t>
             </a:r>
           </a:p>
         </p:txBody>
@@ -5845,7 +5454,7 @@
     </p:spTree>
     <p:extLst>
       <p:ext uri="{BB962C8B-B14F-4D97-AF65-F5344CB8AC3E}">
-        <p14:creationId xmlns:p14="http://schemas.microsoft.com/office/powerpoint/2010/main" val="2740530714"/>
+        <p14:creationId xmlns:p14="http://schemas.microsoft.com/office/powerpoint/2010/main" val="2334513720"/>
       </p:ext>
     </p:extLst>
   </p:cSld>
@@ -5872,458 +5481,19 @@
           <a:chExt cx="0" cy="0"/>
         </a:xfrm>
       </p:grpSpPr>
-      <p:sp>
-        <p:nvSpPr>
-          <p:cNvPr id="2" name="タイトル 1">
-            <a:extLst>
-              <a:ext uri="{FF2B5EF4-FFF2-40B4-BE49-F238E27FC236}">
-                <a16:creationId xmlns:a16="http://schemas.microsoft.com/office/drawing/2014/main" id="{A7B89DCE-0B94-426C-B90B-00D834259CC5}"/>
-              </a:ext>
-            </a:extLst>
-          </p:cNvPr>
-          <p:cNvSpPr>
-            <a:spLocks noGrp="1"/>
-          </p:cNvSpPr>
-          <p:nvPr>
-            <p:ph type="title"/>
-          </p:nvPr>
-        </p:nvSpPr>
-        <p:spPr/>
-        <p:txBody>
-          <a:bodyPr/>
-          <a:lstStyle/>
-          <a:p>
-            <a:r>
-              <a:rPr kumimoji="1" lang="en-US" altLang="ja-JP" dirty="0"/>
-              <a:t>D-1 </a:t>
-            </a:r>
-            <a:r>
-              <a:rPr kumimoji="1" lang="ja-JP" altLang="en-US" dirty="0"/>
-              <a:t>投稿画面</a:t>
-            </a:r>
-          </a:p>
-        </p:txBody>
-      </p:sp>
-      <p:sp>
-        <p:nvSpPr>
-          <p:cNvPr id="6" name="テキスト ボックス 5">
-            <a:extLst>
-              <a:ext uri="{FF2B5EF4-FFF2-40B4-BE49-F238E27FC236}">
-                <a16:creationId xmlns:a16="http://schemas.microsoft.com/office/drawing/2014/main" id="{B63BB96B-0490-4E05-AF49-046853798688}"/>
-              </a:ext>
-            </a:extLst>
-          </p:cNvPr>
-          <p:cNvSpPr txBox="1"/>
-          <p:nvPr/>
-        </p:nvSpPr>
-        <p:spPr>
-          <a:xfrm>
-            <a:off x="1982149" y="6629281"/>
-            <a:ext cx="11134311" cy="1754326"/>
-          </a:xfrm>
-          <a:prstGeom prst="rect">
-            <a:avLst/>
-          </a:prstGeom>
-          <a:noFill/>
-        </p:spPr>
-        <p:txBody>
-          <a:bodyPr wrap="square" rtlCol="0">
-            <a:spAutoFit/>
-          </a:bodyPr>
-          <a:lstStyle/>
-          <a:p>
-            <a:r>
-              <a:rPr kumimoji="1" lang="ja-JP" altLang="en-US" sz="3600" dirty="0"/>
-              <a:t>①投稿内容を入力　　　</a:t>
-            </a:r>
-            <a:endParaRPr kumimoji="1" lang="en-US" altLang="ja-JP" sz="3600" dirty="0"/>
-          </a:p>
-          <a:p>
-            <a:r>
-              <a:rPr kumimoji="1" lang="ja-JP" altLang="en-US" sz="3600" dirty="0"/>
-              <a:t>②画像を選ぶボタン</a:t>
-            </a:r>
-            <a:endParaRPr kumimoji="1" lang="en-US" altLang="ja-JP" sz="3600" dirty="0"/>
-          </a:p>
-          <a:p>
-            <a:r>
-              <a:rPr kumimoji="1" lang="ja-JP" altLang="en-US" sz="3600" dirty="0"/>
-              <a:t>③投稿するボタン　　　</a:t>
-            </a:r>
-            <a:endParaRPr kumimoji="1" lang="en-US" altLang="ja-JP" sz="3600" dirty="0"/>
-          </a:p>
-        </p:txBody>
-      </p:sp>
-      <p:sp>
-        <p:nvSpPr>
-          <p:cNvPr id="14" name="テキスト ボックス 13">
-            <a:extLst>
-              <a:ext uri="{FF2B5EF4-FFF2-40B4-BE49-F238E27FC236}">
-                <a16:creationId xmlns:a16="http://schemas.microsoft.com/office/drawing/2014/main" id="{E424465A-95C3-4133-9E4E-B200AA545E32}"/>
-              </a:ext>
-            </a:extLst>
-          </p:cNvPr>
-          <p:cNvSpPr txBox="1"/>
-          <p:nvPr/>
-        </p:nvSpPr>
-        <p:spPr>
-          <a:xfrm>
-            <a:off x="10652510" y="4817689"/>
-            <a:ext cx="1054100" cy="769441"/>
-          </a:xfrm>
-          <a:prstGeom prst="rect">
-            <a:avLst/>
-          </a:prstGeom>
-          <a:noFill/>
-        </p:spPr>
-        <p:txBody>
-          <a:bodyPr wrap="square" rtlCol="0">
-            <a:spAutoFit/>
-          </a:bodyPr>
-          <a:lstStyle/>
-          <a:p>
-            <a:r>
-              <a:rPr kumimoji="1" lang="ja-JP" altLang="en-US" sz="4400" b="1" dirty="0"/>
-              <a:t>③</a:t>
-            </a:r>
-            <a:endParaRPr kumimoji="1" lang="ja-JP" altLang="en-US" dirty="0"/>
-          </a:p>
-        </p:txBody>
-      </p:sp>
-      <p:sp>
-        <p:nvSpPr>
-          <p:cNvPr id="16" name="テキスト ボックス 15">
-            <a:extLst>
-              <a:ext uri="{FF2B5EF4-FFF2-40B4-BE49-F238E27FC236}">
-                <a16:creationId xmlns:a16="http://schemas.microsoft.com/office/drawing/2014/main" id="{DA246426-8FA4-4836-B98B-940C34A4C72F}"/>
-              </a:ext>
-            </a:extLst>
-          </p:cNvPr>
-          <p:cNvSpPr txBox="1"/>
-          <p:nvPr/>
-        </p:nvSpPr>
-        <p:spPr>
-          <a:xfrm>
-            <a:off x="11950974" y="2234251"/>
-            <a:ext cx="1054100" cy="1046440"/>
-          </a:xfrm>
-          <a:prstGeom prst="rect">
-            <a:avLst/>
-          </a:prstGeom>
-          <a:noFill/>
-        </p:spPr>
-        <p:txBody>
-          <a:bodyPr wrap="square" rtlCol="0">
-            <a:spAutoFit/>
-          </a:bodyPr>
-          <a:lstStyle/>
-          <a:p>
-            <a:r>
-              <a:rPr kumimoji="1" lang="ja-JP" altLang="en-US" sz="4400" b="1" dirty="0"/>
-              <a:t>①</a:t>
-            </a:r>
-            <a:endParaRPr kumimoji="1" lang="en-US" altLang="ja-JP" b="1" dirty="0"/>
-          </a:p>
-          <a:p>
-            <a:endParaRPr kumimoji="1" lang="ja-JP" altLang="en-US" dirty="0"/>
-          </a:p>
-        </p:txBody>
-      </p:sp>
-      <p:sp>
-        <p:nvSpPr>
-          <p:cNvPr id="17" name="正方形/長方形 16">
-            <a:extLst>
-              <a:ext uri="{FF2B5EF4-FFF2-40B4-BE49-F238E27FC236}">
-                <a16:creationId xmlns:a16="http://schemas.microsoft.com/office/drawing/2014/main" id="{FF053B71-E8BE-4284-94E1-7D84E7C6257F}"/>
-              </a:ext>
-            </a:extLst>
-          </p:cNvPr>
-          <p:cNvSpPr/>
-          <p:nvPr/>
-        </p:nvSpPr>
-        <p:spPr>
-          <a:xfrm>
-            <a:off x="6308559" y="5076411"/>
-            <a:ext cx="703019" cy="209321"/>
-          </a:xfrm>
-          <a:prstGeom prst="rect">
-            <a:avLst/>
-          </a:prstGeom>
-        </p:spPr>
-        <p:style>
-          <a:lnRef idx="2">
-            <a:schemeClr val="accent1">
-              <a:shade val="50000"/>
-            </a:schemeClr>
-          </a:lnRef>
-          <a:fillRef idx="1">
-            <a:schemeClr val="accent1"/>
-          </a:fillRef>
-          <a:effectRef idx="0">
-            <a:schemeClr val="accent1"/>
-          </a:effectRef>
-          <a:fontRef idx="minor">
-            <a:schemeClr val="lt1"/>
-          </a:fontRef>
-        </p:style>
-        <p:txBody>
-          <a:bodyPr rtlCol="0" anchor="ctr"/>
-          <a:lstStyle/>
-          <a:p>
-            <a:pPr algn="ctr"/>
-            <a:r>
-              <a:rPr kumimoji="1" lang="ja-JP" altLang="en-US" sz="800" dirty="0"/>
-              <a:t>よくないね</a:t>
-            </a:r>
-          </a:p>
-        </p:txBody>
-      </p:sp>
-      <p:sp>
-        <p:nvSpPr>
-          <p:cNvPr id="22" name="テキスト ボックス 21">
-            <a:extLst>
-              <a:ext uri="{FF2B5EF4-FFF2-40B4-BE49-F238E27FC236}">
-                <a16:creationId xmlns:a16="http://schemas.microsoft.com/office/drawing/2014/main" id="{19EF8D62-0878-41FF-867C-7FB670A1BB16}"/>
-              </a:ext>
-            </a:extLst>
-          </p:cNvPr>
-          <p:cNvSpPr txBox="1"/>
-          <p:nvPr/>
-        </p:nvSpPr>
-        <p:spPr>
-          <a:xfrm>
-            <a:off x="6024536" y="5083800"/>
-            <a:ext cx="329798" cy="200055"/>
-          </a:xfrm>
-          <a:prstGeom prst="rect">
-            <a:avLst/>
-          </a:prstGeom>
-          <a:noFill/>
-        </p:spPr>
-        <p:txBody>
-          <a:bodyPr wrap="square" rtlCol="0">
-            <a:spAutoFit/>
-          </a:bodyPr>
-          <a:lstStyle/>
-          <a:p>
-            <a:r>
-              <a:rPr kumimoji="1" lang="en-US" altLang="ja-JP" sz="700" dirty="0"/>
-              <a:t>100</a:t>
-            </a:r>
-            <a:endParaRPr kumimoji="1" lang="ja-JP" altLang="en-US" sz="700" dirty="0"/>
-          </a:p>
-        </p:txBody>
-      </p:sp>
-      <p:sp>
-        <p:nvSpPr>
-          <p:cNvPr id="23" name="テキスト ボックス 22">
-            <a:extLst>
-              <a:ext uri="{FF2B5EF4-FFF2-40B4-BE49-F238E27FC236}">
-                <a16:creationId xmlns:a16="http://schemas.microsoft.com/office/drawing/2014/main" id="{BBBCB979-5089-41B7-9084-F368030D2654}"/>
-              </a:ext>
-            </a:extLst>
-          </p:cNvPr>
-          <p:cNvSpPr txBox="1"/>
-          <p:nvPr/>
-        </p:nvSpPr>
-        <p:spPr>
-          <a:xfrm>
-            <a:off x="6963677" y="5083800"/>
-            <a:ext cx="329798" cy="200055"/>
-          </a:xfrm>
-          <a:prstGeom prst="rect">
-            <a:avLst/>
-          </a:prstGeom>
-          <a:noFill/>
-        </p:spPr>
-        <p:txBody>
-          <a:bodyPr wrap="square" rtlCol="0">
-            <a:spAutoFit/>
-          </a:bodyPr>
-          <a:lstStyle/>
-          <a:p>
-            <a:r>
-              <a:rPr kumimoji="1" lang="en-US" altLang="ja-JP" sz="700" dirty="0"/>
-              <a:t>100</a:t>
-            </a:r>
-            <a:endParaRPr kumimoji="1" lang="ja-JP" altLang="en-US" sz="700" dirty="0"/>
-          </a:p>
-        </p:txBody>
-      </p:sp>
-      <p:sp>
-        <p:nvSpPr>
-          <p:cNvPr id="29" name="角丸四角形吹き出し 28">
-            <a:extLst>
-              <a:ext uri="{FF2B5EF4-FFF2-40B4-BE49-F238E27FC236}">
-                <a16:creationId xmlns:a16="http://schemas.microsoft.com/office/drawing/2014/main" id="{89D75C7C-CDE2-BA4E-AECB-FEE1F23B1501}"/>
-              </a:ext>
-            </a:extLst>
-          </p:cNvPr>
-          <p:cNvSpPr/>
-          <p:nvPr/>
-        </p:nvSpPr>
-        <p:spPr>
-          <a:xfrm>
-            <a:off x="8671830" y="8143172"/>
-            <a:ext cx="4129770" cy="1221809"/>
-          </a:xfrm>
-          <a:prstGeom prst="wedgeRoundRectCallout">
-            <a:avLst>
-              <a:gd name="adj1" fmla="val -36197"/>
-              <a:gd name="adj2" fmla="val -76780"/>
-              <a:gd name="adj3" fmla="val 16667"/>
-            </a:avLst>
-          </a:prstGeom>
-          <a:solidFill>
-            <a:schemeClr val="bg1"/>
-          </a:solidFill>
-          <a:ln w="28575">
-            <a:solidFill>
-              <a:srgbClr val="FF0000"/>
-            </a:solidFill>
-          </a:ln>
-        </p:spPr>
-        <p:style>
-          <a:lnRef idx="2">
-            <a:schemeClr val="accent1">
-              <a:shade val="50000"/>
-            </a:schemeClr>
-          </a:lnRef>
-          <a:fillRef idx="1">
-            <a:schemeClr val="accent1"/>
-          </a:fillRef>
-          <a:effectRef idx="0">
-            <a:schemeClr val="accent1"/>
-          </a:effectRef>
-          <a:fontRef idx="minor">
-            <a:schemeClr val="lt1"/>
-          </a:fontRef>
-        </p:style>
-        <p:txBody>
-          <a:bodyPr rtlCol="0" anchor="ctr"/>
-          <a:lstStyle/>
-          <a:p>
-            <a:r>
-              <a:rPr kumimoji="1" lang="ja-JP" altLang="en-US">
-                <a:solidFill>
-                  <a:schemeClr val="tx1"/>
-                </a:solidFill>
-              </a:rPr>
-              <a:t>「よくないね」が要件定義にありません。</a:t>
-            </a:r>
-            <a:endParaRPr kumimoji="1" lang="en-US" altLang="ja-JP">
-              <a:solidFill>
-                <a:schemeClr val="tx1"/>
-              </a:solidFill>
-            </a:endParaRPr>
-          </a:p>
-        </p:txBody>
-      </p:sp>
-      <p:sp>
-        <p:nvSpPr>
-          <p:cNvPr id="3" name="正方形/長方形 2">
-            <a:extLst>
-              <a:ext uri="{FF2B5EF4-FFF2-40B4-BE49-F238E27FC236}">
-                <a16:creationId xmlns:a16="http://schemas.microsoft.com/office/drawing/2014/main" id="{332D01F9-5BBB-4C77-900A-E0212D36D465}"/>
-              </a:ext>
-            </a:extLst>
-          </p:cNvPr>
-          <p:cNvSpPr/>
-          <p:nvPr/>
-        </p:nvSpPr>
-        <p:spPr>
-          <a:xfrm>
-            <a:off x="5169310" y="3731342"/>
-            <a:ext cx="2271251" cy="1855788"/>
-          </a:xfrm>
-          <a:prstGeom prst="rect">
-            <a:avLst/>
-          </a:prstGeom>
-          <a:solidFill>
-            <a:schemeClr val="bg1"/>
-          </a:solidFill>
-          <a:ln>
-            <a:solidFill>
-              <a:schemeClr val="bg1"/>
-            </a:solidFill>
-          </a:ln>
-        </p:spPr>
-        <p:style>
-          <a:lnRef idx="2">
-            <a:schemeClr val="accent1">
-              <a:shade val="50000"/>
-            </a:schemeClr>
-          </a:lnRef>
-          <a:fillRef idx="1">
-            <a:schemeClr val="accent1"/>
-          </a:fillRef>
-          <a:effectRef idx="0">
-            <a:schemeClr val="accent1"/>
-          </a:effectRef>
-          <a:fontRef idx="minor">
-            <a:schemeClr val="lt1"/>
-          </a:fontRef>
-        </p:style>
-        <p:txBody>
-          <a:bodyPr rtlCol="0" anchor="ctr"/>
-          <a:lstStyle/>
-          <a:p>
-            <a:pPr algn="ctr"/>
-            <a:endParaRPr kumimoji="1" lang="ja-JP" altLang="en-US"/>
-          </a:p>
-        </p:txBody>
-      </p:sp>
-      <p:sp>
-        <p:nvSpPr>
-          <p:cNvPr id="30" name="テキスト ボックス 29">
-            <a:extLst>
-              <a:ext uri="{FF2B5EF4-FFF2-40B4-BE49-F238E27FC236}">
-                <a16:creationId xmlns:a16="http://schemas.microsoft.com/office/drawing/2014/main" id="{E7A772CF-4C0D-4447-9A1F-1C294ED2F459}"/>
-              </a:ext>
-            </a:extLst>
-          </p:cNvPr>
-          <p:cNvSpPr txBox="1"/>
-          <p:nvPr/>
-        </p:nvSpPr>
-        <p:spPr>
-          <a:xfrm>
-            <a:off x="10652510" y="2879749"/>
-            <a:ext cx="1054100" cy="923330"/>
-          </a:xfrm>
-          <a:prstGeom prst="rect">
-            <a:avLst/>
-          </a:prstGeom>
-          <a:noFill/>
-        </p:spPr>
-        <p:txBody>
-          <a:bodyPr wrap="square" rtlCol="0">
-            <a:spAutoFit/>
-          </a:bodyPr>
-          <a:lstStyle/>
-          <a:p>
-            <a:r>
-              <a:rPr kumimoji="1" lang="ja-JP" altLang="en-US" sz="5400" dirty="0"/>
-              <a:t>②</a:t>
-            </a:r>
-            <a:endParaRPr kumimoji="1" lang="ja-JP" altLang="en-US" dirty="0"/>
-          </a:p>
-        </p:txBody>
-      </p:sp>
       <p:pic>
         <p:nvPicPr>
-          <p:cNvPr id="35" name="コンテンツ プレースホルダー 34" descr="グラフィカル ユーザー インターフェイス&#10;&#10;中程度の精度で自動的に生成された説明">
-            <a:extLst>
-              <a:ext uri="{FF2B5EF4-FFF2-40B4-BE49-F238E27FC236}">
-                <a16:creationId xmlns:a16="http://schemas.microsoft.com/office/drawing/2014/main" id="{21368666-912A-46D9-A387-B3A52D8A5B42}"/>
+          <p:cNvPr id="4" name="図 3" descr="コンピューターの画面のスクリーンショット&#10;&#10;自動的に生成された説明">
+            <a:extLst>
+              <a:ext uri="{FF2B5EF4-FFF2-40B4-BE49-F238E27FC236}">
+                <a16:creationId xmlns:a16="http://schemas.microsoft.com/office/drawing/2014/main" id="{45060F21-A95B-40F9-A6B7-35B54A7D4001}"/>
               </a:ext>
             </a:extLst>
           </p:cNvPr>
           <p:cNvPicPr>
-            <a:picLocks noGrp="1" noChangeAspect="1"/>
+            <a:picLocks noChangeAspect="1"/>
           </p:cNvPicPr>
-          <p:nvPr>
-            <p:ph idx="1"/>
-          </p:nvPr>
+          <p:nvPr/>
         </p:nvPicPr>
         <p:blipFill>
           <a:blip r:embed="rId2">
@@ -6339,116 +5509,58 @@
         </p:blipFill>
         <p:spPr>
           <a:xfrm>
-            <a:off x="1711138" y="2084614"/>
-            <a:ext cx="8454842" cy="4490146"/>
-          </a:xfrm>
+            <a:off x="548640" y="1396874"/>
+            <a:ext cx="11704320" cy="6583680"/>
+          </a:xfrm>
+          <a:prstGeom prst="rect">
+            <a:avLst/>
+          </a:prstGeom>
         </p:spPr>
       </p:pic>
       <p:sp>
         <p:nvSpPr>
-          <p:cNvPr id="26" name="角丸四角形吹き出し 25">
-            <a:extLst>
-              <a:ext uri="{FF2B5EF4-FFF2-40B4-BE49-F238E27FC236}">
-                <a16:creationId xmlns:a16="http://schemas.microsoft.com/office/drawing/2014/main" id="{BE3F4F74-CD5F-344F-9DC4-090A2C64B8B4}"/>
-              </a:ext>
-            </a:extLst>
-          </p:cNvPr>
-          <p:cNvSpPr/>
-          <p:nvPr/>
-        </p:nvSpPr>
-        <p:spPr>
-          <a:xfrm>
-            <a:off x="416893" y="2757185"/>
-            <a:ext cx="4252686" cy="2423886"/>
-          </a:xfrm>
-          <a:prstGeom prst="wedgeRoundRectCallout">
-            <a:avLst>
-              <a:gd name="adj1" fmla="val -22139"/>
-              <a:gd name="adj2" fmla="val 139424"/>
-              <a:gd name="adj3" fmla="val 16667"/>
-            </a:avLst>
-          </a:prstGeom>
-          <a:solidFill>
-            <a:schemeClr val="bg1"/>
-          </a:solidFill>
-          <a:ln w="28575">
-            <a:solidFill>
-              <a:srgbClr val="FF0000"/>
-            </a:solidFill>
-          </a:ln>
-        </p:spPr>
-        <p:style>
-          <a:lnRef idx="2">
-            <a:schemeClr val="accent1">
-              <a:shade val="50000"/>
-            </a:schemeClr>
-          </a:lnRef>
-          <a:fillRef idx="1">
-            <a:schemeClr val="accent1"/>
-          </a:fillRef>
-          <a:effectRef idx="0">
-            <a:schemeClr val="accent1"/>
-          </a:effectRef>
-          <a:fontRef idx="minor">
-            <a:schemeClr val="lt1"/>
-          </a:fontRef>
-        </p:style>
-        <p:txBody>
-          <a:bodyPr rtlCol="0" anchor="ctr"/>
-          <a:lstStyle/>
-          <a:p>
-            <a:r>
-              <a:rPr kumimoji="1" lang="ja-JP" altLang="en-US" dirty="0">
-                <a:solidFill>
-                  <a:schemeClr val="tx1"/>
-                </a:solidFill>
-              </a:rPr>
-              <a:t>「画像」とは、何の画像ですか？</a:t>
-            </a:r>
-            <a:endParaRPr kumimoji="1" lang="en-US" altLang="ja-JP" dirty="0">
-              <a:solidFill>
-                <a:schemeClr val="tx1"/>
-              </a:solidFill>
-            </a:endParaRPr>
-          </a:p>
-          <a:p>
-            <a:endParaRPr kumimoji="1" lang="en-US" altLang="ja-JP" dirty="0">
-              <a:solidFill>
-                <a:schemeClr val="tx1"/>
-              </a:solidFill>
-            </a:endParaRPr>
-          </a:p>
-          <a:p>
-            <a:r>
-              <a:rPr kumimoji="1" lang="en-US" altLang="ja-JP" dirty="0">
-                <a:solidFill>
-                  <a:schemeClr val="tx1"/>
-                </a:solidFill>
-              </a:rPr>
-              <a:t>③〜</a:t>
-            </a:r>
-            <a:r>
-              <a:rPr kumimoji="1" lang="ja-JP" altLang="en-US" dirty="0">
-                <a:solidFill>
-                  <a:schemeClr val="tx1"/>
-                </a:solidFill>
-              </a:rPr>
-              <a:t>⑦については、いつ時点の投稿が表示されているのでしょうか？</a:t>
-            </a:r>
-            <a:endParaRPr kumimoji="1" lang="en-US" altLang="ja-JP" dirty="0">
-              <a:solidFill>
-                <a:schemeClr val="tx1"/>
-              </a:solidFill>
-            </a:endParaRPr>
+          <p:cNvPr id="2" name="タイトル 1">
+            <a:extLst>
+              <a:ext uri="{FF2B5EF4-FFF2-40B4-BE49-F238E27FC236}">
+                <a16:creationId xmlns:a16="http://schemas.microsoft.com/office/drawing/2014/main" id="{E8D3EA56-17A1-404A-8F24-75E112128ACB}"/>
+              </a:ext>
+            </a:extLst>
+          </p:cNvPr>
+          <p:cNvSpPr>
+            <a:spLocks noGrp="1"/>
+          </p:cNvSpPr>
+          <p:nvPr>
+            <p:ph type="title"/>
+          </p:nvPr>
+        </p:nvSpPr>
+        <p:spPr>
+          <a:xfrm>
+            <a:off x="291084" y="10937"/>
+            <a:ext cx="11041380" cy="1855788"/>
+          </a:xfrm>
+        </p:spPr>
+        <p:txBody>
+          <a:bodyPr/>
+          <a:lstStyle/>
+          <a:p>
+            <a:r>
+              <a:rPr lang="en-US" altLang="ja-JP" dirty="0"/>
+              <a:t>C-1</a:t>
+            </a:r>
+            <a:r>
+              <a:rPr lang="ja-JP" altLang="en-US" dirty="0"/>
+              <a:t> ログインページ</a:t>
+            </a:r>
+            <a:endParaRPr kumimoji="1" lang="ja-JP" altLang="en-US" dirty="0"/>
           </a:p>
         </p:txBody>
       </p:sp>
       <p:cxnSp>
         <p:nvCxnSpPr>
-          <p:cNvPr id="15" name="直線矢印コネクタ 14">
-            <a:extLst>
-              <a:ext uri="{FF2B5EF4-FFF2-40B4-BE49-F238E27FC236}">
-                <a16:creationId xmlns:a16="http://schemas.microsoft.com/office/drawing/2014/main" id="{60227143-795D-4481-A447-D9B22D089EB9}"/>
+          <p:cNvPr id="27" name="直線矢印コネクタ 26">
+            <a:extLst>
+              <a:ext uri="{FF2B5EF4-FFF2-40B4-BE49-F238E27FC236}">
+                <a16:creationId xmlns:a16="http://schemas.microsoft.com/office/drawing/2014/main" id="{12DF2779-3203-4FBD-BECE-36882AB2017C}"/>
               </a:ext>
             </a:extLst>
           </p:cNvPr>
@@ -6459,25 +5571,28 @@
         </p:nvCxnSpPr>
         <p:spPr>
           <a:xfrm flipH="1">
-            <a:off x="6694714" y="2715005"/>
-            <a:ext cx="5133844" cy="28000"/>
+            <a:off x="6071617" y="1261996"/>
+            <a:ext cx="3096767" cy="4795099"/>
           </a:xfrm>
           <a:prstGeom prst="straightConnector1">
             <a:avLst/>
           </a:prstGeom>
           <a:ln w="76200">
+            <a:solidFill>
+              <a:srgbClr val="00B0F0"/>
+            </a:solidFill>
             <a:tailEnd type="triangle"/>
           </a:ln>
         </p:spPr>
         <p:style>
           <a:lnRef idx="1">
-            <a:schemeClr val="dk1"/>
+            <a:schemeClr val="accent1"/>
           </a:lnRef>
           <a:fillRef idx="0">
-            <a:schemeClr val="dk1"/>
+            <a:schemeClr val="accent1"/>
           </a:fillRef>
           <a:effectRef idx="0">
-            <a:schemeClr val="dk1"/>
+            <a:schemeClr val="accent1"/>
           </a:effectRef>
           <a:fontRef idx="minor">
             <a:schemeClr val="tx1"/>
@@ -6486,10 +5601,10 @@
       </p:cxnSp>
       <p:cxnSp>
         <p:nvCxnSpPr>
-          <p:cNvPr id="31" name="直線矢印コネクタ 30">
-            <a:extLst>
-              <a:ext uri="{FF2B5EF4-FFF2-40B4-BE49-F238E27FC236}">
-                <a16:creationId xmlns:a16="http://schemas.microsoft.com/office/drawing/2014/main" id="{E4E8B701-65F7-4EFE-AD7E-BDD1EAABF058}"/>
+          <p:cNvPr id="30" name="直線矢印コネクタ 29">
+            <a:extLst>
+              <a:ext uri="{FF2B5EF4-FFF2-40B4-BE49-F238E27FC236}">
+                <a16:creationId xmlns:a16="http://schemas.microsoft.com/office/drawing/2014/main" id="{206B2EED-0288-4E3E-9423-B7B32FD58332}"/>
               </a:ext>
             </a:extLst>
           </p:cNvPr>
@@ -6499,77 +5614,151 @@
           <p:nvPr/>
         </p:nvCxnSpPr>
         <p:spPr>
-          <a:xfrm flipH="1" flipV="1">
-            <a:off x="6520242" y="3687474"/>
-            <a:ext cx="4132268" cy="1341805"/>
+          <a:xfrm flipH="1">
+            <a:off x="6729984" y="1261996"/>
+            <a:ext cx="4425696" cy="4795099"/>
           </a:xfrm>
           <a:prstGeom prst="straightConnector1">
             <a:avLst/>
           </a:prstGeom>
           <a:ln w="76200">
+            <a:solidFill>
+              <a:srgbClr val="00B0F0"/>
+            </a:solidFill>
             <a:tailEnd type="triangle"/>
           </a:ln>
         </p:spPr>
         <p:style>
           <a:lnRef idx="1">
-            <a:schemeClr val="dk1"/>
+            <a:schemeClr val="accent1"/>
           </a:lnRef>
           <a:fillRef idx="0">
-            <a:schemeClr val="dk1"/>
+            <a:schemeClr val="accent1"/>
           </a:fillRef>
           <a:effectRef idx="0">
-            <a:schemeClr val="dk1"/>
+            <a:schemeClr val="accent1"/>
           </a:effectRef>
           <a:fontRef idx="minor">
             <a:schemeClr val="tx1"/>
           </a:fontRef>
         </p:style>
       </p:cxnSp>
-      <p:cxnSp>
-        <p:nvCxnSpPr>
-          <p:cNvPr id="13" name="直線矢印コネクタ 12">
-            <a:extLst>
-              <a:ext uri="{FF2B5EF4-FFF2-40B4-BE49-F238E27FC236}">
-                <a16:creationId xmlns:a16="http://schemas.microsoft.com/office/drawing/2014/main" id="{023AD488-15E9-4E38-ACB4-E3E237232133}"/>
-              </a:ext>
-            </a:extLst>
-          </p:cNvPr>
-          <p:cNvCxnSpPr>
-            <a:cxnSpLocks/>
-          </p:cNvCxnSpPr>
+      <p:sp>
+        <p:nvSpPr>
+          <p:cNvPr id="35" name="テキスト ボックス 34">
+            <a:extLst>
+              <a:ext uri="{FF2B5EF4-FFF2-40B4-BE49-F238E27FC236}">
+                <a16:creationId xmlns:a16="http://schemas.microsoft.com/office/drawing/2014/main" id="{E6436985-E739-4F4A-9A9A-925068B48370}"/>
+              </a:ext>
+            </a:extLst>
+          </p:cNvPr>
+          <p:cNvSpPr txBox="1"/>
           <p:nvPr/>
-        </p:nvCxnSpPr>
-        <p:spPr>
-          <a:xfrm flipH="1">
-            <a:off x="6028687" y="3130725"/>
-            <a:ext cx="4557670" cy="213131"/>
-          </a:xfrm>
-          <a:prstGeom prst="straightConnector1">
+        </p:nvSpPr>
+        <p:spPr>
+          <a:xfrm>
+            <a:off x="9113520" y="615665"/>
+            <a:ext cx="1109472" cy="646331"/>
+          </a:xfrm>
+          <a:prstGeom prst="rect">
             <a:avLst/>
           </a:prstGeom>
-          <a:ln w="76200">
-            <a:tailEnd type="triangle"/>
-          </a:ln>
-        </p:spPr>
-        <p:style>
-          <a:lnRef idx="1">
-            <a:schemeClr val="dk1"/>
-          </a:lnRef>
-          <a:fillRef idx="0">
-            <a:schemeClr val="dk1"/>
-          </a:fillRef>
-          <a:effectRef idx="0">
-            <a:schemeClr val="dk1"/>
-          </a:effectRef>
-          <a:fontRef idx="minor">
-            <a:schemeClr val="tx1"/>
-          </a:fontRef>
-        </p:style>
-      </p:cxnSp>
+          <a:noFill/>
+        </p:spPr>
+        <p:txBody>
+          <a:bodyPr wrap="square" rtlCol="0">
+            <a:spAutoFit/>
+          </a:bodyPr>
+          <a:lstStyle/>
+          <a:p>
+            <a:r>
+              <a:rPr kumimoji="1" lang="ja-JP" altLang="en-US" sz="3600" b="1" dirty="0"/>
+              <a:t>①</a:t>
+            </a:r>
+          </a:p>
+        </p:txBody>
+      </p:sp>
+      <p:sp>
+        <p:nvSpPr>
+          <p:cNvPr id="36" name="テキスト ボックス 35">
+            <a:extLst>
+              <a:ext uri="{FF2B5EF4-FFF2-40B4-BE49-F238E27FC236}">
+                <a16:creationId xmlns:a16="http://schemas.microsoft.com/office/drawing/2014/main" id="{18E7A907-973D-4463-A78E-9D01B5B36600}"/>
+              </a:ext>
+            </a:extLst>
+          </p:cNvPr>
+          <p:cNvSpPr txBox="1"/>
+          <p:nvPr/>
+        </p:nvSpPr>
+        <p:spPr>
+          <a:xfrm>
+            <a:off x="10936224" y="750543"/>
+            <a:ext cx="1109472" cy="646331"/>
+          </a:xfrm>
+          <a:prstGeom prst="rect">
+            <a:avLst/>
+          </a:prstGeom>
+          <a:noFill/>
+        </p:spPr>
+        <p:txBody>
+          <a:bodyPr wrap="square" rtlCol="0">
+            <a:spAutoFit/>
+          </a:bodyPr>
+          <a:lstStyle/>
+          <a:p>
+            <a:r>
+              <a:rPr kumimoji="1" lang="ja-JP" altLang="en-US" sz="3600" b="1" dirty="0"/>
+              <a:t>②</a:t>
+            </a:r>
+          </a:p>
+        </p:txBody>
+      </p:sp>
+      <p:sp>
+        <p:nvSpPr>
+          <p:cNvPr id="37" name="テキスト ボックス 36">
+            <a:extLst>
+              <a:ext uri="{FF2B5EF4-FFF2-40B4-BE49-F238E27FC236}">
+                <a16:creationId xmlns:a16="http://schemas.microsoft.com/office/drawing/2014/main" id="{E5A60638-F7EA-4211-AFC7-A1ED3A64C188}"/>
+              </a:ext>
+            </a:extLst>
+          </p:cNvPr>
+          <p:cNvSpPr txBox="1"/>
+          <p:nvPr/>
+        </p:nvSpPr>
+        <p:spPr>
+          <a:xfrm>
+            <a:off x="1097280" y="8176466"/>
+            <a:ext cx="9631680" cy="1200329"/>
+          </a:xfrm>
+          <a:prstGeom prst="rect">
+            <a:avLst/>
+          </a:prstGeom>
+          <a:noFill/>
+        </p:spPr>
+        <p:txBody>
+          <a:bodyPr wrap="square" rtlCol="0">
+            <a:spAutoFit/>
+          </a:bodyPr>
+          <a:lstStyle/>
+          <a:p>
+            <a:r>
+              <a:rPr kumimoji="1" lang="ja-JP" altLang="en-US" sz="3600" b="1" dirty="0"/>
+              <a:t>①トップページへ戻ります</a:t>
+            </a:r>
+            <a:endParaRPr kumimoji="1" lang="en-US" altLang="ja-JP" sz="3600" b="1" dirty="0"/>
+          </a:p>
+          <a:p>
+            <a:r>
+              <a:rPr kumimoji="1" lang="ja-JP" altLang="en-US" sz="3600" b="1" dirty="0"/>
+              <a:t>②ログインします</a:t>
+            </a:r>
+          </a:p>
+        </p:txBody>
+      </p:sp>
     </p:spTree>
     <p:extLst>
       <p:ext uri="{BB962C8B-B14F-4D97-AF65-F5344CB8AC3E}">
-        <p14:creationId xmlns:p14="http://schemas.microsoft.com/office/powerpoint/2010/main" val="1149371715"/>
+        <p14:creationId xmlns:p14="http://schemas.microsoft.com/office/powerpoint/2010/main" val="179544392"/>
       </p:ext>
     </p:extLst>
   </p:cSld>
@@ -6596,95 +5785,19 @@
           <a:chExt cx="0" cy="0"/>
         </a:xfrm>
       </p:grpSpPr>
-      <p:sp>
-        <p:nvSpPr>
-          <p:cNvPr id="2" name="タイトル 1">
-            <a:extLst>
-              <a:ext uri="{FF2B5EF4-FFF2-40B4-BE49-F238E27FC236}">
-                <a16:creationId xmlns:a16="http://schemas.microsoft.com/office/drawing/2014/main" id="{A7B89DCE-0B94-426C-B90B-00D834259CC5}"/>
-              </a:ext>
-            </a:extLst>
-          </p:cNvPr>
-          <p:cNvSpPr>
-            <a:spLocks noGrp="1"/>
-          </p:cNvSpPr>
-          <p:nvPr>
-            <p:ph type="title"/>
-          </p:nvPr>
-        </p:nvSpPr>
-        <p:spPr/>
-        <p:txBody>
-          <a:bodyPr/>
-          <a:lstStyle/>
-          <a:p>
-            <a:r>
-              <a:rPr kumimoji="1" lang="en-US" altLang="ja-JP" dirty="0"/>
-              <a:t>D-2 </a:t>
-            </a:r>
-            <a:r>
-              <a:rPr kumimoji="1" lang="ja-JP" altLang="en-US" dirty="0"/>
-              <a:t>投稿完了時</a:t>
-            </a:r>
-          </a:p>
-        </p:txBody>
-      </p:sp>
-      <p:sp>
-        <p:nvSpPr>
-          <p:cNvPr id="6" name="テキスト ボックス 5">
-            <a:extLst>
-              <a:ext uri="{FF2B5EF4-FFF2-40B4-BE49-F238E27FC236}">
-                <a16:creationId xmlns:a16="http://schemas.microsoft.com/office/drawing/2014/main" id="{4D5EA1DB-4895-41F5-ABC0-DF6991FB008D}"/>
-              </a:ext>
-            </a:extLst>
-          </p:cNvPr>
-          <p:cNvSpPr txBox="1"/>
-          <p:nvPr/>
-        </p:nvSpPr>
-        <p:spPr>
-          <a:xfrm>
-            <a:off x="731999" y="7513283"/>
-            <a:ext cx="11134311" cy="1200329"/>
-          </a:xfrm>
-          <a:prstGeom prst="rect">
-            <a:avLst/>
-          </a:prstGeom>
-          <a:noFill/>
-        </p:spPr>
-        <p:txBody>
-          <a:bodyPr wrap="square" rtlCol="0">
-            <a:spAutoFit/>
-          </a:bodyPr>
-          <a:lstStyle/>
-          <a:p>
-            <a:r>
-              <a:rPr kumimoji="1" lang="ja-JP" altLang="en-US" sz="3600" dirty="0"/>
-              <a:t>①投稿しましたと表示される</a:t>
-            </a:r>
-            <a:endParaRPr kumimoji="1" lang="en-US" altLang="ja-JP" sz="3600" dirty="0"/>
-          </a:p>
-          <a:p>
-            <a:r>
-              <a:rPr kumimoji="1" lang="ja-JP" altLang="en-US" sz="3600" dirty="0"/>
-              <a:t>②投稿が新しい順で表示される　</a:t>
-            </a:r>
-          </a:p>
-        </p:txBody>
-      </p:sp>
       <p:pic>
         <p:nvPicPr>
-          <p:cNvPr id="16" name="コンテンツ プレースホルダー 15">
-            <a:extLst>
-              <a:ext uri="{FF2B5EF4-FFF2-40B4-BE49-F238E27FC236}">
-                <a16:creationId xmlns:a16="http://schemas.microsoft.com/office/drawing/2014/main" id="{36B1E64F-A656-4F7F-AA6D-999D44334F60}"/>
+          <p:cNvPr id="5" name="図 4" descr="コンピューターのスクリーンショット&#10;&#10;自動的に生成された説明">
+            <a:extLst>
+              <a:ext uri="{FF2B5EF4-FFF2-40B4-BE49-F238E27FC236}">
+                <a16:creationId xmlns:a16="http://schemas.microsoft.com/office/drawing/2014/main" id="{53E36B45-76F8-4873-80B7-9F6E891462AA}"/>
               </a:ext>
             </a:extLst>
           </p:cNvPr>
           <p:cNvPicPr>
-            <a:picLocks noGrp="1" noChangeAspect="1"/>
+            <a:picLocks noChangeAspect="1"/>
           </p:cNvPicPr>
-          <p:nvPr>
-            <p:ph idx="1"/>
-          </p:nvPr>
+          <p:nvPr/>
         </p:nvPicPr>
         <p:blipFill>
           <a:blip r:embed="rId2">
@@ -6700,96 +5813,102 @@
         </p:blipFill>
         <p:spPr>
           <a:xfrm>
-            <a:off x="1030514" y="1935161"/>
-            <a:ext cx="10809975" cy="5578122"/>
-          </a:xfrm>
+            <a:off x="2297938" y="1681746"/>
+            <a:ext cx="8532368" cy="4799457"/>
+          </a:xfrm>
+          <a:prstGeom prst="rect">
+            <a:avLst/>
+          </a:prstGeom>
         </p:spPr>
       </p:pic>
       <p:sp>
         <p:nvSpPr>
-          <p:cNvPr id="3" name="角丸四角形吹き出し 2">
-            <a:extLst>
-              <a:ext uri="{FF2B5EF4-FFF2-40B4-BE49-F238E27FC236}">
-                <a16:creationId xmlns:a16="http://schemas.microsoft.com/office/drawing/2014/main" id="{3F676753-379B-784F-94A2-0BDCAC06FB03}"/>
-              </a:ext>
-            </a:extLst>
-          </p:cNvPr>
-          <p:cNvSpPr/>
+          <p:cNvPr id="2" name="タイトル 1">
+            <a:extLst>
+              <a:ext uri="{FF2B5EF4-FFF2-40B4-BE49-F238E27FC236}">
+                <a16:creationId xmlns:a16="http://schemas.microsoft.com/office/drawing/2014/main" id="{E8D3EA56-17A1-404A-8F24-75E112128ACB}"/>
+              </a:ext>
+            </a:extLst>
+          </p:cNvPr>
+          <p:cNvSpPr>
+            <a:spLocks noGrp="1"/>
+          </p:cNvSpPr>
+          <p:nvPr>
+            <p:ph type="title"/>
+          </p:nvPr>
+        </p:nvSpPr>
+        <p:spPr>
+          <a:xfrm>
+            <a:off x="291084" y="-86599"/>
+            <a:ext cx="11041380" cy="1855788"/>
+          </a:xfrm>
+        </p:spPr>
+        <p:txBody>
+          <a:bodyPr/>
+          <a:lstStyle/>
+          <a:p>
+            <a:r>
+              <a:rPr lang="en-US" altLang="ja-JP" dirty="0"/>
+              <a:t>D-1</a:t>
+            </a:r>
+            <a:r>
+              <a:rPr lang="ja-JP" altLang="en-US" dirty="0"/>
+              <a:t> 投稿ページ</a:t>
+            </a:r>
+            <a:endParaRPr kumimoji="1" lang="ja-JP" altLang="en-US" dirty="0"/>
+          </a:p>
+        </p:txBody>
+      </p:sp>
+      <p:cxnSp>
+        <p:nvCxnSpPr>
+          <p:cNvPr id="27" name="直線矢印コネクタ 26">
+            <a:extLst>
+              <a:ext uri="{FF2B5EF4-FFF2-40B4-BE49-F238E27FC236}">
+                <a16:creationId xmlns:a16="http://schemas.microsoft.com/office/drawing/2014/main" id="{12DF2779-3203-4FBD-BECE-36882AB2017C}"/>
+              </a:ext>
+            </a:extLst>
+          </p:cNvPr>
+          <p:cNvCxnSpPr>
+            <a:cxnSpLocks/>
+          </p:cNvCxnSpPr>
           <p:nvPr/>
-        </p:nvSpPr>
-        <p:spPr>
-          <a:xfrm>
-            <a:off x="1030514" y="3018971"/>
-            <a:ext cx="4252686" cy="2423886"/>
-          </a:xfrm>
-          <a:prstGeom prst="wedgeRoundRectCallout">
-            <a:avLst>
-              <a:gd name="adj1" fmla="val 33834"/>
-              <a:gd name="adj2" fmla="val 76550"/>
-              <a:gd name="adj3" fmla="val 16667"/>
-            </a:avLst>
+        </p:nvCxnSpPr>
+        <p:spPr>
+          <a:xfrm flipH="1">
+            <a:off x="6815328" y="535081"/>
+            <a:ext cx="1755648" cy="1680645"/>
+          </a:xfrm>
+          <a:prstGeom prst="straightConnector1">
+            <a:avLst/>
           </a:prstGeom>
-          <a:solidFill>
-            <a:schemeClr val="bg1"/>
-          </a:solidFill>
-          <a:ln w="28575">
+          <a:ln w="76200">
             <a:solidFill>
-              <a:srgbClr val="FF0000"/>
+              <a:srgbClr val="00B0F0"/>
             </a:solidFill>
+            <a:tailEnd type="triangle"/>
           </a:ln>
         </p:spPr>
         <p:style>
-          <a:lnRef idx="2">
-            <a:schemeClr val="accent1">
-              <a:shade val="50000"/>
-            </a:schemeClr>
+          <a:lnRef idx="1">
+            <a:schemeClr val="accent1"/>
           </a:lnRef>
-          <a:fillRef idx="1">
+          <a:fillRef idx="0">
             <a:schemeClr val="accent1"/>
           </a:fillRef>
           <a:effectRef idx="0">
             <a:schemeClr val="accent1"/>
           </a:effectRef>
           <a:fontRef idx="minor">
-            <a:schemeClr val="lt1"/>
+            <a:schemeClr val="tx1"/>
           </a:fontRef>
         </p:style>
-        <p:txBody>
-          <a:bodyPr rtlCol="0" anchor="ctr"/>
-          <a:lstStyle/>
-          <a:p>
-            <a:r>
-              <a:rPr kumimoji="1" lang="ja-JP" altLang="en-US" dirty="0">
-                <a:solidFill>
-                  <a:schemeClr val="tx1"/>
-                </a:solidFill>
-              </a:rPr>
-              <a:t>投稿完了時にしか投稿の一覧は表示できないのでしょうか？</a:t>
-            </a:r>
-            <a:endParaRPr kumimoji="1" lang="en-US" altLang="ja-JP" dirty="0">
-              <a:solidFill>
-                <a:schemeClr val="tx1"/>
-              </a:solidFill>
-            </a:endParaRPr>
-          </a:p>
-          <a:p>
-            <a:r>
-              <a:rPr kumimoji="1" lang="ja-JP" altLang="en-US" dirty="0">
-                <a:solidFill>
-                  <a:schemeClr val="tx1"/>
-                </a:solidFill>
-              </a:rPr>
-              <a:t>また、「いいね」「よくないね」はどのように表示されますか？</a:t>
-            </a:r>
-          </a:p>
-        </p:txBody>
-      </p:sp>
+      </p:cxnSp>
       <p:cxnSp>
         <p:nvCxnSpPr>
-          <p:cNvPr id="19" name="直線矢印コネクタ 18">
-            <a:extLst>
-              <a:ext uri="{FF2B5EF4-FFF2-40B4-BE49-F238E27FC236}">
-                <a16:creationId xmlns:a16="http://schemas.microsoft.com/office/drawing/2014/main" id="{E6FCCF98-CAA4-4FC9-89F9-51AA24557272}"/>
+          <p:cNvPr id="30" name="直線矢印コネクタ 29">
+            <a:extLst>
+              <a:ext uri="{FF2B5EF4-FFF2-40B4-BE49-F238E27FC236}">
+                <a16:creationId xmlns:a16="http://schemas.microsoft.com/office/drawing/2014/main" id="{206B2EED-0288-4E3E-9423-B7B32FD58332}"/>
               </a:ext>
             </a:extLst>
           </p:cNvPr>
@@ -6799,26 +5918,29 @@
           <p:nvPr/>
         </p:nvCxnSpPr>
         <p:spPr>
-          <a:xfrm flipH="1" flipV="1">
-            <a:off x="7912510" y="3288890"/>
-            <a:ext cx="1891696" cy="2359300"/>
+          <a:xfrm flipH="1">
+            <a:off x="6462776" y="1073708"/>
+            <a:ext cx="4266184" cy="1463784"/>
           </a:xfrm>
           <a:prstGeom prst="straightConnector1">
             <a:avLst/>
           </a:prstGeom>
           <a:ln w="76200">
+            <a:solidFill>
+              <a:srgbClr val="00B0F0"/>
+            </a:solidFill>
             <a:tailEnd type="triangle"/>
           </a:ln>
         </p:spPr>
         <p:style>
           <a:lnRef idx="1">
-            <a:schemeClr val="dk1"/>
+            <a:schemeClr val="accent1"/>
           </a:lnRef>
           <a:fillRef idx="0">
-            <a:schemeClr val="dk1"/>
+            <a:schemeClr val="accent1"/>
           </a:fillRef>
           <a:effectRef idx="0">
-            <a:schemeClr val="dk1"/>
+            <a:schemeClr val="accent1"/>
           </a:effectRef>
           <a:fontRef idx="minor">
             <a:schemeClr val="tx1"/>
@@ -6827,10 +5949,10 @@
       </p:cxnSp>
       <p:sp>
         <p:nvSpPr>
-          <p:cNvPr id="20" name="テキスト ボックス 19">
-            <a:extLst>
-              <a:ext uri="{FF2B5EF4-FFF2-40B4-BE49-F238E27FC236}">
-                <a16:creationId xmlns:a16="http://schemas.microsoft.com/office/drawing/2014/main" id="{25BA0E8C-AADD-4D10-AFC6-84B904773720}"/>
+          <p:cNvPr id="35" name="テキスト ボックス 34">
+            <a:extLst>
+              <a:ext uri="{FF2B5EF4-FFF2-40B4-BE49-F238E27FC236}">
+                <a16:creationId xmlns:a16="http://schemas.microsoft.com/office/drawing/2014/main" id="{E6436985-E739-4F4A-9A9A-925068B48370}"/>
               </a:ext>
             </a:extLst>
           </p:cNvPr>
@@ -6839,8 +5961,8 @@
         </p:nvSpPr>
         <p:spPr>
           <a:xfrm>
-            <a:off x="9713456" y="5431630"/>
-            <a:ext cx="1054100" cy="1046440"/>
+            <a:off x="8616696" y="142505"/>
+            <a:ext cx="1109472" cy="646331"/>
           </a:xfrm>
           <a:prstGeom prst="rect">
             <a:avLst/>
@@ -6854,51 +5976,223 @@
           <a:lstStyle/>
           <a:p>
             <a:r>
-              <a:rPr kumimoji="1" lang="ja-JP" altLang="en-US" sz="4400" b="1" dirty="0"/>
+              <a:rPr kumimoji="1" lang="ja-JP" altLang="en-US" sz="3600" b="1" dirty="0"/>
               <a:t>①</a:t>
             </a:r>
-            <a:endParaRPr kumimoji="1" lang="en-US" altLang="ja-JP" b="1" dirty="0"/>
-          </a:p>
-          <a:p>
-            <a:endParaRPr kumimoji="1" lang="ja-JP" altLang="en-US" dirty="0"/>
+          </a:p>
+        </p:txBody>
+      </p:sp>
+      <p:sp>
+        <p:nvSpPr>
+          <p:cNvPr id="36" name="テキスト ボックス 35">
+            <a:extLst>
+              <a:ext uri="{FF2B5EF4-FFF2-40B4-BE49-F238E27FC236}">
+                <a16:creationId xmlns:a16="http://schemas.microsoft.com/office/drawing/2014/main" id="{18E7A907-973D-4463-A78E-9D01B5B36600}"/>
+              </a:ext>
+            </a:extLst>
+          </p:cNvPr>
+          <p:cNvSpPr txBox="1"/>
+          <p:nvPr/>
+        </p:nvSpPr>
+        <p:spPr>
+          <a:xfrm>
+            <a:off x="10936224" y="750543"/>
+            <a:ext cx="1109472" cy="646331"/>
+          </a:xfrm>
+          <a:prstGeom prst="rect">
+            <a:avLst/>
+          </a:prstGeom>
+          <a:noFill/>
+        </p:spPr>
+        <p:txBody>
+          <a:bodyPr wrap="square" rtlCol="0">
+            <a:spAutoFit/>
+          </a:bodyPr>
+          <a:lstStyle/>
+          <a:p>
+            <a:r>
+              <a:rPr kumimoji="1" lang="ja-JP" altLang="en-US" sz="3600" b="1" dirty="0"/>
+              <a:t>②</a:t>
+            </a:r>
+          </a:p>
+        </p:txBody>
+      </p:sp>
+      <p:sp>
+        <p:nvSpPr>
+          <p:cNvPr id="37" name="テキスト ボックス 36">
+            <a:extLst>
+              <a:ext uri="{FF2B5EF4-FFF2-40B4-BE49-F238E27FC236}">
+                <a16:creationId xmlns:a16="http://schemas.microsoft.com/office/drawing/2014/main" id="{E5A60638-F7EA-4211-AFC7-A1ED3A64C188}"/>
+              </a:ext>
+            </a:extLst>
+          </p:cNvPr>
+          <p:cNvSpPr txBox="1"/>
+          <p:nvPr/>
+        </p:nvSpPr>
+        <p:spPr>
+          <a:xfrm>
+            <a:off x="146304" y="7343390"/>
+            <a:ext cx="12557760" cy="1815882"/>
+          </a:xfrm>
+          <a:prstGeom prst="rect">
+            <a:avLst/>
+          </a:prstGeom>
+          <a:noFill/>
+        </p:spPr>
+        <p:txBody>
+          <a:bodyPr wrap="square" rtlCol="0">
+            <a:spAutoFit/>
+          </a:bodyPr>
+          <a:lstStyle/>
+          <a:p>
+            <a:r>
+              <a:rPr kumimoji="1" lang="ja-JP" altLang="en-US" sz="2800" b="1" dirty="0"/>
+              <a:t>①テキスト入力できます</a:t>
+            </a:r>
+            <a:r>
+              <a:rPr kumimoji="1" lang="en-US" altLang="ja-JP" sz="2800" b="1" dirty="0"/>
+              <a:t>(100</a:t>
+            </a:r>
+            <a:r>
+              <a:rPr kumimoji="1" lang="ja-JP" altLang="en-US" sz="2800" b="1" dirty="0"/>
+              <a:t>文字迄</a:t>
+            </a:r>
+            <a:r>
+              <a:rPr kumimoji="1" lang="en-US" altLang="ja-JP" sz="2800" b="1" dirty="0"/>
+              <a:t>)</a:t>
+            </a:r>
+            <a:r>
+              <a:rPr kumimoji="1" lang="ja-JP" altLang="en-US" sz="2800" b="1" dirty="0"/>
+              <a:t>　⑤いいね</a:t>
+            </a:r>
+            <a:r>
+              <a:rPr kumimoji="1" lang="en-US" altLang="ja-JP" sz="2800" b="1" dirty="0"/>
+              <a:t>/</a:t>
+            </a:r>
+            <a:r>
+              <a:rPr kumimoji="1" lang="ja-JP" altLang="en-US" sz="2800" b="1" dirty="0"/>
+              <a:t>よくないねできます</a:t>
+            </a:r>
+            <a:r>
+              <a:rPr kumimoji="1" lang="en-US" altLang="ja-JP" sz="2800" b="1" dirty="0"/>
+              <a:t>(1</a:t>
+            </a:r>
+            <a:r>
+              <a:rPr kumimoji="1" lang="ja-JP" altLang="en-US" sz="2800" b="1" dirty="0"/>
+              <a:t>回まで</a:t>
+            </a:r>
+            <a:r>
+              <a:rPr kumimoji="1" lang="en-US" altLang="ja-JP" sz="2800" b="1" dirty="0"/>
+              <a:t>)</a:t>
+            </a:r>
+          </a:p>
+          <a:p>
+            <a:r>
+              <a:rPr kumimoji="1" lang="ja-JP" altLang="en-US" sz="2800" b="1" dirty="0"/>
+              <a:t>②画像を添付できます</a:t>
+            </a:r>
+            <a:r>
+              <a:rPr kumimoji="1" lang="en-US" altLang="ja-JP" sz="2800" b="1" dirty="0"/>
+              <a:t>(</a:t>
+            </a:r>
+            <a:r>
+              <a:rPr kumimoji="1" lang="en-US" altLang="ja-JP" sz="2800" b="1" dirty="0" err="1"/>
+              <a:t>jpg,png</a:t>
+            </a:r>
+            <a:r>
+              <a:rPr kumimoji="1" lang="en-US" altLang="ja-JP" sz="2800" b="1" dirty="0"/>
+              <a:t>)</a:t>
+            </a:r>
+            <a:r>
+              <a:rPr kumimoji="1" lang="ja-JP" altLang="en-US" sz="2800" b="1" dirty="0"/>
+              <a:t>　　　 ⑥論理削除できます</a:t>
+            </a:r>
+            <a:r>
+              <a:rPr kumimoji="1" lang="en-US" altLang="ja-JP" sz="2800" b="1" dirty="0"/>
+              <a:t>(</a:t>
+            </a:r>
+            <a:r>
+              <a:rPr kumimoji="1" lang="ja-JP" altLang="en-US" sz="2800" b="1" dirty="0"/>
+              <a:t>本人のみ</a:t>
+            </a:r>
+            <a:r>
+              <a:rPr kumimoji="1" lang="en-US" altLang="ja-JP" sz="2800" b="1" dirty="0"/>
+              <a:t>)</a:t>
+            </a:r>
+          </a:p>
+          <a:p>
+            <a:r>
+              <a:rPr kumimoji="1" lang="ja-JP" altLang="en-US" sz="2800" b="1" dirty="0"/>
+              <a:t>③投稿を検索できます　　　　　         ⑦返信</a:t>
+            </a:r>
+            <a:r>
+              <a:rPr kumimoji="1" lang="en-US" altLang="ja-JP" sz="2800" b="1" dirty="0"/>
+              <a:t>(2ch</a:t>
+            </a:r>
+            <a:r>
+              <a:rPr kumimoji="1" lang="ja-JP" altLang="en-US" sz="2800" b="1" dirty="0"/>
+              <a:t>のように</a:t>
+            </a:r>
+            <a:r>
+              <a:rPr kumimoji="1" lang="en-US" altLang="ja-JP" sz="2800" b="1" dirty="0"/>
+              <a:t>&gt;&gt;(ID)</a:t>
+            </a:r>
+            <a:r>
+              <a:rPr kumimoji="1" lang="ja-JP" altLang="en-US" sz="2800" b="1" dirty="0"/>
+              <a:t>がつく</a:t>
+            </a:r>
+            <a:r>
+              <a:rPr kumimoji="1" lang="en-US" altLang="ja-JP" sz="2800" b="1" dirty="0"/>
+              <a:t>)</a:t>
+            </a:r>
+          </a:p>
+          <a:p>
+            <a:r>
+              <a:rPr kumimoji="1" lang="ja-JP" altLang="en-US" sz="2800" b="1" dirty="0"/>
+              <a:t>④投稿します</a:t>
+            </a:r>
           </a:p>
         </p:txBody>
       </p:sp>
       <p:cxnSp>
         <p:nvCxnSpPr>
-          <p:cNvPr id="24" name="直線矢印コネクタ 23">
-            <a:extLst>
-              <a:ext uri="{FF2B5EF4-FFF2-40B4-BE49-F238E27FC236}">
-                <a16:creationId xmlns:a16="http://schemas.microsoft.com/office/drawing/2014/main" id="{1DB6CDF2-D3A4-4A83-A9D4-F7967DA763E3}"/>
+          <p:cNvPr id="14" name="直線矢印コネクタ 13">
+            <a:extLst>
+              <a:ext uri="{FF2B5EF4-FFF2-40B4-BE49-F238E27FC236}">
+                <a16:creationId xmlns:a16="http://schemas.microsoft.com/office/drawing/2014/main" id="{27AB720F-E839-4880-B0A0-AB0B2DC13FA1}"/>
               </a:ext>
             </a:extLst>
           </p:cNvPr>
           <p:cNvCxnSpPr>
             <a:cxnSpLocks/>
+            <a:stCxn id="15" idx="1"/>
           </p:cNvCxnSpPr>
           <p:nvPr/>
         </p:nvCxnSpPr>
         <p:spPr>
-          <a:xfrm flipH="1" flipV="1">
-            <a:off x="7821760" y="5267271"/>
-            <a:ext cx="1891696" cy="2359300"/>
+          <a:xfrm flipH="1">
+            <a:off x="7779004" y="2527013"/>
+            <a:ext cx="3474212" cy="77614"/>
           </a:xfrm>
           <a:prstGeom prst="straightConnector1">
             <a:avLst/>
           </a:prstGeom>
           <a:ln w="76200">
+            <a:solidFill>
+              <a:srgbClr val="00B0F0"/>
+            </a:solidFill>
             <a:tailEnd type="triangle"/>
           </a:ln>
         </p:spPr>
         <p:style>
           <a:lnRef idx="1">
-            <a:schemeClr val="dk1"/>
+            <a:schemeClr val="accent1"/>
           </a:lnRef>
           <a:fillRef idx="0">
-            <a:schemeClr val="dk1"/>
+            <a:schemeClr val="accent1"/>
           </a:fillRef>
           <a:effectRef idx="0">
-            <a:schemeClr val="dk1"/>
+            <a:schemeClr val="accent1"/>
           </a:effectRef>
           <a:fontRef idx="minor">
             <a:schemeClr val="tx1"/>
@@ -6907,10 +6201,10 @@
       </p:cxnSp>
       <p:sp>
         <p:nvSpPr>
-          <p:cNvPr id="25" name="テキスト ボックス 24">
-            <a:extLst>
-              <a:ext uri="{FF2B5EF4-FFF2-40B4-BE49-F238E27FC236}">
-                <a16:creationId xmlns:a16="http://schemas.microsoft.com/office/drawing/2014/main" id="{74509CE6-2BC9-4408-AE9A-C269ABC08107}"/>
+          <p:cNvPr id="15" name="テキスト ボックス 14">
+            <a:extLst>
+              <a:ext uri="{FF2B5EF4-FFF2-40B4-BE49-F238E27FC236}">
+                <a16:creationId xmlns:a16="http://schemas.microsoft.com/office/drawing/2014/main" id="{1ECE230B-70E1-4A7E-8802-3F167B8D81C8}"/>
               </a:ext>
             </a:extLst>
           </p:cNvPr>
@@ -6919,8 +6213,8 @@
         </p:nvSpPr>
         <p:spPr>
           <a:xfrm>
-            <a:off x="9622706" y="7410011"/>
-            <a:ext cx="1054100" cy="1046440"/>
+            <a:off x="11253216" y="2203847"/>
+            <a:ext cx="1109472" cy="646331"/>
           </a:xfrm>
           <a:prstGeom prst="rect">
             <a:avLst/>
@@ -6934,20 +6228,333 @@
           <a:lstStyle/>
           <a:p>
             <a:r>
-              <a:rPr kumimoji="1" lang="ja-JP" altLang="en-US" sz="4400" b="1" dirty="0"/>
-              <a:t>②</a:t>
-            </a:r>
-            <a:endParaRPr kumimoji="1" lang="en-US" altLang="ja-JP" b="1" dirty="0"/>
-          </a:p>
-          <a:p>
-            <a:endParaRPr kumimoji="1" lang="ja-JP" altLang="en-US" dirty="0"/>
+              <a:rPr kumimoji="1" lang="ja-JP" altLang="en-US" sz="3600" b="1" dirty="0"/>
+              <a:t>④</a:t>
+            </a:r>
+          </a:p>
+        </p:txBody>
+      </p:sp>
+      <p:cxnSp>
+        <p:nvCxnSpPr>
+          <p:cNvPr id="17" name="直線矢印コネクタ 16">
+            <a:extLst>
+              <a:ext uri="{FF2B5EF4-FFF2-40B4-BE49-F238E27FC236}">
+                <a16:creationId xmlns:a16="http://schemas.microsoft.com/office/drawing/2014/main" id="{0133D16D-90BC-4280-90E4-168285F334E5}"/>
+              </a:ext>
+            </a:extLst>
+          </p:cNvPr>
+          <p:cNvCxnSpPr>
+            <a:cxnSpLocks/>
+          </p:cNvCxnSpPr>
+          <p:nvPr/>
+        </p:nvCxnSpPr>
+        <p:spPr>
+          <a:xfrm flipH="1" flipV="1">
+            <a:off x="5507228" y="3295463"/>
+            <a:ext cx="955548" cy="3239449"/>
+          </a:xfrm>
+          <a:prstGeom prst="straightConnector1">
+            <a:avLst/>
+          </a:prstGeom>
+          <a:ln w="76200">
+            <a:solidFill>
+              <a:srgbClr val="00B0F0"/>
+            </a:solidFill>
+            <a:tailEnd type="triangle"/>
+          </a:ln>
+        </p:spPr>
+        <p:style>
+          <a:lnRef idx="1">
+            <a:schemeClr val="accent1"/>
+          </a:lnRef>
+          <a:fillRef idx="0">
+            <a:schemeClr val="accent1"/>
+          </a:fillRef>
+          <a:effectRef idx="0">
+            <a:schemeClr val="accent1"/>
+          </a:effectRef>
+          <a:fontRef idx="minor">
+            <a:schemeClr val="tx1"/>
+          </a:fontRef>
+        </p:style>
+      </p:cxnSp>
+      <p:sp>
+        <p:nvSpPr>
+          <p:cNvPr id="18" name="テキスト ボックス 17">
+            <a:extLst>
+              <a:ext uri="{FF2B5EF4-FFF2-40B4-BE49-F238E27FC236}">
+                <a16:creationId xmlns:a16="http://schemas.microsoft.com/office/drawing/2014/main" id="{9C56B72C-ED14-4502-B76F-60984F433AB7}"/>
+              </a:ext>
+            </a:extLst>
+          </p:cNvPr>
+          <p:cNvSpPr txBox="1"/>
+          <p:nvPr/>
+        </p:nvSpPr>
+        <p:spPr>
+          <a:xfrm>
+            <a:off x="6260592" y="6596045"/>
+            <a:ext cx="1109472" cy="646331"/>
+          </a:xfrm>
+          <a:prstGeom prst="rect">
+            <a:avLst/>
+          </a:prstGeom>
+          <a:noFill/>
+        </p:spPr>
+        <p:txBody>
+          <a:bodyPr wrap="square" rtlCol="0">
+            <a:spAutoFit/>
+          </a:bodyPr>
+          <a:lstStyle/>
+          <a:p>
+            <a:r>
+              <a:rPr kumimoji="1" lang="ja-JP" altLang="en-US" sz="3600" b="1" dirty="0"/>
+              <a:t>⑤</a:t>
+            </a:r>
+          </a:p>
+        </p:txBody>
+      </p:sp>
+      <p:cxnSp>
+        <p:nvCxnSpPr>
+          <p:cNvPr id="21" name="直線矢印コネクタ 20">
+            <a:extLst>
+              <a:ext uri="{FF2B5EF4-FFF2-40B4-BE49-F238E27FC236}">
+                <a16:creationId xmlns:a16="http://schemas.microsoft.com/office/drawing/2014/main" id="{775805CF-FE67-458E-85F9-8D3946AB9C2E}"/>
+              </a:ext>
+            </a:extLst>
+          </p:cNvPr>
+          <p:cNvCxnSpPr>
+            <a:cxnSpLocks/>
+          </p:cNvCxnSpPr>
+          <p:nvPr/>
+        </p:nvCxnSpPr>
+        <p:spPr>
+          <a:xfrm flipH="1" flipV="1">
+            <a:off x="6086348" y="3345970"/>
+            <a:ext cx="955548" cy="3239449"/>
+          </a:xfrm>
+          <a:prstGeom prst="straightConnector1">
+            <a:avLst/>
+          </a:prstGeom>
+          <a:ln w="76200">
+            <a:solidFill>
+              <a:srgbClr val="00B0F0"/>
+            </a:solidFill>
+            <a:tailEnd type="triangle"/>
+          </a:ln>
+        </p:spPr>
+        <p:style>
+          <a:lnRef idx="1">
+            <a:schemeClr val="accent1"/>
+          </a:lnRef>
+          <a:fillRef idx="0">
+            <a:schemeClr val="accent1"/>
+          </a:fillRef>
+          <a:effectRef idx="0">
+            <a:schemeClr val="accent1"/>
+          </a:effectRef>
+          <a:fontRef idx="minor">
+            <a:schemeClr val="tx1"/>
+          </a:fontRef>
+        </p:style>
+      </p:cxnSp>
+      <p:sp>
+        <p:nvSpPr>
+          <p:cNvPr id="22" name="テキスト ボックス 21">
+            <a:extLst>
+              <a:ext uri="{FF2B5EF4-FFF2-40B4-BE49-F238E27FC236}">
+                <a16:creationId xmlns:a16="http://schemas.microsoft.com/office/drawing/2014/main" id="{228A5ED0-4370-4D1F-AA61-E4FC6639F522}"/>
+              </a:ext>
+            </a:extLst>
+          </p:cNvPr>
+          <p:cNvSpPr txBox="1"/>
+          <p:nvPr/>
+        </p:nvSpPr>
+        <p:spPr>
+          <a:xfrm>
+            <a:off x="6839712" y="6646552"/>
+            <a:ext cx="1109472" cy="646331"/>
+          </a:xfrm>
+          <a:prstGeom prst="rect">
+            <a:avLst/>
+          </a:prstGeom>
+          <a:noFill/>
+        </p:spPr>
+        <p:txBody>
+          <a:bodyPr wrap="square" rtlCol="0">
+            <a:spAutoFit/>
+          </a:bodyPr>
+          <a:lstStyle/>
+          <a:p>
+            <a:r>
+              <a:rPr kumimoji="1" lang="ja-JP" altLang="en-US" sz="3600" b="1" dirty="0"/>
+              <a:t>⑥</a:t>
+            </a:r>
+          </a:p>
+        </p:txBody>
+      </p:sp>
+      <p:cxnSp>
+        <p:nvCxnSpPr>
+          <p:cNvPr id="23" name="直線矢印コネクタ 22">
+            <a:extLst>
+              <a:ext uri="{FF2B5EF4-FFF2-40B4-BE49-F238E27FC236}">
+                <a16:creationId xmlns:a16="http://schemas.microsoft.com/office/drawing/2014/main" id="{DB6894BD-1E20-4F0C-A9BA-B290682387DF}"/>
+              </a:ext>
+            </a:extLst>
+          </p:cNvPr>
+          <p:cNvCxnSpPr>
+            <a:cxnSpLocks/>
+          </p:cNvCxnSpPr>
+          <p:nvPr/>
+        </p:nvCxnSpPr>
+        <p:spPr>
+          <a:xfrm flipH="1" flipV="1">
+            <a:off x="6400038" y="3284837"/>
+            <a:ext cx="955548" cy="3239449"/>
+          </a:xfrm>
+          <a:prstGeom prst="straightConnector1">
+            <a:avLst/>
+          </a:prstGeom>
+          <a:ln w="76200">
+            <a:solidFill>
+              <a:srgbClr val="00B0F0"/>
+            </a:solidFill>
+            <a:tailEnd type="triangle"/>
+          </a:ln>
+        </p:spPr>
+        <p:style>
+          <a:lnRef idx="1">
+            <a:schemeClr val="accent1"/>
+          </a:lnRef>
+          <a:fillRef idx="0">
+            <a:schemeClr val="accent1"/>
+          </a:fillRef>
+          <a:effectRef idx="0">
+            <a:schemeClr val="accent1"/>
+          </a:effectRef>
+          <a:fontRef idx="minor">
+            <a:schemeClr val="tx1"/>
+          </a:fontRef>
+        </p:style>
+      </p:cxnSp>
+      <p:sp>
+        <p:nvSpPr>
+          <p:cNvPr id="24" name="テキスト ボックス 23">
+            <a:extLst>
+              <a:ext uri="{FF2B5EF4-FFF2-40B4-BE49-F238E27FC236}">
+                <a16:creationId xmlns:a16="http://schemas.microsoft.com/office/drawing/2014/main" id="{670303AD-0FED-4E87-888B-285677B4282E}"/>
+              </a:ext>
+            </a:extLst>
+          </p:cNvPr>
+          <p:cNvSpPr txBox="1"/>
+          <p:nvPr/>
+        </p:nvSpPr>
+        <p:spPr>
+          <a:xfrm>
+            <a:off x="7418832" y="6426763"/>
+            <a:ext cx="1109472" cy="646331"/>
+          </a:xfrm>
+          <a:prstGeom prst="rect">
+            <a:avLst/>
+          </a:prstGeom>
+          <a:noFill/>
+        </p:spPr>
+        <p:txBody>
+          <a:bodyPr wrap="square" rtlCol="0">
+            <a:spAutoFit/>
+          </a:bodyPr>
+          <a:lstStyle/>
+          <a:p>
+            <a:r>
+              <a:rPr kumimoji="1" lang="ja-JP" altLang="en-US" sz="3600" b="1" dirty="0"/>
+              <a:t>⑦</a:t>
+            </a:r>
+          </a:p>
+        </p:txBody>
+      </p:sp>
+      <p:cxnSp>
+        <p:nvCxnSpPr>
+          <p:cNvPr id="26" name="直線矢印コネクタ 25">
+            <a:extLst>
+              <a:ext uri="{FF2B5EF4-FFF2-40B4-BE49-F238E27FC236}">
+                <a16:creationId xmlns:a16="http://schemas.microsoft.com/office/drawing/2014/main" id="{1F4752F1-6CBD-4BAE-B239-A84495A16F09}"/>
+              </a:ext>
+            </a:extLst>
+          </p:cNvPr>
+          <p:cNvCxnSpPr>
+            <a:cxnSpLocks/>
+            <a:stCxn id="28" idx="1"/>
+          </p:cNvCxnSpPr>
+          <p:nvPr/>
+        </p:nvCxnSpPr>
+        <p:spPr>
+          <a:xfrm flipH="1">
+            <a:off x="10411968" y="1875295"/>
+            <a:ext cx="1046226" cy="274843"/>
+          </a:xfrm>
+          <a:prstGeom prst="straightConnector1">
+            <a:avLst/>
+          </a:prstGeom>
+          <a:ln w="76200">
+            <a:solidFill>
+              <a:srgbClr val="00B0F0"/>
+            </a:solidFill>
+            <a:tailEnd type="triangle"/>
+          </a:ln>
+        </p:spPr>
+        <p:style>
+          <a:lnRef idx="1">
+            <a:schemeClr val="accent1"/>
+          </a:lnRef>
+          <a:fillRef idx="0">
+            <a:schemeClr val="accent1"/>
+          </a:fillRef>
+          <a:effectRef idx="0">
+            <a:schemeClr val="accent1"/>
+          </a:effectRef>
+          <a:fontRef idx="minor">
+            <a:schemeClr val="tx1"/>
+          </a:fontRef>
+        </p:style>
+      </p:cxnSp>
+      <p:sp>
+        <p:nvSpPr>
+          <p:cNvPr id="28" name="テキスト ボックス 27">
+            <a:extLst>
+              <a:ext uri="{FF2B5EF4-FFF2-40B4-BE49-F238E27FC236}">
+                <a16:creationId xmlns:a16="http://schemas.microsoft.com/office/drawing/2014/main" id="{08F0BA42-1665-4B6A-8BC9-B93794D60EA4}"/>
+              </a:ext>
+            </a:extLst>
+          </p:cNvPr>
+          <p:cNvSpPr txBox="1"/>
+          <p:nvPr/>
+        </p:nvSpPr>
+        <p:spPr>
+          <a:xfrm>
+            <a:off x="11458194" y="1552129"/>
+            <a:ext cx="1109472" cy="646331"/>
+          </a:xfrm>
+          <a:prstGeom prst="rect">
+            <a:avLst/>
+          </a:prstGeom>
+          <a:noFill/>
+        </p:spPr>
+        <p:txBody>
+          <a:bodyPr wrap="square" rtlCol="0">
+            <a:spAutoFit/>
+          </a:bodyPr>
+          <a:lstStyle/>
+          <a:p>
+            <a:r>
+              <a:rPr kumimoji="1" lang="ja-JP" altLang="en-US" sz="3600" b="1" dirty="0"/>
+              <a:t>③</a:t>
+            </a:r>
           </a:p>
         </p:txBody>
       </p:sp>
     </p:spTree>
     <p:extLst>
       <p:ext uri="{BB962C8B-B14F-4D97-AF65-F5344CB8AC3E}">
-        <p14:creationId xmlns:p14="http://schemas.microsoft.com/office/powerpoint/2010/main" val="2340954624"/>
+        <p14:creationId xmlns:p14="http://schemas.microsoft.com/office/powerpoint/2010/main" val="1673152961"/>
       </p:ext>
     </p:extLst>
   </p:cSld>
@@ -6976,10 +6583,10 @@
       </p:grpSpPr>
       <p:pic>
         <p:nvPicPr>
-          <p:cNvPr id="23" name="コンテンツ プレースホルダー 4" descr="グラフィカル ユーザー インターフェイス, アプリケーション, Word&#10;&#10;自動的に生成された説明">
-            <a:extLst>
-              <a:ext uri="{FF2B5EF4-FFF2-40B4-BE49-F238E27FC236}">
-                <a16:creationId xmlns:a16="http://schemas.microsoft.com/office/drawing/2014/main" id="{D8B7E750-1E8E-439A-92B2-5E178273B8B8}"/>
+          <p:cNvPr id="4" name="図 3" descr="コンピューターのスクリーンショット&#10;&#10;自動的に生成された説明">
+            <a:extLst>
+              <a:ext uri="{FF2B5EF4-FFF2-40B4-BE49-F238E27FC236}">
+                <a16:creationId xmlns:a16="http://schemas.microsoft.com/office/drawing/2014/main" id="{DECE2ACF-C989-443F-8974-C6B9468688EF}"/>
               </a:ext>
             </a:extLst>
           </p:cNvPr>
@@ -7002,8 +6609,8 @@
         </p:blipFill>
         <p:spPr>
           <a:xfrm>
-            <a:off x="465221" y="1754340"/>
-            <a:ext cx="11871158" cy="6599903"/>
+            <a:off x="1163574" y="1309013"/>
+            <a:ext cx="10373868" cy="5835301"/>
           </a:xfrm>
           <a:prstGeom prst="rect">
             <a:avLst/>
@@ -7015,7 +6622,7 @@
           <p:cNvPr id="2" name="タイトル 1">
             <a:extLst>
               <a:ext uri="{FF2B5EF4-FFF2-40B4-BE49-F238E27FC236}">
-                <a16:creationId xmlns:a16="http://schemas.microsoft.com/office/drawing/2014/main" id="{8B2FAA44-CA00-4C83-ABA3-DEB78F335850}"/>
+                <a16:creationId xmlns:a16="http://schemas.microsoft.com/office/drawing/2014/main" id="{E8D3EA56-17A1-404A-8F24-75E112128ACB}"/>
               </a:ext>
             </a:extLst>
           </p:cNvPr>
@@ -7026,68 +6633,34 @@
             <p:ph type="title"/>
           </p:nvPr>
         </p:nvSpPr>
-        <p:spPr/>
+        <p:spPr>
+          <a:xfrm>
+            <a:off x="291084" y="-86599"/>
+            <a:ext cx="11041380" cy="1855788"/>
+          </a:xfrm>
+        </p:spPr>
         <p:txBody>
           <a:bodyPr/>
           <a:lstStyle/>
           <a:p>
             <a:r>
-              <a:rPr kumimoji="1" lang="en-US" altLang="ja-JP" dirty="0"/>
-              <a:t>D-3 </a:t>
-            </a:r>
-            <a:r>
-              <a:rPr kumimoji="1" lang="ja-JP" altLang="en-US" dirty="0"/>
-              <a:t>投稿</a:t>
+              <a:rPr lang="en-US" altLang="ja-JP" dirty="0"/>
+              <a:t>D-2</a:t>
             </a:r>
             <a:r>
               <a:rPr lang="ja-JP" altLang="en-US" dirty="0"/>
-              <a:t>一覧</a:t>
+              <a:t>　画像の投稿</a:t>
             </a:r>
             <a:endParaRPr kumimoji="1" lang="ja-JP" altLang="en-US" dirty="0"/>
           </a:p>
         </p:txBody>
       </p:sp>
-      <p:pic>
-        <p:nvPicPr>
-          <p:cNvPr id="5" name="コンテンツ プレースホルダー 4" descr="グラフィカル ユーザー インターフェイス, アプリケーション, Word&#10;&#10;自動的に生成された説明">
-            <a:extLst>
-              <a:ext uri="{FF2B5EF4-FFF2-40B4-BE49-F238E27FC236}">
-                <a16:creationId xmlns:a16="http://schemas.microsoft.com/office/drawing/2014/main" id="{BEFFB056-AE21-48CA-A69C-F6881535B8C1}"/>
-              </a:ext>
-            </a:extLst>
-          </p:cNvPr>
-          <p:cNvPicPr>
-            <a:picLocks noGrp="1" noChangeAspect="1"/>
-          </p:cNvPicPr>
-          <p:nvPr>
-            <p:ph idx="1"/>
-          </p:nvPr>
-        </p:nvPicPr>
-        <p:blipFill>
-          <a:blip r:embed="rId2">
-            <a:extLst>
-              <a:ext uri="{28A0092B-C50C-407E-A947-70E740481C1C}">
-                <a14:useLocalDpi xmlns:a14="http://schemas.microsoft.com/office/drawing/2010/main" val="0"/>
-              </a:ext>
-            </a:extLst>
-          </a:blip>
-          <a:stretch>
-            <a:fillRect/>
-          </a:stretch>
-        </p:blipFill>
-        <p:spPr>
-          <a:xfrm>
-            <a:off x="465221" y="1889740"/>
-            <a:ext cx="11871158" cy="6599903"/>
-          </a:xfrm>
-        </p:spPr>
-      </p:pic>
       <p:cxnSp>
         <p:nvCxnSpPr>
-          <p:cNvPr id="6" name="直線矢印コネクタ 5">
-            <a:extLst>
-              <a:ext uri="{FF2B5EF4-FFF2-40B4-BE49-F238E27FC236}">
-                <a16:creationId xmlns:a16="http://schemas.microsoft.com/office/drawing/2014/main" id="{B9F5F054-6567-4DAC-A1C9-492B4736960E}"/>
+          <p:cNvPr id="30" name="直線矢印コネクタ 29">
+            <a:extLst>
+              <a:ext uri="{FF2B5EF4-FFF2-40B4-BE49-F238E27FC236}">
+                <a16:creationId xmlns:a16="http://schemas.microsoft.com/office/drawing/2014/main" id="{206B2EED-0288-4E3E-9423-B7B32FD58332}"/>
               </a:ext>
             </a:extLst>
           </p:cNvPr>
@@ -7097,26 +6670,29 @@
           <p:nvPr/>
         </p:nvCxnSpPr>
         <p:spPr>
-          <a:xfrm flipH="1" flipV="1">
-            <a:off x="7776883" y="5534454"/>
-            <a:ext cx="2078942" cy="1625446"/>
+          <a:xfrm flipH="1">
+            <a:off x="6085266" y="947017"/>
+            <a:ext cx="4266184" cy="1463784"/>
           </a:xfrm>
           <a:prstGeom prst="straightConnector1">
             <a:avLst/>
           </a:prstGeom>
           <a:ln w="76200">
+            <a:solidFill>
+              <a:srgbClr val="00B0F0"/>
+            </a:solidFill>
             <a:tailEnd type="triangle"/>
           </a:ln>
         </p:spPr>
         <p:style>
           <a:lnRef idx="1">
-            <a:schemeClr val="dk1"/>
+            <a:schemeClr val="accent1"/>
           </a:lnRef>
           <a:fillRef idx="0">
-            <a:schemeClr val="dk1"/>
+            <a:schemeClr val="accent1"/>
           </a:fillRef>
           <a:effectRef idx="0">
-            <a:schemeClr val="dk1"/>
+            <a:schemeClr val="accent1"/>
           </a:effectRef>
           <a:fontRef idx="minor">
             <a:schemeClr val="tx1"/>
@@ -7125,10 +6701,10 @@
       </p:cxnSp>
       <p:sp>
         <p:nvSpPr>
-          <p:cNvPr id="7" name="テキスト ボックス 6">
-            <a:extLst>
-              <a:ext uri="{FF2B5EF4-FFF2-40B4-BE49-F238E27FC236}">
-                <a16:creationId xmlns:a16="http://schemas.microsoft.com/office/drawing/2014/main" id="{FCCB4203-3C42-41AD-89D6-CADFAA75FEDD}"/>
+          <p:cNvPr id="35" name="テキスト ボックス 34">
+            <a:extLst>
+              <a:ext uri="{FF2B5EF4-FFF2-40B4-BE49-F238E27FC236}">
+                <a16:creationId xmlns:a16="http://schemas.microsoft.com/office/drawing/2014/main" id="{E6436985-E739-4F4A-9A9A-925068B48370}"/>
               </a:ext>
             </a:extLst>
           </p:cNvPr>
@@ -7137,8 +6713,8 @@
         </p:nvSpPr>
         <p:spPr>
           <a:xfrm>
-            <a:off x="9765075" y="6943340"/>
-            <a:ext cx="1054100" cy="1046440"/>
+            <a:off x="10247597" y="501099"/>
+            <a:ext cx="1109472" cy="646331"/>
           </a:xfrm>
           <a:prstGeom prst="rect">
             <a:avLst/>
@@ -7152,22 +6728,18 @@
           <a:lstStyle/>
           <a:p>
             <a:r>
-              <a:rPr kumimoji="1" lang="ja-JP" altLang="en-US" sz="4400" b="1" dirty="0"/>
+              <a:rPr kumimoji="1" lang="ja-JP" altLang="en-US" sz="3600" b="1" dirty="0"/>
               <a:t>①</a:t>
             </a:r>
-            <a:endParaRPr kumimoji="1" lang="en-US" altLang="ja-JP" b="1" dirty="0"/>
-          </a:p>
-          <a:p>
-            <a:endParaRPr kumimoji="1" lang="ja-JP" altLang="en-US" dirty="0"/>
-          </a:p>
-        </p:txBody>
-      </p:sp>
-      <p:sp>
-        <p:nvSpPr>
-          <p:cNvPr id="8" name="テキスト ボックス 7">
-            <a:extLst>
-              <a:ext uri="{FF2B5EF4-FFF2-40B4-BE49-F238E27FC236}">
-                <a16:creationId xmlns:a16="http://schemas.microsoft.com/office/drawing/2014/main" id="{4CFFF099-6A80-4F0E-B8AD-18519ACD5B5D}"/>
+          </a:p>
+        </p:txBody>
+      </p:sp>
+      <p:sp>
+        <p:nvSpPr>
+          <p:cNvPr id="36" name="テキスト ボックス 35">
+            <a:extLst>
+              <a:ext uri="{FF2B5EF4-FFF2-40B4-BE49-F238E27FC236}">
+                <a16:creationId xmlns:a16="http://schemas.microsoft.com/office/drawing/2014/main" id="{18E7A907-973D-4463-A78E-9D01B5B36600}"/>
               </a:ext>
             </a:extLst>
           </p:cNvPr>
@@ -7176,8 +6748,8 @@
         </p:nvSpPr>
         <p:spPr>
           <a:xfrm>
-            <a:off x="525959" y="8012418"/>
-            <a:ext cx="11975690" cy="1200329"/>
+            <a:off x="11899613" y="300686"/>
+            <a:ext cx="1109472" cy="646331"/>
           </a:xfrm>
           <a:prstGeom prst="rect">
             <a:avLst/>
@@ -7191,177 +6763,145 @@
           <a:lstStyle/>
           <a:p>
             <a:r>
-              <a:rPr kumimoji="1" lang="ja-JP" altLang="en-US" dirty="0"/>
-              <a:t>①投稿（画像がある場合は画像も）が新しい順に表示される　⑤よくないねされた数が表示される</a:t>
-            </a:r>
-            <a:endParaRPr kumimoji="1" lang="en-US" altLang="ja-JP" dirty="0"/>
-          </a:p>
-          <a:p>
-            <a:r>
-              <a:rPr kumimoji="1" lang="ja-JP" altLang="en-US" dirty="0"/>
-              <a:t>②いいねができる</a:t>
-            </a:r>
-            <a:r>
-              <a:rPr kumimoji="1" lang="en-US" altLang="ja-JP" dirty="0"/>
-              <a:t>(1</a:t>
-            </a:r>
-            <a:r>
-              <a:rPr kumimoji="1" lang="ja-JP" altLang="en-US" dirty="0"/>
-              <a:t>人につき</a:t>
-            </a:r>
-            <a:r>
-              <a:rPr kumimoji="1" lang="en-US" altLang="ja-JP" dirty="0"/>
-              <a:t>1</a:t>
-            </a:r>
-            <a:r>
-              <a:rPr kumimoji="1" lang="ja-JP" altLang="en-US" dirty="0"/>
-              <a:t>回）　　　　　　　　　　　　　　　</a:t>
-            </a:r>
-            <a:endParaRPr kumimoji="1" lang="en-US" altLang="ja-JP" dirty="0"/>
-          </a:p>
-          <a:p>
-            <a:r>
-              <a:rPr kumimoji="1" lang="ja-JP" altLang="en-US" strike="sngStrike" dirty="0"/>
-              <a:t>③いいねされた数が表示される</a:t>
-            </a:r>
-            <a:endParaRPr kumimoji="1" lang="en-US" altLang="ja-JP" strike="sngStrike" dirty="0"/>
-          </a:p>
-          <a:p>
-            <a:r>
-              <a:rPr kumimoji="1" lang="ja-JP" altLang="en-US" strike="sngStrike" dirty="0"/>
-              <a:t>④よくないねができる</a:t>
-            </a:r>
-            <a:r>
-              <a:rPr kumimoji="1" lang="en-US" altLang="ja-JP" strike="sngStrike" dirty="0"/>
-              <a:t>(</a:t>
-            </a:r>
-            <a:r>
-              <a:rPr kumimoji="1" lang="ja-JP" altLang="en-US" strike="sngStrike" dirty="0"/>
-              <a:t>いいね同様</a:t>
-            </a:r>
-            <a:r>
-              <a:rPr kumimoji="1" lang="en-US" altLang="ja-JP" strike="sngStrike" dirty="0"/>
-              <a:t>)</a:t>
-            </a:r>
-            <a:endParaRPr kumimoji="1" lang="ja-JP" altLang="en-US" strike="sngStrike" dirty="0"/>
+              <a:rPr kumimoji="1" lang="ja-JP" altLang="en-US" sz="3600" b="1" dirty="0"/>
+              <a:t>②</a:t>
+            </a:r>
+          </a:p>
+        </p:txBody>
+      </p:sp>
+      <p:sp>
+        <p:nvSpPr>
+          <p:cNvPr id="37" name="テキスト ボックス 36">
+            <a:extLst>
+              <a:ext uri="{FF2B5EF4-FFF2-40B4-BE49-F238E27FC236}">
+                <a16:creationId xmlns:a16="http://schemas.microsoft.com/office/drawing/2014/main" id="{E5A60638-F7EA-4211-AFC7-A1ED3A64C188}"/>
+              </a:ext>
+            </a:extLst>
+          </p:cNvPr>
+          <p:cNvSpPr txBox="1"/>
+          <p:nvPr/>
+        </p:nvSpPr>
+        <p:spPr>
+          <a:xfrm>
+            <a:off x="146304" y="7343390"/>
+            <a:ext cx="12557760" cy="1384995"/>
+          </a:xfrm>
+          <a:prstGeom prst="rect">
+            <a:avLst/>
+          </a:prstGeom>
+          <a:noFill/>
+        </p:spPr>
+        <p:txBody>
+          <a:bodyPr wrap="square" rtlCol="0">
+            <a:spAutoFit/>
+          </a:bodyPr>
+          <a:lstStyle/>
+          <a:p>
+            <a:r>
+              <a:rPr kumimoji="1" lang="ja-JP" altLang="en-US" sz="2800" b="1" dirty="0"/>
+              <a:t>①ファイルを選択を押す</a:t>
+            </a:r>
+            <a:endParaRPr kumimoji="1" lang="en-US" altLang="ja-JP" sz="2800" b="1" dirty="0"/>
+          </a:p>
+          <a:p>
+            <a:r>
+              <a:rPr kumimoji="1" lang="ja-JP" altLang="en-US" sz="2800" b="1" dirty="0"/>
+              <a:t>②画像を選ぶ</a:t>
+            </a:r>
+            <a:endParaRPr kumimoji="1" lang="en-US" altLang="ja-JP" sz="2800" b="1" dirty="0"/>
+          </a:p>
+          <a:p>
+            <a:r>
+              <a:rPr kumimoji="1" lang="ja-JP" altLang="en-US" sz="2800" b="1" dirty="0"/>
+              <a:t>③開くを押す</a:t>
+            </a:r>
           </a:p>
         </p:txBody>
       </p:sp>
       <p:cxnSp>
         <p:nvCxnSpPr>
-          <p:cNvPr id="9" name="直線矢印コネクタ 8">
-            <a:extLst>
-              <a:ext uri="{FF2B5EF4-FFF2-40B4-BE49-F238E27FC236}">
-                <a16:creationId xmlns:a16="http://schemas.microsoft.com/office/drawing/2014/main" id="{E30B292D-9F86-4770-8792-BFCBE35E594F}"/>
+          <p:cNvPr id="14" name="直線矢印コネクタ 13">
+            <a:extLst>
+              <a:ext uri="{FF2B5EF4-FFF2-40B4-BE49-F238E27FC236}">
+                <a16:creationId xmlns:a16="http://schemas.microsoft.com/office/drawing/2014/main" id="{27AB720F-E839-4880-B0A0-AB0B2DC13FA1}"/>
               </a:ext>
             </a:extLst>
           </p:cNvPr>
           <p:cNvCxnSpPr>
             <a:cxnSpLocks/>
+            <a:stCxn id="36" idx="1"/>
           </p:cNvCxnSpPr>
           <p:nvPr/>
         </p:nvCxnSpPr>
         <p:spPr>
-          <a:xfrm flipV="1">
-            <a:off x="5633715" y="6288447"/>
-            <a:ext cx="17502" cy="565644"/>
+          <a:xfrm flipH="1">
+            <a:off x="5848351" y="623852"/>
+            <a:ext cx="6051262" cy="4702954"/>
           </a:xfrm>
           <a:prstGeom prst="straightConnector1">
             <a:avLst/>
           </a:prstGeom>
           <a:ln w="76200">
+            <a:solidFill>
+              <a:srgbClr val="00B0F0"/>
+            </a:solidFill>
             <a:tailEnd type="triangle"/>
           </a:ln>
         </p:spPr>
         <p:style>
           <a:lnRef idx="1">
-            <a:schemeClr val="dk1"/>
+            <a:schemeClr val="accent1"/>
           </a:lnRef>
           <a:fillRef idx="0">
-            <a:schemeClr val="dk1"/>
+            <a:schemeClr val="accent1"/>
           </a:fillRef>
           <a:effectRef idx="0">
-            <a:schemeClr val="dk1"/>
+            <a:schemeClr val="accent1"/>
           </a:effectRef>
           <a:fontRef idx="minor">
             <a:schemeClr val="tx1"/>
           </a:fontRef>
         </p:style>
       </p:cxnSp>
-      <p:sp>
-        <p:nvSpPr>
-          <p:cNvPr id="10" name="テキスト ボックス 9">
-            <a:extLst>
-              <a:ext uri="{FF2B5EF4-FFF2-40B4-BE49-F238E27FC236}">
-                <a16:creationId xmlns:a16="http://schemas.microsoft.com/office/drawing/2014/main" id="{41F0289C-2FB0-4BD1-A816-94834A09D7E5}"/>
-              </a:ext>
-            </a:extLst>
-          </p:cNvPr>
-          <p:cNvSpPr txBox="1"/>
-          <p:nvPr/>
-        </p:nvSpPr>
-        <p:spPr>
-          <a:xfrm>
-            <a:off x="5226523" y="6808049"/>
-            <a:ext cx="1054100" cy="1046440"/>
-          </a:xfrm>
-          <a:prstGeom prst="rect">
-            <a:avLst/>
-          </a:prstGeom>
-          <a:noFill/>
-        </p:spPr>
-        <p:txBody>
-          <a:bodyPr wrap="square" rtlCol="0">
-            <a:spAutoFit/>
-          </a:bodyPr>
-          <a:lstStyle/>
-          <a:p>
-            <a:r>
-              <a:rPr kumimoji="1" lang="ja-JP" altLang="en-US" sz="4400" b="1" dirty="0"/>
-              <a:t>②</a:t>
-            </a:r>
-            <a:endParaRPr kumimoji="1" lang="en-US" altLang="ja-JP" b="1" dirty="0"/>
-          </a:p>
-          <a:p>
-            <a:endParaRPr kumimoji="1" lang="ja-JP" altLang="en-US" dirty="0"/>
-          </a:p>
-        </p:txBody>
-      </p:sp>
       <p:cxnSp>
         <p:nvCxnSpPr>
-          <p:cNvPr id="11" name="直線矢印コネクタ 10">
-            <a:extLst>
-              <a:ext uri="{FF2B5EF4-FFF2-40B4-BE49-F238E27FC236}">
-                <a16:creationId xmlns:a16="http://schemas.microsoft.com/office/drawing/2014/main" id="{78D5570A-AB77-4EF8-A49A-F3EE8DF6C46A}"/>
+          <p:cNvPr id="26" name="直線矢印コネクタ 25">
+            <a:extLst>
+              <a:ext uri="{FF2B5EF4-FFF2-40B4-BE49-F238E27FC236}">
+                <a16:creationId xmlns:a16="http://schemas.microsoft.com/office/drawing/2014/main" id="{1F4752F1-6CBD-4BAE-B239-A84495A16F09}"/>
               </a:ext>
             </a:extLst>
           </p:cNvPr>
           <p:cNvCxnSpPr>
             <a:cxnSpLocks/>
+            <a:stCxn id="28" idx="1"/>
           </p:cNvCxnSpPr>
           <p:nvPr/>
         </p:nvCxnSpPr>
         <p:spPr>
-          <a:xfrm flipH="1" flipV="1">
-            <a:off x="7277706" y="6239010"/>
-            <a:ext cx="6815" cy="615081"/>
+          <a:xfrm flipH="1">
+            <a:off x="7462345" y="1875295"/>
+            <a:ext cx="3995849" cy="4546526"/>
           </a:xfrm>
           <a:prstGeom prst="straightConnector1">
             <a:avLst/>
           </a:prstGeom>
           <a:ln w="76200">
+            <a:solidFill>
+              <a:srgbClr val="00B0F0"/>
+            </a:solidFill>
             <a:tailEnd type="triangle"/>
           </a:ln>
         </p:spPr>
         <p:style>
           <a:lnRef idx="1">
-            <a:schemeClr val="dk1"/>
+            <a:schemeClr val="accent1"/>
           </a:lnRef>
           <a:fillRef idx="0">
-            <a:schemeClr val="dk1"/>
+            <a:schemeClr val="accent1"/>
           </a:fillRef>
           <a:effectRef idx="0">
-            <a:schemeClr val="dk1"/>
+            <a:schemeClr val="accent1"/>
           </a:effectRef>
           <a:fontRef idx="minor">
             <a:schemeClr val="tx1"/>
@@ -7370,10 +6910,10 @@
       </p:cxnSp>
       <p:sp>
         <p:nvSpPr>
-          <p:cNvPr id="12" name="テキスト ボックス 11">
-            <a:extLst>
-              <a:ext uri="{FF2B5EF4-FFF2-40B4-BE49-F238E27FC236}">
-                <a16:creationId xmlns:a16="http://schemas.microsoft.com/office/drawing/2014/main" id="{29E09DBB-61EC-4490-846C-87DB8BCBF9FE}"/>
+          <p:cNvPr id="28" name="テキスト ボックス 27">
+            <a:extLst>
+              <a:ext uri="{FF2B5EF4-FFF2-40B4-BE49-F238E27FC236}">
+                <a16:creationId xmlns:a16="http://schemas.microsoft.com/office/drawing/2014/main" id="{08F0BA42-1665-4B6A-8BC9-B93794D60EA4}"/>
               </a:ext>
             </a:extLst>
           </p:cNvPr>
@@ -7382,8 +6922,8 @@
         </p:nvSpPr>
         <p:spPr>
           <a:xfrm>
-            <a:off x="6910029" y="6876729"/>
-            <a:ext cx="1054100" cy="1046440"/>
+            <a:off x="11458194" y="1552129"/>
+            <a:ext cx="1109472" cy="646331"/>
           </a:xfrm>
           <a:prstGeom prst="rect">
             <a:avLst/>
@@ -7397,215 +6937,16 @@
           <a:lstStyle/>
           <a:p>
             <a:r>
-              <a:rPr kumimoji="1" lang="ja-JP" altLang="en-US" sz="4400" b="1" dirty="0"/>
-              <a:t>④</a:t>
-            </a:r>
-            <a:endParaRPr kumimoji="1" lang="en-US" altLang="ja-JP" b="1" dirty="0"/>
-          </a:p>
-          <a:p>
-            <a:endParaRPr kumimoji="1" lang="ja-JP" altLang="en-US" dirty="0"/>
-          </a:p>
-        </p:txBody>
-      </p:sp>
-      <p:cxnSp>
-        <p:nvCxnSpPr>
-          <p:cNvPr id="15" name="直線矢印コネクタ 14">
-            <a:extLst>
-              <a:ext uri="{FF2B5EF4-FFF2-40B4-BE49-F238E27FC236}">
-                <a16:creationId xmlns:a16="http://schemas.microsoft.com/office/drawing/2014/main" id="{B707CAAD-0555-4396-BDEB-39256E72FED5}"/>
-              </a:ext>
-            </a:extLst>
-          </p:cNvPr>
-          <p:cNvCxnSpPr>
-            <a:cxnSpLocks/>
-          </p:cNvCxnSpPr>
-          <p:nvPr/>
-        </p:nvCxnSpPr>
-        <p:spPr>
-          <a:xfrm flipV="1">
-            <a:off x="6263121" y="6280818"/>
-            <a:ext cx="17502" cy="565644"/>
-          </a:xfrm>
-          <a:prstGeom prst="straightConnector1">
-            <a:avLst/>
-          </a:prstGeom>
-          <a:ln w="76200">
-            <a:tailEnd type="triangle"/>
-          </a:ln>
-        </p:spPr>
-        <p:style>
-          <a:lnRef idx="1">
-            <a:schemeClr val="dk1"/>
-          </a:lnRef>
-          <a:fillRef idx="0">
-            <a:schemeClr val="dk1"/>
-          </a:fillRef>
-          <a:effectRef idx="0">
-            <a:schemeClr val="dk1"/>
-          </a:effectRef>
-          <a:fontRef idx="minor">
-            <a:schemeClr val="tx1"/>
-          </a:fontRef>
-        </p:style>
-      </p:cxnSp>
-      <p:sp>
-        <p:nvSpPr>
-          <p:cNvPr id="16" name="テキスト ボックス 15">
-            <a:extLst>
-              <a:ext uri="{FF2B5EF4-FFF2-40B4-BE49-F238E27FC236}">
-                <a16:creationId xmlns:a16="http://schemas.microsoft.com/office/drawing/2014/main" id="{BE75FC3F-FEFD-4806-9A30-05D04F50CEF8}"/>
-              </a:ext>
-            </a:extLst>
-          </p:cNvPr>
-          <p:cNvSpPr txBox="1"/>
-          <p:nvPr/>
-        </p:nvSpPr>
-        <p:spPr>
-          <a:xfrm>
-            <a:off x="5855929" y="6800420"/>
-            <a:ext cx="1054100" cy="1046440"/>
-          </a:xfrm>
-          <a:prstGeom prst="rect">
-            <a:avLst/>
-          </a:prstGeom>
-          <a:noFill/>
-        </p:spPr>
-        <p:txBody>
-          <a:bodyPr wrap="square" rtlCol="0">
-            <a:spAutoFit/>
-          </a:bodyPr>
-          <a:lstStyle/>
-          <a:p>
-            <a:r>
-              <a:rPr kumimoji="1" lang="ja-JP" altLang="en-US" sz="4400" b="1" dirty="0"/>
+              <a:rPr kumimoji="1" lang="ja-JP" altLang="en-US" sz="3600" b="1" dirty="0"/>
               <a:t>③</a:t>
             </a:r>
-            <a:endParaRPr kumimoji="1" lang="en-US" altLang="ja-JP" b="1" dirty="0"/>
-          </a:p>
-          <a:p>
-            <a:endParaRPr kumimoji="1" lang="ja-JP" altLang="en-US" dirty="0"/>
-          </a:p>
-        </p:txBody>
-      </p:sp>
-      <p:cxnSp>
-        <p:nvCxnSpPr>
-          <p:cNvPr id="17" name="直線矢印コネクタ 16">
-            <a:extLst>
-              <a:ext uri="{FF2B5EF4-FFF2-40B4-BE49-F238E27FC236}">
-                <a16:creationId xmlns:a16="http://schemas.microsoft.com/office/drawing/2014/main" id="{FCEC0CF0-D7E6-4B3C-9861-74EF5B8B2C9A}"/>
-              </a:ext>
-            </a:extLst>
-          </p:cNvPr>
-          <p:cNvCxnSpPr>
-            <a:cxnSpLocks/>
-          </p:cNvCxnSpPr>
-          <p:nvPr/>
-        </p:nvCxnSpPr>
-        <p:spPr>
-          <a:xfrm flipV="1">
-            <a:off x="7776883" y="6221836"/>
-            <a:ext cx="17502" cy="565644"/>
-          </a:xfrm>
-          <a:prstGeom prst="straightConnector1">
-            <a:avLst/>
-          </a:prstGeom>
-          <a:ln w="76200">
-            <a:tailEnd type="triangle"/>
-          </a:ln>
-        </p:spPr>
-        <p:style>
-          <a:lnRef idx="1">
-            <a:schemeClr val="dk1"/>
-          </a:lnRef>
-          <a:fillRef idx="0">
-            <a:schemeClr val="dk1"/>
-          </a:fillRef>
-          <a:effectRef idx="0">
-            <a:schemeClr val="dk1"/>
-          </a:effectRef>
-          <a:fontRef idx="minor">
-            <a:schemeClr val="tx1"/>
-          </a:fontRef>
-        </p:style>
-      </p:cxnSp>
-      <p:sp>
-        <p:nvSpPr>
-          <p:cNvPr id="18" name="テキスト ボックス 17">
-            <a:extLst>
-              <a:ext uri="{FF2B5EF4-FFF2-40B4-BE49-F238E27FC236}">
-                <a16:creationId xmlns:a16="http://schemas.microsoft.com/office/drawing/2014/main" id="{ACAEFA5C-D669-4BA7-9161-65CE731522DA}"/>
-              </a:ext>
-            </a:extLst>
-          </p:cNvPr>
-          <p:cNvSpPr txBox="1"/>
-          <p:nvPr/>
-        </p:nvSpPr>
-        <p:spPr>
-          <a:xfrm>
-            <a:off x="7437079" y="6768312"/>
-            <a:ext cx="1054100" cy="1046440"/>
-          </a:xfrm>
-          <a:prstGeom prst="rect">
-            <a:avLst/>
-          </a:prstGeom>
-          <a:noFill/>
-        </p:spPr>
-        <p:txBody>
-          <a:bodyPr wrap="square" rtlCol="0">
-            <a:spAutoFit/>
-          </a:bodyPr>
-          <a:lstStyle/>
-          <a:p>
-            <a:r>
-              <a:rPr kumimoji="1" lang="ja-JP" altLang="en-US" sz="4400" b="1" dirty="0"/>
-              <a:t>⑤</a:t>
-            </a:r>
-            <a:endParaRPr kumimoji="1" lang="en-US" altLang="ja-JP" b="1" dirty="0"/>
-          </a:p>
-          <a:p>
-            <a:endParaRPr kumimoji="1" lang="ja-JP" altLang="en-US" dirty="0"/>
-          </a:p>
-        </p:txBody>
-      </p:sp>
-      <p:sp>
-        <p:nvSpPr>
-          <p:cNvPr id="25" name="テキスト ボックス 24">
-            <a:extLst>
-              <a:ext uri="{FF2B5EF4-FFF2-40B4-BE49-F238E27FC236}">
-                <a16:creationId xmlns:a16="http://schemas.microsoft.com/office/drawing/2014/main" id="{EB7CC585-1B58-4D2D-B26C-13DE51174B15}"/>
-              </a:ext>
-            </a:extLst>
-          </p:cNvPr>
-          <p:cNvSpPr txBox="1"/>
-          <p:nvPr/>
-        </p:nvSpPr>
-        <p:spPr>
-          <a:xfrm>
-            <a:off x="9765075" y="6807940"/>
-            <a:ext cx="1054100" cy="646331"/>
-          </a:xfrm>
-          <a:prstGeom prst="rect">
-            <a:avLst/>
-          </a:prstGeom>
-          <a:noFill/>
-        </p:spPr>
-        <p:txBody>
-          <a:bodyPr wrap="square" rtlCol="0">
-            <a:spAutoFit/>
-          </a:bodyPr>
-          <a:lstStyle/>
-          <a:p>
-            <a:endParaRPr kumimoji="1" lang="en-US" altLang="ja-JP" b="1" dirty="0"/>
-          </a:p>
-          <a:p>
-            <a:endParaRPr kumimoji="1" lang="ja-JP" altLang="en-US" dirty="0"/>
           </a:p>
         </p:txBody>
       </p:sp>
     </p:spTree>
     <p:extLst>
       <p:ext uri="{BB962C8B-B14F-4D97-AF65-F5344CB8AC3E}">
-        <p14:creationId xmlns:p14="http://schemas.microsoft.com/office/powerpoint/2010/main" val="3607232012"/>
+        <p14:creationId xmlns:p14="http://schemas.microsoft.com/office/powerpoint/2010/main" val="623736971"/>
       </p:ext>
     </p:extLst>
   </p:cSld>
@@ -7634,10 +6975,10 @@
       </p:grpSpPr>
       <p:pic>
         <p:nvPicPr>
-          <p:cNvPr id="11" name="図 10" descr="グラフィカル ユーザー インターフェイス, アプリケーション&#10;&#10;自動的に生成された説明">
-            <a:extLst>
-              <a:ext uri="{FF2B5EF4-FFF2-40B4-BE49-F238E27FC236}">
-                <a16:creationId xmlns:a16="http://schemas.microsoft.com/office/drawing/2014/main" id="{1E3CE4D0-7344-FD4D-84A8-D5A757D1C8D6}"/>
+          <p:cNvPr id="9" name="図 8" descr="コンピューターのスクリーンショット&#10;&#10;自動的に生成された説明">
+            <a:extLst>
+              <a:ext uri="{FF2B5EF4-FFF2-40B4-BE49-F238E27FC236}">
+                <a16:creationId xmlns:a16="http://schemas.microsoft.com/office/drawing/2014/main" id="{111B7F7D-4F0E-4066-ABEB-E218D599F029}"/>
               </a:ext>
             </a:extLst>
           </p:cNvPr>
@@ -7660,8 +7001,8 @@
         </p:blipFill>
         <p:spPr>
           <a:xfrm>
-            <a:off x="593090" y="1598030"/>
-            <a:ext cx="11328400" cy="3403600"/>
+            <a:off x="1414053" y="1170577"/>
+            <a:ext cx="10300138" cy="5793828"/>
           </a:xfrm>
           <a:prstGeom prst="rect">
             <a:avLst/>
@@ -7673,7 +7014,7 @@
           <p:cNvPr id="2" name="タイトル 1">
             <a:extLst>
               <a:ext uri="{FF2B5EF4-FFF2-40B4-BE49-F238E27FC236}">
-                <a16:creationId xmlns:a16="http://schemas.microsoft.com/office/drawing/2014/main" id="{B46EE3F2-C7B8-4F11-AF20-A06AE7214DAC}"/>
+                <a16:creationId xmlns:a16="http://schemas.microsoft.com/office/drawing/2014/main" id="{E8D3EA56-17A1-404A-8F24-75E112128ACB}"/>
               </a:ext>
             </a:extLst>
           </p:cNvPr>
@@ -7686,7 +7027,7 @@
         </p:nvSpPr>
         <p:spPr>
           <a:xfrm>
-            <a:off x="399933" y="269606"/>
+            <a:off x="291084" y="-86599"/>
             <a:ext cx="11041380" cy="1855788"/>
           </a:xfrm>
         </p:spPr>
@@ -7696,22 +7037,57 @@
           <a:p>
             <a:r>
               <a:rPr lang="en-US" altLang="ja-JP" dirty="0"/>
-              <a:t>E-1</a:t>
+              <a:t>D-3 </a:t>
             </a:r>
             <a:r>
               <a:rPr lang="ja-JP" altLang="en-US" dirty="0"/>
-              <a:t> ユーザー名表示</a:t>
+              <a:t>投稿後のがめん</a:t>
             </a:r>
             <a:endParaRPr kumimoji="1" lang="ja-JP" altLang="en-US" dirty="0"/>
+          </a:p>
+        </p:txBody>
+      </p:sp>
+      <p:sp>
+        <p:nvSpPr>
+          <p:cNvPr id="37" name="テキスト ボックス 36">
+            <a:extLst>
+              <a:ext uri="{FF2B5EF4-FFF2-40B4-BE49-F238E27FC236}">
+                <a16:creationId xmlns:a16="http://schemas.microsoft.com/office/drawing/2014/main" id="{E5A60638-F7EA-4211-AFC7-A1ED3A64C188}"/>
+              </a:ext>
+            </a:extLst>
+          </p:cNvPr>
+          <p:cNvSpPr txBox="1"/>
+          <p:nvPr/>
+        </p:nvSpPr>
+        <p:spPr>
+          <a:xfrm>
+            <a:off x="146304" y="7343390"/>
+            <a:ext cx="12557760" cy="523220"/>
+          </a:xfrm>
+          <a:prstGeom prst="rect">
+            <a:avLst/>
+          </a:prstGeom>
+          <a:noFill/>
+        </p:spPr>
+        <p:txBody>
+          <a:bodyPr wrap="square" rtlCol="0">
+            <a:spAutoFit/>
+          </a:bodyPr>
+          <a:lstStyle/>
+          <a:p>
+            <a:r>
+              <a:rPr kumimoji="1" lang="ja-JP" altLang="en-US" sz="2800" b="1" dirty="0"/>
+              <a:t>①画像付き投稿された旨が表示されます。</a:t>
+            </a:r>
           </a:p>
         </p:txBody>
       </p:sp>
       <p:cxnSp>
         <p:nvCxnSpPr>
-          <p:cNvPr id="6" name="直線矢印コネクタ 5">
-            <a:extLst>
-              <a:ext uri="{FF2B5EF4-FFF2-40B4-BE49-F238E27FC236}">
-                <a16:creationId xmlns:a16="http://schemas.microsoft.com/office/drawing/2014/main" id="{080015A3-93F0-4DBF-B6D9-35AA2123FC33}"/>
+          <p:cNvPr id="23" name="直線矢印コネクタ 22">
+            <a:extLst>
+              <a:ext uri="{FF2B5EF4-FFF2-40B4-BE49-F238E27FC236}">
+                <a16:creationId xmlns:a16="http://schemas.microsoft.com/office/drawing/2014/main" id="{DB6894BD-1E20-4F0C-A9BA-B290682387DF}"/>
               </a:ext>
             </a:extLst>
           </p:cNvPr>
@@ -7721,29 +7097,29 @@
           <p:nvPr/>
         </p:nvCxnSpPr>
         <p:spPr>
-          <a:xfrm flipH="1">
-            <a:off x="6710289" y="2577753"/>
-            <a:ext cx="3974593" cy="156338"/>
+          <a:xfrm flipH="1" flipV="1">
+            <a:off x="6805860" y="2148175"/>
+            <a:ext cx="5154912" cy="1824735"/>
           </a:xfrm>
           <a:prstGeom prst="straightConnector1">
             <a:avLst/>
           </a:prstGeom>
           <a:ln w="76200">
             <a:solidFill>
-              <a:schemeClr val="bg1"/>
+              <a:srgbClr val="00B0F0"/>
             </a:solidFill>
             <a:tailEnd type="triangle"/>
           </a:ln>
         </p:spPr>
         <p:style>
           <a:lnRef idx="1">
-            <a:schemeClr val="dk1"/>
+            <a:schemeClr val="accent1"/>
           </a:lnRef>
           <a:fillRef idx="0">
-            <a:schemeClr val="dk1"/>
+            <a:schemeClr val="accent1"/>
           </a:fillRef>
           <a:effectRef idx="0">
-            <a:schemeClr val="dk1"/>
+            <a:schemeClr val="accent1"/>
           </a:effectRef>
           <a:fontRef idx="minor">
             <a:schemeClr val="tx1"/>
@@ -7752,10 +7128,10 @@
       </p:cxnSp>
       <p:sp>
         <p:nvSpPr>
-          <p:cNvPr id="7" name="テキスト ボックス 6">
-            <a:extLst>
-              <a:ext uri="{FF2B5EF4-FFF2-40B4-BE49-F238E27FC236}">
-                <a16:creationId xmlns:a16="http://schemas.microsoft.com/office/drawing/2014/main" id="{5A3C47DF-AC68-4929-8559-4C87790F965C}"/>
+          <p:cNvPr id="29" name="テキスト ボックス 28">
+            <a:extLst>
+              <a:ext uri="{FF2B5EF4-FFF2-40B4-BE49-F238E27FC236}">
+                <a16:creationId xmlns:a16="http://schemas.microsoft.com/office/drawing/2014/main" id="{04664078-1461-40D4-B126-2E7C609E4969}"/>
               </a:ext>
             </a:extLst>
           </p:cNvPr>
@@ -7764,8 +7140,8 @@
         </p:nvSpPr>
         <p:spPr>
           <a:xfrm>
-            <a:off x="10684882" y="2210871"/>
-            <a:ext cx="1054100" cy="1046440"/>
+            <a:off x="11960772" y="4167198"/>
+            <a:ext cx="3933182" cy="523220"/>
           </a:xfrm>
           <a:prstGeom prst="rect">
             <a:avLst/>
@@ -7779,34 +7155,157 @@
           <a:lstStyle/>
           <a:p>
             <a:r>
-              <a:rPr kumimoji="1" lang="ja-JP" altLang="en-US" sz="4400" b="1" dirty="0">
-                <a:solidFill>
-                  <a:schemeClr val="bg1"/>
-                </a:solidFill>
-              </a:rPr>
+              <a:rPr kumimoji="1" lang="ja-JP" altLang="en-US" sz="2800" b="1" dirty="0"/>
               <a:t>①</a:t>
             </a:r>
-            <a:endParaRPr kumimoji="1" lang="en-US" altLang="ja-JP" b="1" dirty="0">
-              <a:solidFill>
-                <a:schemeClr val="bg1"/>
-              </a:solidFill>
-            </a:endParaRPr>
-          </a:p>
-          <a:p>
-            <a:endParaRPr kumimoji="1" lang="ja-JP" altLang="en-US" dirty="0">
-              <a:solidFill>
-                <a:schemeClr val="bg1"/>
-              </a:solidFill>
-            </a:endParaRPr>
+          </a:p>
+        </p:txBody>
+      </p:sp>
+    </p:spTree>
+    <p:extLst>
+      <p:ext uri="{BB962C8B-B14F-4D97-AF65-F5344CB8AC3E}">
+        <p14:creationId xmlns:p14="http://schemas.microsoft.com/office/powerpoint/2010/main" val="2562417650"/>
+      </p:ext>
+    </p:extLst>
+  </p:cSld>
+  <p:clrMapOvr>
+    <a:masterClrMapping/>
+  </p:clrMapOvr>
+</p:sld>
+</file>
+
+<file path=ppt/slides/slide9.xml><?xml version="1.0" encoding="utf-8"?>
+<p:sld xmlns:a="http://schemas.openxmlformats.org/drawingml/2006/main" xmlns:r="http://schemas.openxmlformats.org/officeDocument/2006/relationships" xmlns:p="http://schemas.openxmlformats.org/presentationml/2006/main">
+  <p:cSld>
+    <p:spTree>
+      <p:nvGrpSpPr>
+        <p:cNvPr id="1" name=""/>
+        <p:cNvGrpSpPr/>
+        <p:nvPr/>
+      </p:nvGrpSpPr>
+      <p:grpSpPr>
+        <a:xfrm>
+          <a:off x="0" y="0"/>
+          <a:ext cx="0" cy="0"/>
+          <a:chOff x="0" y="0"/>
+          <a:chExt cx="0" cy="0"/>
+        </a:xfrm>
+      </p:grpSpPr>
+      <p:pic>
+        <p:nvPicPr>
+          <p:cNvPr id="4" name="図 3" descr="コンピューターのスクリーンショット&#10;&#10;自動的に生成された説明">
+            <a:extLst>
+              <a:ext uri="{FF2B5EF4-FFF2-40B4-BE49-F238E27FC236}">
+                <a16:creationId xmlns:a16="http://schemas.microsoft.com/office/drawing/2014/main" id="{90D54E35-5185-4014-A06F-6C5CD257F1E1}"/>
+              </a:ext>
+            </a:extLst>
+          </p:cNvPr>
+          <p:cNvPicPr>
+            <a:picLocks noChangeAspect="1"/>
+          </p:cNvPicPr>
+          <p:nvPr/>
+        </p:nvPicPr>
+        <p:blipFill>
+          <a:blip r:embed="rId2">
+            <a:extLst>
+              <a:ext uri="{28A0092B-C50C-407E-A947-70E740481C1C}">
+                <a14:useLocalDpi xmlns:a14="http://schemas.microsoft.com/office/drawing/2010/main" val="0"/>
+              </a:ext>
+            </a:extLst>
+          </a:blip>
+          <a:stretch>
+            <a:fillRect/>
+          </a:stretch>
+        </p:blipFill>
+        <p:spPr>
+          <a:xfrm>
+            <a:off x="1562687" y="1596561"/>
+            <a:ext cx="9769777" cy="5495500"/>
+          </a:xfrm>
+          <a:prstGeom prst="rect">
+            <a:avLst/>
+          </a:prstGeom>
+        </p:spPr>
+      </p:pic>
+      <p:sp>
+        <p:nvSpPr>
+          <p:cNvPr id="2" name="タイトル 1">
+            <a:extLst>
+              <a:ext uri="{FF2B5EF4-FFF2-40B4-BE49-F238E27FC236}">
+                <a16:creationId xmlns:a16="http://schemas.microsoft.com/office/drawing/2014/main" id="{E8D3EA56-17A1-404A-8F24-75E112128ACB}"/>
+              </a:ext>
+            </a:extLst>
+          </p:cNvPr>
+          <p:cNvSpPr>
+            <a:spLocks noGrp="1"/>
+          </p:cNvSpPr>
+          <p:nvPr>
+            <p:ph type="title"/>
+          </p:nvPr>
+        </p:nvSpPr>
+        <p:spPr>
+          <a:xfrm>
+            <a:off x="291084" y="-86599"/>
+            <a:ext cx="11041380" cy="1855788"/>
+          </a:xfrm>
+        </p:spPr>
+        <p:txBody>
+          <a:bodyPr/>
+          <a:lstStyle/>
+          <a:p>
+            <a:r>
+              <a:rPr lang="en-US" altLang="ja-JP" dirty="0"/>
+              <a:t>D-4</a:t>
+            </a:r>
+            <a:r>
+              <a:rPr lang="ja-JP" altLang="en-US" dirty="0"/>
+              <a:t>検索機能</a:t>
+            </a:r>
+            <a:endParaRPr kumimoji="1" lang="ja-JP" altLang="en-US" dirty="0"/>
+          </a:p>
+        </p:txBody>
+      </p:sp>
+      <p:sp>
+        <p:nvSpPr>
+          <p:cNvPr id="37" name="テキスト ボックス 36">
+            <a:extLst>
+              <a:ext uri="{FF2B5EF4-FFF2-40B4-BE49-F238E27FC236}">
+                <a16:creationId xmlns:a16="http://schemas.microsoft.com/office/drawing/2014/main" id="{E5A60638-F7EA-4211-AFC7-A1ED3A64C188}"/>
+              </a:ext>
+            </a:extLst>
+          </p:cNvPr>
+          <p:cNvSpPr txBox="1"/>
+          <p:nvPr/>
+        </p:nvSpPr>
+        <p:spPr>
+          <a:xfrm>
+            <a:off x="146304" y="7343390"/>
+            <a:ext cx="12557760" cy="523220"/>
+          </a:xfrm>
+          <a:prstGeom prst="rect">
+            <a:avLst/>
+          </a:prstGeom>
+          <a:noFill/>
+        </p:spPr>
+        <p:txBody>
+          <a:bodyPr wrap="square" rtlCol="0">
+            <a:spAutoFit/>
+          </a:bodyPr>
+          <a:lstStyle/>
+          <a:p>
+            <a:r>
+              <a:rPr kumimoji="1" lang="ja-JP" altLang="en-US" sz="2800" b="1" dirty="0"/>
+              <a:t>①入力されたキーワードを含む投稿が表示されます</a:t>
+            </a:r>
           </a:p>
         </p:txBody>
       </p:sp>
       <p:cxnSp>
         <p:nvCxnSpPr>
-          <p:cNvPr id="8" name="直線矢印コネクタ 7">
-            <a:extLst>
-              <a:ext uri="{FF2B5EF4-FFF2-40B4-BE49-F238E27FC236}">
-                <a16:creationId xmlns:a16="http://schemas.microsoft.com/office/drawing/2014/main" id="{BDA4CDBF-D5D9-40FB-8E34-FF0EC3048A73}"/>
+          <p:cNvPr id="23" name="直線矢印コネクタ 22">
+            <a:extLst>
+              <a:ext uri="{FF2B5EF4-FFF2-40B4-BE49-F238E27FC236}">
+                <a16:creationId xmlns:a16="http://schemas.microsoft.com/office/drawing/2014/main" id="{DB6894BD-1E20-4F0C-A9BA-B290682387DF}"/>
               </a:ext>
             </a:extLst>
           </p:cNvPr>
@@ -7816,29 +7315,29 @@
           <p:nvPr/>
         </p:nvCxnSpPr>
         <p:spPr>
-          <a:xfrm flipH="1" flipV="1">
-            <a:off x="7596754" y="3257311"/>
-            <a:ext cx="4611756" cy="87204"/>
+          <a:xfrm>
+            <a:off x="8586952" y="974583"/>
+            <a:ext cx="1414053" cy="1041434"/>
           </a:xfrm>
           <a:prstGeom prst="straightConnector1">
             <a:avLst/>
           </a:prstGeom>
           <a:ln w="76200">
             <a:solidFill>
-              <a:schemeClr val="bg1"/>
+              <a:srgbClr val="00B0F0"/>
             </a:solidFill>
             <a:tailEnd type="triangle"/>
           </a:ln>
         </p:spPr>
         <p:style>
           <a:lnRef idx="1">
-            <a:schemeClr val="dk1"/>
+            <a:schemeClr val="accent1"/>
           </a:lnRef>
           <a:fillRef idx="0">
-            <a:schemeClr val="dk1"/>
+            <a:schemeClr val="accent1"/>
           </a:fillRef>
           <a:effectRef idx="0">
-            <a:schemeClr val="dk1"/>
+            <a:schemeClr val="accent1"/>
           </a:effectRef>
           <a:fontRef idx="minor">
             <a:schemeClr val="tx1"/>
@@ -7847,10 +7346,10 @@
       </p:cxnSp>
       <p:sp>
         <p:nvSpPr>
-          <p:cNvPr id="9" name="テキスト ボックス 8">
-            <a:extLst>
-              <a:ext uri="{FF2B5EF4-FFF2-40B4-BE49-F238E27FC236}">
-                <a16:creationId xmlns:a16="http://schemas.microsoft.com/office/drawing/2014/main" id="{E56D8F82-E874-44F7-9BAF-4F9C139F7AC1}"/>
+          <p:cNvPr id="29" name="テキスト ボックス 28">
+            <a:extLst>
+              <a:ext uri="{FF2B5EF4-FFF2-40B4-BE49-F238E27FC236}">
+                <a16:creationId xmlns:a16="http://schemas.microsoft.com/office/drawing/2014/main" id="{04664078-1461-40D4-B126-2E7C609E4969}"/>
               </a:ext>
             </a:extLst>
           </p:cNvPr>
@@ -7859,8 +7358,8 @@
         </p:nvSpPr>
         <p:spPr>
           <a:xfrm>
-            <a:off x="11010900" y="3448366"/>
-            <a:ext cx="1054100" cy="1046440"/>
+            <a:off x="8174735" y="579685"/>
+            <a:ext cx="3933182" cy="523220"/>
           </a:xfrm>
           <a:prstGeom prst="rect">
             <a:avLst/>
@@ -7874,271 +7373,16 @@
           <a:lstStyle/>
           <a:p>
             <a:r>
-              <a:rPr kumimoji="1" lang="ja-JP" altLang="en-US" sz="4400" b="1" dirty="0">
-                <a:solidFill>
-                  <a:schemeClr val="bg1"/>
-                </a:solidFill>
-              </a:rPr>
-              <a:t>②</a:t>
-            </a:r>
-            <a:endParaRPr kumimoji="1" lang="en-US" altLang="ja-JP" b="1" dirty="0">
-              <a:solidFill>
-                <a:schemeClr val="bg1"/>
-              </a:solidFill>
-            </a:endParaRPr>
-          </a:p>
-          <a:p>
-            <a:endParaRPr kumimoji="1" lang="ja-JP" altLang="en-US" dirty="0">
-              <a:solidFill>
-                <a:schemeClr val="bg1"/>
-              </a:solidFill>
-            </a:endParaRPr>
-          </a:p>
-        </p:txBody>
-      </p:sp>
-      <p:sp>
-        <p:nvSpPr>
-          <p:cNvPr id="10" name="テキスト ボックス 9">
-            <a:extLst>
-              <a:ext uri="{FF2B5EF4-FFF2-40B4-BE49-F238E27FC236}">
-                <a16:creationId xmlns:a16="http://schemas.microsoft.com/office/drawing/2014/main" id="{126EEADE-187B-49F2-8481-8940241E5302}"/>
-              </a:ext>
-            </a:extLst>
-          </p:cNvPr>
-          <p:cNvSpPr txBox="1"/>
-          <p:nvPr/>
-        </p:nvSpPr>
-        <p:spPr>
-          <a:xfrm>
-            <a:off x="589994" y="5614471"/>
-            <a:ext cx="10661259" cy="2554545"/>
-          </a:xfrm>
-          <a:prstGeom prst="rect">
-            <a:avLst/>
-          </a:prstGeom>
-          <a:noFill/>
-        </p:spPr>
-        <p:txBody>
-          <a:bodyPr wrap="square" rtlCol="0">
-            <a:spAutoFit/>
-          </a:bodyPr>
-          <a:lstStyle/>
-          <a:p>
-            <a:r>
-              <a:rPr kumimoji="1" lang="ja-JP" altLang="en-US" sz="4000"/>
-              <a:t>①投稿したユーザ名</a:t>
-            </a:r>
-            <a:endParaRPr kumimoji="1" lang="en-US" altLang="ja-JP" sz="4000" dirty="0"/>
-          </a:p>
-          <a:p>
-            <a:r>
-              <a:rPr kumimoji="1" lang="en-US" altLang="ja-JP" sz="4000" dirty="0"/>
-              <a:t>②</a:t>
-            </a:r>
-            <a:r>
-              <a:rPr kumimoji="1" lang="ja-JP" altLang="en-US" sz="4000"/>
-              <a:t>投稿数が表示される</a:t>
-            </a:r>
-            <a:endParaRPr kumimoji="1" lang="en-US" altLang="ja-JP" sz="4000" dirty="0"/>
-          </a:p>
-          <a:p>
-            <a:r>
-              <a:rPr kumimoji="1" lang="ja-JP" altLang="en-US" sz="4000"/>
-              <a:t>③アカウント作成日時が表示される</a:t>
-            </a:r>
-            <a:endParaRPr kumimoji="1" lang="en-US" altLang="ja-JP" sz="4000" dirty="0"/>
-          </a:p>
-          <a:p>
-            <a:r>
-              <a:rPr kumimoji="1" lang="en-US" altLang="ja-JP" sz="4000" dirty="0"/>
-              <a:t>※</a:t>
-            </a:r>
-            <a:r>
-              <a:rPr kumimoji="1" lang="ja-JP" altLang="en-US" sz="4000"/>
-              <a:t>実際の画面はもう少し綺麗になる予定です</a:t>
-            </a:r>
-            <a:endParaRPr kumimoji="1" lang="ja-JP" altLang="en-US" sz="4000" dirty="0"/>
-          </a:p>
-        </p:txBody>
-      </p:sp>
-      <p:sp>
-        <p:nvSpPr>
-          <p:cNvPr id="4" name="テキスト ボックス 3">
-            <a:extLst>
-              <a:ext uri="{FF2B5EF4-FFF2-40B4-BE49-F238E27FC236}">
-                <a16:creationId xmlns:a16="http://schemas.microsoft.com/office/drawing/2014/main" id="{97B537F4-2DA4-124B-909A-018920DF03E3}"/>
-              </a:ext>
-            </a:extLst>
-          </p:cNvPr>
-          <p:cNvSpPr txBox="1"/>
-          <p:nvPr/>
-        </p:nvSpPr>
-        <p:spPr>
-          <a:xfrm>
-            <a:off x="5920624" y="3027200"/>
-            <a:ext cx="2700997" cy="369332"/>
-          </a:xfrm>
-          <a:prstGeom prst="rect">
-            <a:avLst/>
-          </a:prstGeom>
-          <a:noFill/>
-        </p:spPr>
-        <p:txBody>
-          <a:bodyPr wrap="square" rtlCol="0">
-            <a:spAutoFit/>
-          </a:bodyPr>
-          <a:lstStyle/>
-          <a:p>
-            <a:r>
-              <a:rPr kumimoji="1" lang="en-US" altLang="ja-JP" dirty="0">
-                <a:solidFill>
-                  <a:schemeClr val="bg1"/>
-                </a:solidFill>
-              </a:rPr>
-              <a:t>        </a:t>
-            </a:r>
-            <a:r>
-              <a:rPr kumimoji="1" lang="ja-JP" altLang="en-US">
-                <a:solidFill>
-                  <a:schemeClr val="bg1"/>
-                </a:solidFill>
-              </a:rPr>
-              <a:t>　１２３４</a:t>
-            </a:r>
-          </a:p>
-        </p:txBody>
-      </p:sp>
-      <p:sp>
-        <p:nvSpPr>
-          <p:cNvPr id="12" name="テキスト ボックス 11">
-            <a:extLst>
-              <a:ext uri="{FF2B5EF4-FFF2-40B4-BE49-F238E27FC236}">
-                <a16:creationId xmlns:a16="http://schemas.microsoft.com/office/drawing/2014/main" id="{6ADE43DA-98F8-A747-90FB-263603D9D689}"/>
-              </a:ext>
-            </a:extLst>
-          </p:cNvPr>
-          <p:cNvSpPr txBox="1"/>
-          <p:nvPr/>
-        </p:nvSpPr>
-        <p:spPr>
-          <a:xfrm>
-            <a:off x="6710289" y="6119446"/>
-            <a:ext cx="184731" cy="369332"/>
-          </a:xfrm>
-          <a:prstGeom prst="rect">
-            <a:avLst/>
-          </a:prstGeom>
-          <a:noFill/>
-        </p:spPr>
-        <p:txBody>
-          <a:bodyPr wrap="none" rtlCol="0">
-            <a:spAutoFit/>
-          </a:bodyPr>
-          <a:lstStyle/>
-          <a:p>
-            <a:endParaRPr kumimoji="1" lang="ja-JP" altLang="en-US"/>
-          </a:p>
-        </p:txBody>
-      </p:sp>
-      <p:cxnSp>
-        <p:nvCxnSpPr>
-          <p:cNvPr id="13" name="直線矢印コネクタ 12">
-            <a:extLst>
-              <a:ext uri="{FF2B5EF4-FFF2-40B4-BE49-F238E27FC236}">
-                <a16:creationId xmlns:a16="http://schemas.microsoft.com/office/drawing/2014/main" id="{33657C74-304F-F344-A7CC-D6BE493CA99E}"/>
-              </a:ext>
-            </a:extLst>
-          </p:cNvPr>
-          <p:cNvCxnSpPr>
-            <a:cxnSpLocks/>
-          </p:cNvCxnSpPr>
-          <p:nvPr/>
-        </p:nvCxnSpPr>
-        <p:spPr>
-          <a:xfrm flipH="1" flipV="1">
-            <a:off x="7453244" y="3873944"/>
-            <a:ext cx="2999051" cy="592009"/>
-          </a:xfrm>
-          <a:prstGeom prst="straightConnector1">
-            <a:avLst/>
-          </a:prstGeom>
-          <a:ln w="76200">
-            <a:solidFill>
-              <a:schemeClr val="bg1"/>
-            </a:solidFill>
-            <a:tailEnd type="triangle"/>
-          </a:ln>
-        </p:spPr>
-        <p:style>
-          <a:lnRef idx="1">
-            <a:schemeClr val="dk1"/>
-          </a:lnRef>
-          <a:fillRef idx="0">
-            <a:schemeClr val="dk1"/>
-          </a:fillRef>
-          <a:effectRef idx="0">
-            <a:schemeClr val="dk1"/>
-          </a:effectRef>
-          <a:fontRef idx="minor">
-            <a:schemeClr val="tx1"/>
-          </a:fontRef>
-        </p:style>
-      </p:cxnSp>
-      <p:sp>
-        <p:nvSpPr>
-          <p:cNvPr id="14" name="テキスト ボックス 13">
-            <a:extLst>
-              <a:ext uri="{FF2B5EF4-FFF2-40B4-BE49-F238E27FC236}">
-                <a16:creationId xmlns:a16="http://schemas.microsoft.com/office/drawing/2014/main" id="{92D39D72-670F-CE44-8AC0-F226B4C1281A}"/>
-              </a:ext>
-            </a:extLst>
-          </p:cNvPr>
-          <p:cNvSpPr txBox="1"/>
-          <p:nvPr/>
-        </p:nvSpPr>
-        <p:spPr>
-          <a:xfrm>
-            <a:off x="10452295" y="4277380"/>
-            <a:ext cx="1054100" cy="1046440"/>
-          </a:xfrm>
-          <a:prstGeom prst="rect">
-            <a:avLst/>
-          </a:prstGeom>
-          <a:noFill/>
-        </p:spPr>
-        <p:txBody>
-          <a:bodyPr wrap="square" rtlCol="0">
-            <a:spAutoFit/>
-          </a:bodyPr>
-          <a:lstStyle/>
-          <a:p>
-            <a:r>
-              <a:rPr kumimoji="1" lang="ja-JP" altLang="en-US" sz="4400" b="1">
-                <a:solidFill>
-                  <a:schemeClr val="bg1"/>
-                </a:solidFill>
-              </a:rPr>
-              <a:t>③</a:t>
-            </a:r>
-            <a:endParaRPr kumimoji="1" lang="en-US" altLang="ja-JP" b="1" dirty="0">
-              <a:solidFill>
-                <a:schemeClr val="bg1"/>
-              </a:solidFill>
-            </a:endParaRPr>
-          </a:p>
-          <a:p>
-            <a:endParaRPr kumimoji="1" lang="ja-JP" altLang="en-US" dirty="0">
-              <a:solidFill>
-                <a:schemeClr val="bg1"/>
-              </a:solidFill>
-            </a:endParaRPr>
+              <a:rPr kumimoji="1" lang="ja-JP" altLang="en-US" sz="2800" b="1" dirty="0"/>
+              <a:t>①</a:t>
+            </a:r>
           </a:p>
         </p:txBody>
       </p:sp>
     </p:spTree>
     <p:extLst>
       <p:ext uri="{BB962C8B-B14F-4D97-AF65-F5344CB8AC3E}">
-        <p14:creationId xmlns:p14="http://schemas.microsoft.com/office/powerpoint/2010/main" val="1746724768"/>
+        <p14:creationId xmlns:p14="http://schemas.microsoft.com/office/powerpoint/2010/main" val="2363562825"/>
       </p:ext>
     </p:extLst>
   </p:cSld>
